--- a/presentation/middle/‏‏ middle presentation.pptx
+++ b/presentation/middle/‏‏ middle presentation.pptx
@@ -2706,16 +2706,6 @@
             <a:normAutofit/>
           </a:bodyPr>
           <a:lstStyle/>
-          <a:p>
-            <a:r>
-              <a:rPr lang="he-IL" dirty="0" smtClean="0"/>
-              <a:t>חלק</a:t>
-            </a:r>
-            <a:r>
-              <a:rPr lang="he-IL" baseline="0" dirty="0" smtClean="0"/>
-              <a:t> נוסף של הליבה.</a:t>
-            </a:r>
-          </a:p>
           <a:p>
             <a:r>
               <a:rPr lang="he-IL" baseline="0" dirty="0" smtClean="0"/>
@@ -6183,7 +6173,7 @@
         <p:spPr>
           <a:xfrm>
             <a:off x="571472" y="1428736"/>
-            <a:ext cx="8072494" cy="1477328"/>
+            <a:ext cx="8072494" cy="1200329"/>
           </a:xfrm>
           <a:prstGeom prst="rect">
             <a:avLst/>
@@ -6202,7 +6192,11 @@
             </a:pPr>
             <a:r>
               <a:rPr lang="en-US" dirty="0" smtClean="0"/>
-              <a:t>The write controller is a part of the core.</a:t>
+              <a:t>The </a:t>
+            </a:r>
+            <a:r>
+              <a:rPr lang="en-US" dirty="0" smtClean="0"/>
+              <a:t>inputs are the configurations from the registers, and the trigger. </a:t>
             </a:r>
           </a:p>
           <a:p>
@@ -6212,7 +6206,15 @@
             </a:pPr>
             <a:r>
               <a:rPr lang="en-US" dirty="0" smtClean="0"/>
-              <a:t>The inputs are the configurations from the registers, and the trigger. </a:t>
+              <a:t>The outputs are the </a:t>
+            </a:r>
+            <a:r>
+              <a:rPr lang="en-US" dirty="0" smtClean="0"/>
+              <a:t>addresses </a:t>
+            </a:r>
+            <a:r>
+              <a:rPr lang="en-US" dirty="0" smtClean="0"/>
+              <a:t>of the relevant data(according to the configuration).</a:t>
             </a:r>
           </a:p>
           <a:p>
@@ -6222,41 +6224,23 @@
             </a:pPr>
             <a:r>
               <a:rPr lang="en-US" dirty="0" smtClean="0"/>
-              <a:t>The outputs are the </a:t>
-            </a:r>
-            <a:r>
-              <a:rPr lang="en-US" dirty="0" err="1" smtClean="0"/>
-              <a:t>adresses</a:t>
+              <a:t>The write controller </a:t>
             </a:r>
             <a:r>
               <a:rPr lang="en-US" dirty="0" smtClean="0"/>
-              <a:t> of the relevant data(according to the configuration).</a:t>
-            </a:r>
-          </a:p>
-          <a:p>
-            <a:pPr algn="l" rtl="0">
-              <a:buFont typeface="Arial" pitchFamily="34" charset="0"/>
-              <a:buChar char="•"/>
-            </a:pPr>
+              <a:t>calculates </a:t>
+            </a:r>
             <a:r>
               <a:rPr lang="en-US" dirty="0" smtClean="0"/>
-              <a:t>The write controller </a:t>
-            </a:r>
-            <a:r>
-              <a:rPr lang="en-US" dirty="0" err="1" smtClean="0"/>
-              <a:t>culculates</a:t>
+              <a:t>the </a:t>
             </a:r>
             <a:r>
               <a:rPr lang="en-US" dirty="0" smtClean="0"/>
-              <a:t> the </a:t>
-            </a:r>
-            <a:r>
-              <a:rPr lang="en-US" dirty="0" err="1" smtClean="0"/>
-              <a:t>adress</a:t>
+              <a:t>address </a:t>
             </a:r>
             <a:r>
               <a:rPr lang="en-US" dirty="0" smtClean="0"/>
-              <a:t> of the relevant data and send it to the read controller . </a:t>
+              <a:t>of the relevant data and send it to the read controller . </a:t>
             </a:r>
             <a:endParaRPr lang="he-IL" dirty="0"/>
           </a:p>
@@ -6270,8 +6254,8 @@
         </p:nvSpPr>
         <p:spPr>
           <a:xfrm>
-            <a:off x="539552" y="1268760"/>
-            <a:ext cx="7286676" cy="1815882"/>
+            <a:off x="428596" y="1357298"/>
+            <a:ext cx="7786742" cy="1569660"/>
           </a:xfrm>
           <a:prstGeom prst="rect">
             <a:avLst/>
@@ -6315,15 +6299,23 @@
             </a:pPr>
             <a:r>
               <a:rPr lang="en-US" dirty="0" smtClean="0"/>
-              <a:t>The WC calc the current address of the new data and sends the </a:t>
-            </a:r>
-            <a:r>
-              <a:rPr lang="en-US" dirty="0" err="1" smtClean="0"/>
-              <a:t>addr</a:t>
+              <a:t>The WC calc the current address </a:t>
             </a:r>
             <a:r>
               <a:rPr lang="en-US" dirty="0" smtClean="0"/>
-              <a:t> and the data to the RAM.</a:t>
+              <a:t>and </a:t>
+            </a:r>
+            <a:r>
+              <a:rPr lang="en-US" dirty="0" smtClean="0"/>
+              <a:t>sends </a:t>
+            </a:r>
+            <a:r>
+              <a:rPr lang="en-US" dirty="0" smtClean="0"/>
+              <a:t>it to </a:t>
+            </a:r>
+            <a:r>
+              <a:rPr lang="en-US" dirty="0" smtClean="0"/>
+              <a:t>the RAM.</a:t>
             </a:r>
           </a:p>
           <a:p>
@@ -6333,15 +6325,11 @@
             </a:pPr>
             <a:r>
               <a:rPr lang="en-US" dirty="0" smtClean="0"/>
-              <a:t>We also compare </a:t>
-            </a:r>
-            <a:r>
-              <a:rPr lang="en-US" dirty="0" err="1" smtClean="0"/>
-              <a:t>tha</a:t>
+              <a:t>ALU trigger compare the </a:t>
             </a:r>
             <a:r>
               <a:rPr lang="en-US" dirty="0" smtClean="0"/>
-              <a:t> trigger signal to the relevant configuration.</a:t>
+              <a:t>trigger signal to the relevant configuration.</a:t>
             </a:r>
           </a:p>
           <a:p>
@@ -6350,10 +6338,10 @@
               <a:buChar char="•"/>
             </a:pPr>
             <a:r>
-              <a:rPr lang="en-US" sz="1600" dirty="0" smtClean="0"/>
+              <a:rPr lang="en-US" dirty="0" smtClean="0"/>
               <a:t>In  case we find a trigger rise, we rise the “trigger found” signal for one cycle.  </a:t>
             </a:r>
-            <a:endParaRPr lang="he-IL" sz="1600" dirty="0"/>
+            <a:endParaRPr lang="he-IL" dirty="0"/>
           </a:p>
         </p:txBody>
       </p:sp>
@@ -6374,7 +6362,7 @@
         </p:blipFill>
         <p:spPr bwMode="auto">
           <a:xfrm>
-            <a:off x="3923928" y="3429000"/>
+            <a:off x="4286248" y="3214686"/>
             <a:ext cx="4572000" cy="3429000"/>
           </a:xfrm>
           <a:prstGeom prst="rect">
@@ -6391,7 +6379,7 @@
         </p:nvSpPr>
         <p:spPr>
           <a:xfrm>
-            <a:off x="4286248" y="3357562"/>
+            <a:off x="3857620" y="3357562"/>
             <a:ext cx="571504" cy="369332"/>
           </a:xfrm>
           <a:prstGeom prst="rect">
@@ -6427,7 +6415,7 @@
         </p:nvSpPr>
         <p:spPr>
           <a:xfrm>
-            <a:off x="4357686" y="6072206"/>
+            <a:off x="3857620" y="6000768"/>
             <a:ext cx="500066" cy="369332"/>
           </a:xfrm>
           <a:prstGeom prst="rect">
@@ -6583,6 +6571,182 @@
           </a:p>
         </p:txBody>
       </p:sp>
+      <p:sp>
+        <p:nvSpPr>
+          <p:cNvPr id="11" name="TextBox 10"/>
+          <p:cNvSpPr txBox="1"/>
+          <p:nvPr/>
+        </p:nvSpPr>
+        <p:spPr>
+          <a:xfrm>
+            <a:off x="3857620" y="3786190"/>
+            <a:ext cx="571504" cy="369332"/>
+          </a:xfrm>
+          <a:prstGeom prst="rect">
+            <a:avLst/>
+          </a:prstGeom>
+          <a:noFill/>
+          <a:ln>
+            <a:solidFill>
+              <a:schemeClr val="accent2"/>
+            </a:solidFill>
+          </a:ln>
+        </p:spPr>
+        <p:txBody>
+          <a:bodyPr wrap="square" rtlCol="1">
+            <a:spAutoFit/>
+          </a:bodyPr>
+          <a:lstStyle/>
+          <a:p>
+            <a:pPr algn="ctr"/>
+            <a:r>
+              <a:rPr lang="he-IL" sz="900" dirty="0" smtClean="0"/>
+              <a:t> </a:t>
+            </a:r>
+            <a:r>
+              <a:rPr lang="en-US" sz="900" dirty="0" smtClean="0"/>
+              <a:t>Trigger Position</a:t>
+            </a:r>
+            <a:endParaRPr lang="he-IL" sz="900" dirty="0"/>
+          </a:p>
+        </p:txBody>
+      </p:sp>
+      <p:sp>
+        <p:nvSpPr>
+          <p:cNvPr id="15" name="TextBox 14"/>
+          <p:cNvSpPr txBox="1"/>
+          <p:nvPr/>
+        </p:nvSpPr>
+        <p:spPr>
+          <a:xfrm>
+            <a:off x="3857620" y="4143380"/>
+            <a:ext cx="571504" cy="369332"/>
+          </a:xfrm>
+          <a:prstGeom prst="rect">
+            <a:avLst/>
+          </a:prstGeom>
+          <a:noFill/>
+          <a:ln>
+            <a:solidFill>
+              <a:schemeClr val="accent2"/>
+            </a:solidFill>
+          </a:ln>
+        </p:spPr>
+        <p:txBody>
+          <a:bodyPr wrap="square" rtlCol="1">
+            <a:spAutoFit/>
+          </a:bodyPr>
+          <a:lstStyle/>
+          <a:p>
+            <a:pPr algn="ctr"/>
+            <a:r>
+              <a:rPr lang="he-IL" sz="900" dirty="0" smtClean="0"/>
+              <a:t> </a:t>
+            </a:r>
+            <a:r>
+              <a:rPr lang="en-US" sz="900" dirty="0" smtClean="0"/>
+              <a:t>Trigger Type</a:t>
+            </a:r>
+            <a:endParaRPr lang="he-IL" sz="900" dirty="0"/>
+          </a:p>
+        </p:txBody>
+      </p:sp>
+      <p:sp>
+        <p:nvSpPr>
+          <p:cNvPr id="17" name="TextBox 16"/>
+          <p:cNvSpPr txBox="1"/>
+          <p:nvPr/>
+        </p:nvSpPr>
+        <p:spPr>
+          <a:xfrm>
+            <a:off x="6572264" y="4143380"/>
+            <a:ext cx="1000132" cy="230832"/>
+          </a:xfrm>
+          <a:prstGeom prst="rect">
+            <a:avLst/>
+          </a:prstGeom>
+          <a:noFill/>
+          <a:ln>
+            <a:solidFill>
+              <a:schemeClr val="accent2"/>
+            </a:solidFill>
+          </a:ln>
+        </p:spPr>
+        <p:txBody>
+          <a:bodyPr wrap="square" rtlCol="1">
+            <a:spAutoFit/>
+          </a:bodyPr>
+          <a:lstStyle/>
+          <a:p>
+            <a:pPr algn="ctr"/>
+            <a:r>
+              <a:rPr lang="en-US" sz="900" dirty="0" err="1" smtClean="0"/>
+              <a:t>Str</a:t>
+            </a:r>
+            <a:r>
+              <a:rPr lang="en-US" sz="900" dirty="0" smtClean="0"/>
+              <a:t> </a:t>
+            </a:r>
+            <a:r>
+              <a:rPr lang="en-US" sz="900" dirty="0" err="1" smtClean="0"/>
+              <a:t>addr</a:t>
+            </a:r>
+            <a:r>
+              <a:rPr lang="en-US" sz="900" dirty="0" smtClean="0"/>
+              <a:t>\</a:t>
+            </a:r>
+            <a:r>
+              <a:rPr lang="en-US" sz="900" dirty="0" err="1" smtClean="0"/>
+              <a:t>ed</a:t>
+            </a:r>
+            <a:r>
+              <a:rPr lang="en-US" sz="900" dirty="0" smtClean="0"/>
+              <a:t> </a:t>
+            </a:r>
+            <a:r>
+              <a:rPr lang="en-US" sz="900" dirty="0" err="1" smtClean="0"/>
+              <a:t>addr</a:t>
+            </a:r>
+            <a:endParaRPr lang="he-IL" sz="900" dirty="0"/>
+          </a:p>
+        </p:txBody>
+      </p:sp>
+      <p:sp>
+        <p:nvSpPr>
+          <p:cNvPr id="18" name="TextBox 17"/>
+          <p:cNvSpPr txBox="1"/>
+          <p:nvPr/>
+        </p:nvSpPr>
+        <p:spPr>
+          <a:xfrm>
+            <a:off x="6929454" y="4071942"/>
+            <a:ext cx="357190" cy="230832"/>
+          </a:xfrm>
+          <a:prstGeom prst="rect">
+            <a:avLst/>
+          </a:prstGeom>
+          <a:noFill/>
+          <a:ln>
+            <a:solidFill>
+              <a:schemeClr val="accent2"/>
+            </a:solidFill>
+          </a:ln>
+        </p:spPr>
+        <p:txBody>
+          <a:bodyPr wrap="square" rtlCol="1">
+            <a:spAutoFit/>
+          </a:bodyPr>
+          <a:lstStyle/>
+          <a:p>
+            <a:pPr algn="ctr"/>
+            <a:r>
+              <a:rPr lang="en-US" sz="900" dirty="0" smtClean="0"/>
+              <a:t>‘1’</a:t>
+            </a:r>
+            <a:endParaRPr lang="he-IL" sz="900" dirty="0"/>
+          </a:p>
+        </p:txBody>
+      </p:sp>
     </p:spTree>
   </p:cSld>
   <p:clrMapOvr>
@@ -6601,9 +6765,6 @@
                     <p:cTn id="3" fill="hold">
                       <p:stCondLst>
                         <p:cond delay="indefinite"/>
-                        <p:cond evt="onBegin" delay="0">
-                          <p:tn val="2"/>
-                        </p:cond>
                       </p:stCondLst>
                       <p:childTnLst>
                         <p:par>
@@ -6613,7 +6774,7 @@
                             </p:stCondLst>
                             <p:childTnLst>
                               <p:par>
-                                <p:cTn id="5" presetID="8" presetClass="entr" presetSubtype="16" fill="hold" nodeType="withEffect">
+                                <p:cTn id="5" presetID="8" presetClass="entr" presetSubtype="16" fill="hold" grpId="0" nodeType="clickEffect">
                                   <p:stCondLst>
                                     <p:cond delay="0"/>
                                   </p:stCondLst>
@@ -6626,7 +6787,11 @@
                                           </p:stCondLst>
                                         </p:cTn>
                                         <p:tgtEl>
-                                          <p:spTgt spid="1026"/>
+                                          <p:spTgt spid="5">
+                                            <p:txEl>
+                                              <p:pRg st="0" end="0"/>
+                                            </p:txEl>
+                                          </p:spTgt>
                                         </p:tgtEl>
                                         <p:attrNameLst>
                                           <p:attrName>style.visibility</p:attrName>
@@ -6640,7 +6805,11 @@
                                       <p:cBhvr>
                                         <p:cTn id="7" dur="2000"/>
                                         <p:tgtEl>
-                                          <p:spTgt spid="1026"/>
+                                          <p:spTgt spid="5">
+                                            <p:txEl>
+                                              <p:pRg st="0" end="0"/>
+                                            </p:txEl>
+                                          </p:spTgt>
                                         </p:tgtEl>
                                       </p:cBhvr>
                                     </p:animEffect>
@@ -6681,7 +6850,7 @@
                                         <p:tgtEl>
                                           <p:spTgt spid="5">
                                             <p:txEl>
-                                              <p:pRg st="0" end="0"/>
+                                              <p:pRg st="1" end="1"/>
                                             </p:txEl>
                                           </p:spTgt>
                                         </p:tgtEl>
@@ -6699,7 +6868,7 @@
                                         <p:tgtEl>
                                           <p:spTgt spid="5">
                                             <p:txEl>
-                                              <p:pRg st="0" end="0"/>
+                                              <p:pRg st="1" end="1"/>
                                             </p:txEl>
                                           </p:spTgt>
                                         </p:tgtEl>
@@ -6742,7 +6911,7 @@
                                         <p:tgtEl>
                                           <p:spTgt spid="5">
                                             <p:txEl>
-                                              <p:pRg st="1" end="1"/>
+                                              <p:pRg st="2" end="2"/>
                                             </p:txEl>
                                           </p:spTgt>
                                         </p:tgtEl>
@@ -6760,7 +6929,7 @@
                                         <p:tgtEl>
                                           <p:spTgt spid="5">
                                             <p:txEl>
-                                              <p:pRg st="1" end="1"/>
+                                              <p:pRg st="2" end="2"/>
                                             </p:txEl>
                                           </p:spTgt>
                                         </p:tgtEl>
@@ -6788,136 +6957,14 @@
                             </p:stCondLst>
                             <p:childTnLst>
                               <p:par>
-                                <p:cTn id="20" presetID="8" presetClass="entr" presetSubtype="16" fill="hold" grpId="0" nodeType="clickEffect">
-                                  <p:stCondLst>
-                                    <p:cond delay="0"/>
-                                  </p:stCondLst>
-                                  <p:childTnLst>
-                                    <p:set>
-                                      <p:cBhvr>
-                                        <p:cTn id="21" dur="1" fill="hold">
-                                          <p:stCondLst>
-                                            <p:cond delay="0"/>
-                                          </p:stCondLst>
-                                        </p:cTn>
-                                        <p:tgtEl>
-                                          <p:spTgt spid="5">
-                                            <p:txEl>
-                                              <p:pRg st="2" end="2"/>
-                                            </p:txEl>
-                                          </p:spTgt>
-                                        </p:tgtEl>
-                                        <p:attrNameLst>
-                                          <p:attrName>style.visibility</p:attrName>
-                                        </p:attrNameLst>
-                                      </p:cBhvr>
-                                      <p:to>
-                                        <p:strVal val="visible"/>
-                                      </p:to>
-                                    </p:set>
-                                    <p:animEffect transition="in" filter="diamond(in)">
-                                      <p:cBhvr>
-                                        <p:cTn id="22" dur="2000"/>
-                                        <p:tgtEl>
-                                          <p:spTgt spid="5">
-                                            <p:txEl>
-                                              <p:pRg st="2" end="2"/>
-                                            </p:txEl>
-                                          </p:spTgt>
-                                        </p:tgtEl>
-                                      </p:cBhvr>
-                                    </p:animEffect>
-                                  </p:childTnLst>
-                                </p:cTn>
-                              </p:par>
-                            </p:childTnLst>
-                          </p:cTn>
-                        </p:par>
-                      </p:childTnLst>
-                    </p:cTn>
-                  </p:par>
-                  <p:par>
-                    <p:cTn id="23" fill="hold">
-                      <p:stCondLst>
-                        <p:cond delay="indefinite"/>
-                      </p:stCondLst>
-                      <p:childTnLst>
-                        <p:par>
-                          <p:cTn id="24" fill="hold">
-                            <p:stCondLst>
-                              <p:cond delay="0"/>
-                            </p:stCondLst>
-                            <p:childTnLst>
-                              <p:par>
-                                <p:cTn id="25" presetID="8" presetClass="entr" presetSubtype="16" fill="hold" grpId="0" nodeType="clickEffect">
-                                  <p:stCondLst>
-                                    <p:cond delay="0"/>
-                                  </p:stCondLst>
-                                  <p:childTnLst>
-                                    <p:set>
-                                      <p:cBhvr>
-                                        <p:cTn id="26" dur="1" fill="hold">
-                                          <p:stCondLst>
-                                            <p:cond delay="0"/>
-                                          </p:stCondLst>
-                                        </p:cTn>
-                                        <p:tgtEl>
-                                          <p:spTgt spid="5">
-                                            <p:txEl>
-                                              <p:pRg st="3" end="3"/>
-                                            </p:txEl>
-                                          </p:spTgt>
-                                        </p:tgtEl>
-                                        <p:attrNameLst>
-                                          <p:attrName>style.visibility</p:attrName>
-                                        </p:attrNameLst>
-                                      </p:cBhvr>
-                                      <p:to>
-                                        <p:strVal val="visible"/>
-                                      </p:to>
-                                    </p:set>
-                                    <p:animEffect transition="in" filter="diamond(in)">
-                                      <p:cBhvr>
-                                        <p:cTn id="27" dur="2000"/>
-                                        <p:tgtEl>
-                                          <p:spTgt spid="5">
-                                            <p:txEl>
-                                              <p:pRg st="3" end="3"/>
-                                            </p:txEl>
-                                          </p:spTgt>
-                                        </p:tgtEl>
-                                      </p:cBhvr>
-                                    </p:animEffect>
-                                  </p:childTnLst>
-                                </p:cTn>
-                              </p:par>
-                            </p:childTnLst>
-                          </p:cTn>
-                        </p:par>
-                      </p:childTnLst>
-                    </p:cTn>
-                  </p:par>
-                  <p:par>
-                    <p:cTn id="28" fill="hold">
-                      <p:stCondLst>
-                        <p:cond delay="indefinite"/>
-                      </p:stCondLst>
-                      <p:childTnLst>
-                        <p:par>
-                          <p:cTn id="29" fill="hold">
-                            <p:stCondLst>
-                              <p:cond delay="0"/>
-                            </p:stCondLst>
-                            <p:childTnLst>
-                              <p:par>
-                                <p:cTn id="30" presetID="2" presetClass="exit" presetSubtype="4" fill="hold" grpId="1" nodeType="clickEffect">
+                                <p:cTn id="20" presetID="2" presetClass="exit" presetSubtype="4" fill="hold" grpId="1" nodeType="clickEffect">
                                   <p:stCondLst>
                                     <p:cond delay="0"/>
                                   </p:stCondLst>
                                   <p:childTnLst>
                                     <p:anim calcmode="lin" valueType="num">
                                       <p:cBhvr additive="base">
-                                        <p:cTn id="31" dur="500"/>
+                                        <p:cTn id="21" dur="500"/>
                                         <p:tgtEl>
                                           <p:spTgt spid="5">
                                             <p:txEl>
@@ -6944,7 +6991,7 @@
                                     </p:anim>
                                     <p:anim calcmode="lin" valueType="num">
                                       <p:cBhvr additive="base">
-                                        <p:cTn id="32" dur="500"/>
+                                        <p:cTn id="22" dur="500"/>
                                         <p:tgtEl>
                                           <p:spTgt spid="5">
                                             <p:txEl>
@@ -6971,7 +7018,7 @@
                                     </p:anim>
                                     <p:set>
                                       <p:cBhvr>
-                                        <p:cTn id="33" dur="1" fill="hold">
+                                        <p:cTn id="23" dur="1" fill="hold">
                                           <p:stCondLst>
                                             <p:cond delay="499"/>
                                           </p:stCondLst>
@@ -6994,33 +7041,15 @@
                                   </p:childTnLst>
                                 </p:cTn>
                               </p:par>
-                            </p:childTnLst>
-                          </p:cTn>
-                        </p:par>
-                      </p:childTnLst>
-                    </p:cTn>
-                  </p:par>
-                  <p:par>
-                    <p:cTn id="34" fill="hold">
-                      <p:stCondLst>
-                        <p:cond delay="indefinite"/>
-                      </p:stCondLst>
-                      <p:childTnLst>
-                        <p:par>
-                          <p:cTn id="35" fill="hold">
-                            <p:stCondLst>
-                              <p:cond delay="0"/>
-                            </p:stCondLst>
-                            <p:childTnLst>
                               <p:par>
-                                <p:cTn id="36" presetID="2" presetClass="exit" presetSubtype="4" fill="hold" grpId="1" nodeType="clickEffect">
+                                <p:cTn id="24" presetID="2" presetClass="exit" presetSubtype="4" fill="hold" grpId="1" nodeType="withEffect">
                                   <p:stCondLst>
                                     <p:cond delay="0"/>
                                   </p:stCondLst>
                                   <p:childTnLst>
                                     <p:anim calcmode="lin" valueType="num">
                                       <p:cBhvr additive="base">
-                                        <p:cTn id="37" dur="500"/>
+                                        <p:cTn id="25" dur="500"/>
                                         <p:tgtEl>
                                           <p:spTgt spid="5">
                                             <p:txEl>
@@ -7047,7 +7076,7 @@
                                     </p:anim>
                                     <p:anim calcmode="lin" valueType="num">
                                       <p:cBhvr additive="base">
-                                        <p:cTn id="38" dur="500"/>
+                                        <p:cTn id="26" dur="500"/>
                                         <p:tgtEl>
                                           <p:spTgt spid="5">
                                             <p:txEl>
@@ -7074,7 +7103,7 @@
                                     </p:anim>
                                     <p:set>
                                       <p:cBhvr>
-                                        <p:cTn id="39" dur="1" fill="hold">
+                                        <p:cTn id="27" dur="1" fill="hold">
                                           <p:stCondLst>
                                             <p:cond delay="499"/>
                                           </p:stCondLst>
@@ -7097,33 +7126,15 @@
                                   </p:childTnLst>
                                 </p:cTn>
                               </p:par>
-                            </p:childTnLst>
-                          </p:cTn>
-                        </p:par>
-                      </p:childTnLst>
-                    </p:cTn>
-                  </p:par>
-                  <p:par>
-                    <p:cTn id="40" fill="hold">
-                      <p:stCondLst>
-                        <p:cond delay="indefinite"/>
-                      </p:stCondLst>
-                      <p:childTnLst>
-                        <p:par>
-                          <p:cTn id="41" fill="hold">
-                            <p:stCondLst>
-                              <p:cond delay="0"/>
-                            </p:stCondLst>
-                            <p:childTnLst>
                               <p:par>
-                                <p:cTn id="42" presetID="2" presetClass="exit" presetSubtype="4" fill="hold" grpId="1" nodeType="clickEffect">
+                                <p:cTn id="28" presetID="2" presetClass="exit" presetSubtype="4" fill="hold" grpId="1" nodeType="withEffect">
                                   <p:stCondLst>
                                     <p:cond delay="0"/>
                                   </p:stCondLst>
                                   <p:childTnLst>
                                     <p:anim calcmode="lin" valueType="num">
                                       <p:cBhvr additive="base">
-                                        <p:cTn id="43" dur="500"/>
+                                        <p:cTn id="29" dur="500"/>
                                         <p:tgtEl>
                                           <p:spTgt spid="5">
                                             <p:txEl>
@@ -7150,7 +7161,7 @@
                                     </p:anim>
                                     <p:anim calcmode="lin" valueType="num">
                                       <p:cBhvr additive="base">
-                                        <p:cTn id="44" dur="500"/>
+                                        <p:cTn id="30" dur="500"/>
                                         <p:tgtEl>
                                           <p:spTgt spid="5">
                                             <p:txEl>
@@ -7177,7 +7188,7 @@
                                     </p:anim>
                                     <p:set>
                                       <p:cBhvr>
-                                        <p:cTn id="45" dur="1" fill="hold">
+                                        <p:cTn id="31" dur="1" fill="hold">
                                           <p:stCondLst>
                                             <p:cond delay="499"/>
                                           </p:stCondLst>
@@ -7200,136 +7211,15 @@
                                   </p:childTnLst>
                                 </p:cTn>
                               </p:par>
-                            </p:childTnLst>
-                          </p:cTn>
-                        </p:par>
-                      </p:childTnLst>
-                    </p:cTn>
-                  </p:par>
-                  <p:par>
-                    <p:cTn id="46" fill="hold">
-                      <p:stCondLst>
-                        <p:cond delay="indefinite"/>
-                      </p:stCondLst>
-                      <p:childTnLst>
-                        <p:par>
-                          <p:cTn id="47" fill="hold">
-                            <p:stCondLst>
-                              <p:cond delay="0"/>
-                            </p:stCondLst>
-                            <p:childTnLst>
                               <p:par>
-                                <p:cTn id="48" presetID="2" presetClass="exit" presetSubtype="4" fill="hold" grpId="1" nodeType="clickEffect">
-                                  <p:stCondLst>
-                                    <p:cond delay="0"/>
-                                  </p:stCondLst>
-                                  <p:childTnLst>
-                                    <p:anim calcmode="lin" valueType="num">
-                                      <p:cBhvr additive="base">
-                                        <p:cTn id="49" dur="500"/>
-                                        <p:tgtEl>
-                                          <p:spTgt spid="5">
-                                            <p:txEl>
-                                              <p:pRg st="3" end="3"/>
-                                            </p:txEl>
-                                          </p:spTgt>
-                                        </p:tgtEl>
-                                        <p:attrNameLst>
-                                          <p:attrName>ppt_x</p:attrName>
-                                        </p:attrNameLst>
-                                      </p:cBhvr>
-                                      <p:tavLst>
-                                        <p:tav tm="0">
-                                          <p:val>
-                                            <p:strVal val="ppt_x"/>
-                                          </p:val>
-                                        </p:tav>
-                                        <p:tav tm="100000">
-                                          <p:val>
-                                            <p:strVal val="ppt_x"/>
-                                          </p:val>
-                                        </p:tav>
-                                      </p:tavLst>
-                                    </p:anim>
-                                    <p:anim calcmode="lin" valueType="num">
-                                      <p:cBhvr additive="base">
-                                        <p:cTn id="50" dur="500"/>
-                                        <p:tgtEl>
-                                          <p:spTgt spid="5">
-                                            <p:txEl>
-                                              <p:pRg st="3" end="3"/>
-                                            </p:txEl>
-                                          </p:spTgt>
-                                        </p:tgtEl>
-                                        <p:attrNameLst>
-                                          <p:attrName>ppt_y</p:attrName>
-                                        </p:attrNameLst>
-                                      </p:cBhvr>
-                                      <p:tavLst>
-                                        <p:tav tm="0">
-                                          <p:val>
-                                            <p:strVal val="ppt_y"/>
-                                          </p:val>
-                                        </p:tav>
-                                        <p:tav tm="100000">
-                                          <p:val>
-                                            <p:strVal val="1+ppt_h/2"/>
-                                          </p:val>
-                                        </p:tav>
-                                      </p:tavLst>
-                                    </p:anim>
-                                    <p:set>
-                                      <p:cBhvr>
-                                        <p:cTn id="51" dur="1" fill="hold">
-                                          <p:stCondLst>
-                                            <p:cond delay="499"/>
-                                          </p:stCondLst>
-                                        </p:cTn>
-                                        <p:tgtEl>
-                                          <p:spTgt spid="5">
-                                            <p:txEl>
-                                              <p:pRg st="3" end="3"/>
-                                            </p:txEl>
-                                          </p:spTgt>
-                                        </p:tgtEl>
-                                        <p:attrNameLst>
-                                          <p:attrName>style.visibility</p:attrName>
-                                        </p:attrNameLst>
-                                      </p:cBhvr>
-                                      <p:to>
-                                        <p:strVal val="hidden"/>
-                                      </p:to>
-                                    </p:set>
-                                  </p:childTnLst>
-                                </p:cTn>
-                              </p:par>
-                            </p:childTnLst>
-                          </p:cTn>
-                        </p:par>
-                      </p:childTnLst>
-                    </p:cTn>
-                  </p:par>
-                  <p:par>
-                    <p:cTn id="52" fill="hold">
-                      <p:stCondLst>
-                        <p:cond delay="indefinite"/>
-                      </p:stCondLst>
-                      <p:childTnLst>
-                        <p:par>
-                          <p:cTn id="53" fill="hold">
-                            <p:stCondLst>
-                              <p:cond delay="0"/>
-                            </p:stCondLst>
-                            <p:childTnLst>
-                              <p:par>
-                                <p:cTn id="54" presetID="8" presetClass="entr" presetSubtype="16" fill="hold" grpId="0" nodeType="clickEffect">
+                                <p:cTn id="32" presetID="8" presetClass="entr" presetSubtype="16" fill="hold" grpId="0" nodeType="withEffect">
                                   <p:stCondLst>
                                     <p:cond delay="0"/>
                                   </p:stCondLst>
                                   <p:childTnLst>
                                     <p:set>
                                       <p:cBhvr>
-                                        <p:cTn id="55" dur="1" fill="hold">
+                                        <p:cTn id="33" dur="1" fill="hold">
                                           <p:stCondLst>
                                             <p:cond delay="0"/>
                                           </p:stCondLst>
@@ -7351,13 +7241,48 @@
                                     </p:set>
                                     <p:animEffect transition="in" filter="diamond(in)">
                                       <p:cBhvr>
-                                        <p:cTn id="56" dur="2000"/>
+                                        <p:cTn id="34" dur="2000"/>
                                         <p:tgtEl>
                                           <p:spTgt spid="7">
                                             <p:txEl>
                                               <p:pRg st="0" end="0"/>
                                             </p:txEl>
                                           </p:spTgt>
+                                        </p:tgtEl>
+                                      </p:cBhvr>
+                                    </p:animEffect>
+                                  </p:childTnLst>
+                                </p:cTn>
+                              </p:par>
+                              <p:par>
+                                <p:cTn id="35" presetID="8" presetClass="entr" presetSubtype="16" fill="hold" nodeType="withEffect">
+                                  <p:stCondLst>
+                                    <p:cond delay="0"/>
+                                  </p:stCondLst>
+                                  <p:childTnLst>
+                                    <p:set>
+                                      <p:cBhvr>
+                                        <p:cTn id="36" dur="1" fill="hold">
+                                          <p:stCondLst>
+                                            <p:cond delay="0"/>
+                                          </p:stCondLst>
+                                        </p:cTn>
+                                        <p:tgtEl>
+                                          <p:spTgt spid="1026"/>
+                                        </p:tgtEl>
+                                        <p:attrNameLst>
+                                          <p:attrName>style.visibility</p:attrName>
+                                        </p:attrNameLst>
+                                      </p:cBhvr>
+                                      <p:to>
+                                        <p:strVal val="visible"/>
+                                      </p:to>
+                                    </p:set>
+                                    <p:animEffect transition="in" filter="diamond(in)">
+                                      <p:cBhvr>
+                                        <p:cTn id="37" dur="1000"/>
+                                        <p:tgtEl>
+                                          <p:spTgt spid="1026"/>
                                         </p:tgtEl>
                                       </p:cBhvr>
                                     </p:animEffect>
@@ -7371,26 +7296,26 @@
                     </p:cTn>
                   </p:par>
                   <p:par>
-                    <p:cTn id="57" fill="hold">
+                    <p:cTn id="38" fill="hold">
                       <p:stCondLst>
                         <p:cond delay="indefinite"/>
                       </p:stCondLst>
                       <p:childTnLst>
                         <p:par>
-                          <p:cTn id="58" fill="hold">
+                          <p:cTn id="39" fill="hold">
                             <p:stCondLst>
                               <p:cond delay="0"/>
                             </p:stCondLst>
                             <p:childTnLst>
                               <p:par>
-                                <p:cTn id="59" presetID="8" presetClass="entr" presetSubtype="16" fill="hold" grpId="0" nodeType="clickEffect">
+                                <p:cTn id="40" presetID="8" presetClass="entr" presetSubtype="16" fill="hold" grpId="0" nodeType="clickEffect">
                                   <p:stCondLst>
                                     <p:cond delay="0"/>
                                   </p:stCondLst>
                                   <p:childTnLst>
                                     <p:set>
                                       <p:cBhvr>
-                                        <p:cTn id="60" dur="1" fill="hold">
+                                        <p:cTn id="41" dur="1" fill="hold">
                                           <p:stCondLst>
                                             <p:cond delay="0"/>
                                           </p:stCondLst>
@@ -7412,7 +7337,7 @@
                                     </p:set>
                                     <p:animEffect transition="in" filter="diamond(in)">
                                       <p:cBhvr>
-                                        <p:cTn id="61" dur="2000"/>
+                                        <p:cTn id="42" dur="2000"/>
                                         <p:tgtEl>
                                           <p:spTgt spid="7">
                                             <p:txEl>
@@ -7428,40 +7353,27 @@
                             </p:childTnLst>
                           </p:cTn>
                         </p:par>
-                      </p:childTnLst>
-                    </p:cTn>
-                  </p:par>
-                  <p:par>
-                    <p:cTn id="62" fill="hold">
-                      <p:stCondLst>
-                        <p:cond delay="indefinite"/>
-                      </p:stCondLst>
-                      <p:childTnLst>
                         <p:par>
-                          <p:cTn id="63" fill="hold">
+                          <p:cTn id="43" fill="hold">
                             <p:stCondLst>
-                              <p:cond delay="0"/>
+                              <p:cond delay="2000"/>
                             </p:stCondLst>
                             <p:childTnLst>
                               <p:par>
-                                <p:cTn id="64" presetID="8" presetClass="entr" presetSubtype="16" fill="hold" grpId="0" nodeType="clickEffect">
+                                <p:cTn id="44" presetID="4" presetClass="entr" presetSubtype="16" fill="hold" grpId="0" nodeType="afterEffect">
                                   <p:stCondLst>
                                     <p:cond delay="0"/>
                                   </p:stCondLst>
                                   <p:childTnLst>
                                     <p:set>
                                       <p:cBhvr>
-                                        <p:cTn id="65" dur="1" fill="hold">
+                                        <p:cTn id="45" dur="1" fill="hold">
                                           <p:stCondLst>
                                             <p:cond delay="0"/>
                                           </p:stCondLst>
                                         </p:cTn>
                                         <p:tgtEl>
-                                          <p:spTgt spid="7">
-                                            <p:txEl>
-                                              <p:pRg st="2" end="2"/>
-                                            </p:txEl>
-                                          </p:spTgt>
+                                          <p:spTgt spid="9"/>
                                         </p:tgtEl>
                                         <p:attrNameLst>
                                           <p:attrName>style.visibility</p:attrName>
@@ -7471,15 +7383,46 @@
                                         <p:strVal val="visible"/>
                                       </p:to>
                                     </p:set>
-                                    <p:animEffect transition="in" filter="diamond(in)">
-                                      <p:cBhvr>
-                                        <p:cTn id="66" dur="2000"/>
-                                        <p:tgtEl>
-                                          <p:spTgt spid="7">
-                                            <p:txEl>
-                                              <p:pRg st="2" end="2"/>
-                                            </p:txEl>
-                                          </p:spTgt>
+                                    <p:animEffect transition="in" filter="box(in)">
+                                      <p:cBhvr>
+                                        <p:cTn id="46" dur="1000"/>
+                                        <p:tgtEl>
+                                          <p:spTgt spid="9"/>
+                                        </p:tgtEl>
+                                      </p:cBhvr>
+                                    </p:animEffect>
+                                  </p:childTnLst>
+                                </p:cTn>
+                              </p:par>
+                              <p:par>
+                                <p:cTn id="47" presetID="4" presetClass="entr" presetSubtype="16" fill="hold" grpId="0" nodeType="withEffect">
+                                  <p:stCondLst>
+                                    <p:cond delay="0"/>
+                                  </p:stCondLst>
+                                  <p:childTnLst>
+                                    <p:set>
+                                      <p:cBhvr>
+                                        <p:cTn id="48" dur="1" fill="hold">
+                                          <p:stCondLst>
+                                            <p:cond delay="0"/>
+                                          </p:stCondLst>
+                                        </p:cTn>
+                                        <p:tgtEl>
+                                          <p:spTgt spid="10"/>
+                                        </p:tgtEl>
+                                        <p:attrNameLst>
+                                          <p:attrName>style.visibility</p:attrName>
+                                        </p:attrNameLst>
+                                      </p:cBhvr>
+                                      <p:to>
+                                        <p:strVal val="visible"/>
+                                      </p:to>
+                                    </p:set>
+                                    <p:animEffect transition="in" filter="box(in)">
+                                      <p:cBhvr>
+                                        <p:cTn id="49" dur="500"/>
+                                        <p:tgtEl>
+                                          <p:spTgt spid="10"/>
                                         </p:tgtEl>
                                       </p:cBhvr>
                                     </p:animEffect>
@@ -7489,240 +7432,21 @@
                             </p:childTnLst>
                           </p:cTn>
                         </p:par>
-                      </p:childTnLst>
-                    </p:cTn>
-                  </p:par>
-                  <p:par>
-                    <p:cTn id="67" fill="hold">
-                      <p:stCondLst>
-                        <p:cond delay="indefinite"/>
-                      </p:stCondLst>
-                      <p:childTnLst>
                         <p:par>
-                          <p:cTn id="68" fill="hold">
+                          <p:cTn id="50" fill="hold">
                             <p:stCondLst>
-                              <p:cond delay="0"/>
+                              <p:cond delay="3000"/>
                             </p:stCondLst>
                             <p:childTnLst>
                               <p:par>
-                                <p:cTn id="69" presetID="8" presetClass="entr" presetSubtype="16" fill="hold" grpId="0" nodeType="clickEffect">
+                                <p:cTn id="51" presetID="0" presetClass="path" presetSubtype="0" accel="50000" decel="50000" fill="hold" grpId="1" nodeType="afterEffect">
                                   <p:stCondLst>
                                     <p:cond delay="0"/>
                                   </p:stCondLst>
                                   <p:childTnLst>
-                                    <p:set>
-                                      <p:cBhvr>
-                                        <p:cTn id="70" dur="1" fill="hold">
-                                          <p:stCondLst>
-                                            <p:cond delay="0"/>
-                                          </p:stCondLst>
-                                        </p:cTn>
-                                        <p:tgtEl>
-                                          <p:spTgt spid="7">
-                                            <p:txEl>
-                                              <p:pRg st="3" end="3"/>
-                                            </p:txEl>
-                                          </p:spTgt>
-                                        </p:tgtEl>
-                                        <p:attrNameLst>
-                                          <p:attrName>style.visibility</p:attrName>
-                                        </p:attrNameLst>
-                                      </p:cBhvr>
-                                      <p:to>
-                                        <p:strVal val="visible"/>
-                                      </p:to>
-                                    </p:set>
-                                    <p:animEffect transition="in" filter="diamond(in)">
-                                      <p:cBhvr>
-                                        <p:cTn id="71" dur="2000"/>
-                                        <p:tgtEl>
-                                          <p:spTgt spid="7">
-                                            <p:txEl>
-                                              <p:pRg st="3" end="3"/>
-                                            </p:txEl>
-                                          </p:spTgt>
-                                        </p:tgtEl>
-                                      </p:cBhvr>
-                                    </p:animEffect>
-                                  </p:childTnLst>
-                                </p:cTn>
-                              </p:par>
-                            </p:childTnLst>
-                          </p:cTn>
-                        </p:par>
-                      </p:childTnLst>
-                    </p:cTn>
-                  </p:par>
-                  <p:par>
-                    <p:cTn id="72" fill="hold">
-                      <p:stCondLst>
-                        <p:cond delay="indefinite"/>
-                      </p:stCondLst>
-                      <p:childTnLst>
-                        <p:par>
-                          <p:cTn id="73" fill="hold">
-                            <p:stCondLst>
-                              <p:cond delay="0"/>
-                            </p:stCondLst>
-                            <p:childTnLst>
-                              <p:par>
-                                <p:cTn id="74" presetID="8" presetClass="entr" presetSubtype="16" fill="hold" grpId="0" nodeType="clickEffect">
-                                  <p:stCondLst>
-                                    <p:cond delay="0"/>
-                                  </p:stCondLst>
-                                  <p:childTnLst>
-                                    <p:set>
-                                      <p:cBhvr>
-                                        <p:cTn id="75" dur="1" fill="hold">
-                                          <p:stCondLst>
-                                            <p:cond delay="0"/>
-                                          </p:stCondLst>
-                                        </p:cTn>
-                                        <p:tgtEl>
-                                          <p:spTgt spid="7">
-                                            <p:txEl>
-                                              <p:pRg st="4" end="4"/>
-                                            </p:txEl>
-                                          </p:spTgt>
-                                        </p:tgtEl>
-                                        <p:attrNameLst>
-                                          <p:attrName>style.visibility</p:attrName>
-                                        </p:attrNameLst>
-                                      </p:cBhvr>
-                                      <p:to>
-                                        <p:strVal val="visible"/>
-                                      </p:to>
-                                    </p:set>
-                                    <p:animEffect transition="in" filter="diamond(in)">
-                                      <p:cBhvr>
-                                        <p:cTn id="76" dur="2000"/>
-                                        <p:tgtEl>
-                                          <p:spTgt spid="7">
-                                            <p:txEl>
-                                              <p:pRg st="4" end="4"/>
-                                            </p:txEl>
-                                          </p:spTgt>
-                                        </p:tgtEl>
-                                      </p:cBhvr>
-                                    </p:animEffect>
-                                  </p:childTnLst>
-                                </p:cTn>
-                              </p:par>
-                            </p:childTnLst>
-                          </p:cTn>
-                        </p:par>
-                      </p:childTnLst>
-                    </p:cTn>
-                  </p:par>
-                  <p:par>
-                    <p:cTn id="77" fill="hold">
-                      <p:stCondLst>
-                        <p:cond delay="indefinite"/>
-                      </p:stCondLst>
-                      <p:childTnLst>
-                        <p:par>
-                          <p:cTn id="78" fill="hold">
-                            <p:stCondLst>
-                              <p:cond delay="0"/>
-                            </p:stCondLst>
-                            <p:childTnLst>
-                              <p:par>
-                                <p:cTn id="79" presetID="4" presetClass="entr" presetSubtype="16" fill="hold" grpId="0" nodeType="clickEffect">
-                                  <p:stCondLst>
-                                    <p:cond delay="0"/>
-                                  </p:stCondLst>
-                                  <p:childTnLst>
-                                    <p:set>
-                                      <p:cBhvr>
-                                        <p:cTn id="80" dur="1" fill="hold">
-                                          <p:stCondLst>
-                                            <p:cond delay="0"/>
-                                          </p:stCondLst>
-                                        </p:cTn>
-                                        <p:tgtEl>
-                                          <p:spTgt spid="9"/>
-                                        </p:tgtEl>
-                                        <p:attrNameLst>
-                                          <p:attrName>style.visibility</p:attrName>
-                                        </p:attrNameLst>
-                                      </p:cBhvr>
-                                      <p:to>
-                                        <p:strVal val="visible"/>
-                                      </p:to>
-                                    </p:set>
-                                    <p:animEffect transition="in" filter="box(in)">
-                                      <p:cBhvr>
-                                        <p:cTn id="81" dur="500"/>
-                                        <p:tgtEl>
-                                          <p:spTgt spid="9"/>
-                                        </p:tgtEl>
-                                      </p:cBhvr>
-                                    </p:animEffect>
-                                  </p:childTnLst>
-                                </p:cTn>
-                              </p:par>
-                              <p:par>
-                                <p:cTn id="82" presetID="4" presetClass="entr" presetSubtype="16" fill="hold" grpId="0" nodeType="withEffect">
-                                  <p:stCondLst>
-                                    <p:cond delay="0"/>
-                                  </p:stCondLst>
-                                  <p:childTnLst>
-                                    <p:set>
-                                      <p:cBhvr>
-                                        <p:cTn id="83" dur="1" fill="hold">
-                                          <p:stCondLst>
-                                            <p:cond delay="0"/>
-                                          </p:stCondLst>
-                                        </p:cTn>
-                                        <p:tgtEl>
-                                          <p:spTgt spid="10"/>
-                                        </p:tgtEl>
-                                        <p:attrNameLst>
-                                          <p:attrName>style.visibility</p:attrName>
-                                        </p:attrNameLst>
-                                      </p:cBhvr>
-                                      <p:to>
-                                        <p:strVal val="visible"/>
-                                      </p:to>
-                                    </p:set>
-                                    <p:animEffect transition="in" filter="box(in)">
-                                      <p:cBhvr>
-                                        <p:cTn id="84" dur="500"/>
-                                        <p:tgtEl>
-                                          <p:spTgt spid="10"/>
-                                        </p:tgtEl>
-                                      </p:cBhvr>
-                                    </p:animEffect>
-                                  </p:childTnLst>
-                                </p:cTn>
-                              </p:par>
-                            </p:childTnLst>
-                          </p:cTn>
-                        </p:par>
-                      </p:childTnLst>
-                    </p:cTn>
-                  </p:par>
-                  <p:par>
-                    <p:cTn id="85" fill="hold">
-                      <p:stCondLst>
-                        <p:cond delay="indefinite"/>
-                      </p:stCondLst>
-                      <p:childTnLst>
-                        <p:par>
-                          <p:cTn id="86" fill="hold">
-                            <p:stCondLst>
-                              <p:cond delay="0"/>
-                            </p:stCondLst>
-                            <p:childTnLst>
-                              <p:par>
-                                <p:cTn id="87" presetID="0" presetClass="path" presetSubtype="0" accel="50000" decel="50000" fill="hold" grpId="1" nodeType="clickEffect">
-                                  <p:stCondLst>
-                                    <p:cond delay="0"/>
-                                  </p:stCondLst>
-                                  <p:childTnLst>
-                                    <p:animMotion origin="layout" path="M 0 3.20148E-6 C 0.00781 0.0037 0.01649 0.00162 0.02465 0.00532 C 0.0526 -0.00047 0.10521 0.00601 0.12899 0.00647 C 0.12986 0.02313 0.12795 0.02544 0.1342 0.03585 C 0.13559 0.0414 0.13681 0.04672 0.13819 0.05181 C 0.13906 0.05898 0.13576 0.06916 0.14028 0.07333 C 0.14688 0.07911 0.15625 0.07379 0.16406 0.07448 C 0.17726 0.07564 0.1901 0.07865 0.2033 0.08003 C 0.20712 0.07911 0.21094 0.07841 0.21476 0.07726 C 0.22066 0.07564 0.23229 0.07194 0.23229 0.07217 C 0.24913 0.07263 0.26649 0.07032 0.28299 0.07587 C 0.28472 0.07749 0.28802 0.0798 0.28906 0.08258 C 0.2901 0.08605 0.29132 0.09322 0.29132 0.09345 C 0.29045 0.09854 0.28906 0.10941 0.28906 0.10964 " pathEditMode="relative" rAng="0" ptsTypes="fffffffffffffA">
-                                      <p:cBhvr>
-                                        <p:cTn id="88" dur="2000" fill="hold"/>
+                                    <p:animMotion origin="layout" path="M 5E-6 3.20148E-6 C 0.02257 0.00578 0.00156 0.00069 0.06494 0.00162 C 0.09705 0.00208 0.12935 0.00254 0.16146 0.00324 C 0.16372 0.00856 0.16268 0.01735 0.16893 0.02151 C 0.17066 0.0259 0.16945 0.02243 0.17223 0.02891 C 0.17257 0.02961 0.17344 0.03146 0.17344 0.03146 C 0.17396 0.03562 0.1724 0.04256 0.17865 0.04418 C 0.20018 0.03747 0.22396 0.04163 0.24688 0.04256 C 0.26494 0.04372 0.28299 0.04372 0.30105 0.0451 C 0.30834 0.04557 0.3158 0.04626 0.32292 0.04742 C 0.32535 0.04788 0.33039 0.04904 0.33039 0.04904 C 0.32691 0.05297 0.32813 0.05042 0.32813 0.05713 " pathEditMode="relative" rAng="0" ptsTypes="fffffffffffA">
+                                      <p:cBhvr>
+                                        <p:cTn id="52" dur="2000" fill="hold"/>
                                         <p:tgtEl>
                                           <p:spTgt spid="9"/>
                                         </p:tgtEl>
@@ -7731,20 +7455,20 @@
                                           <p:attrName>ppt_y</p:attrName>
                                         </p:attrNameLst>
                                       </p:cBhvr>
-                                      <p:rCtr x="146" y="54"/>
+                                      <p:rCtr x="165" y="28"/>
                                     </p:animMotion>
                                   </p:childTnLst>
                                 </p:cTn>
                               </p:par>
                               <p:par>
-                                <p:cTn id="89" presetID="0" presetClass="path" presetSubtype="0" accel="50000" decel="50000" fill="hold" grpId="1" nodeType="withEffect">
+                                <p:cTn id="53" presetID="0" presetClass="path" presetSubtype="0" accel="50000" decel="50000" fill="hold" grpId="1" nodeType="withEffect">
                                   <p:stCondLst>
                                     <p:cond delay="0"/>
                                   </p:stCondLst>
                                   <p:childTnLst>
-                                    <p:animMotion origin="layout" path="M 0 0 C 0.01892 -0.003 0.03645 0 0.05538 0.00255 C 0.07569 0.00093 0.09201 0.00023 0.11163 0.00255 C 0.14027 0.00116 0.16406 -0.00092 0.19131 0.00255 C 0.1934 0.0044 0.19618 0.0044 0.19809 0.00648 C 0.19878 0.0074 0.19878 0.00902 0.19913 0.01018 C 0.19965 0.01203 0.20104 0.0155 0.20104 0.0155 " pathEditMode="relative" ptsTypes="ffffffA">
-                                      <p:cBhvr>
-                                        <p:cTn id="90" dur="2000" fill="hold"/>
+                                    <p:animMotion origin="layout" path="M -1.94444E-6 3.99954E-6 C 0.02465 -0.00278 0.04775 3.99954E-6 0.07257 0.00254 C 0.09913 0.00092 0.12049 0.00023 0.14618 0.00254 C 0.18386 0.00115 0.21493 -0.00093 0.2507 0.00254 C 0.25347 0.00439 0.25712 0.00439 0.25955 0.00647 C 0.26042 0.0074 0.26042 0.00902 0.26094 0.01017 C 0.26163 0.01202 0.26354 0.01549 0.26354 0.01549 " pathEditMode="relative" rAng="0" ptsTypes="ffffffA">
+                                      <p:cBhvr>
+                                        <p:cTn id="54" dur="2000" fill="hold"/>
                                         <p:tgtEl>
                                           <p:spTgt spid="10"/>
                                         </p:tgtEl>
@@ -7753,6 +7477,7 @@
                                           <p:attrName>ppt_y</p:attrName>
                                         </p:attrNameLst>
                                       </p:cBhvr>
+                                      <p:rCtr x="132" y="6"/>
                                     </p:animMotion>
                                   </p:childTnLst>
                                 </p:cTn>
@@ -7764,26 +7489,78 @@
                     </p:cTn>
                   </p:par>
                   <p:par>
-                    <p:cTn id="91" fill="hold">
+                    <p:cTn id="55" fill="hold">
                       <p:stCondLst>
                         <p:cond delay="indefinite"/>
                       </p:stCondLst>
                       <p:childTnLst>
                         <p:par>
-                          <p:cTn id="92" fill="hold">
+                          <p:cTn id="56" fill="hold">
                             <p:stCondLst>
                               <p:cond delay="0"/>
                             </p:stCondLst>
                             <p:childTnLst>
                               <p:par>
-                                <p:cTn id="93" presetID="4" presetClass="entr" presetSubtype="16" fill="hold" grpId="0" nodeType="clickEffect">
+                                <p:cTn id="57" presetID="8" presetClass="entr" presetSubtype="16" fill="hold" grpId="0" nodeType="clickEffect">
                                   <p:stCondLst>
                                     <p:cond delay="0"/>
                                   </p:stCondLst>
                                   <p:childTnLst>
                                     <p:set>
                                       <p:cBhvr>
-                                        <p:cTn id="94" dur="1" fill="hold">
+                                        <p:cTn id="58" dur="1" fill="hold">
+                                          <p:stCondLst>
+                                            <p:cond delay="0"/>
+                                          </p:stCondLst>
+                                        </p:cTn>
+                                        <p:tgtEl>
+                                          <p:spTgt spid="7">
+                                            <p:txEl>
+                                              <p:pRg st="2" end="2"/>
+                                            </p:txEl>
+                                          </p:spTgt>
+                                        </p:tgtEl>
+                                        <p:attrNameLst>
+                                          <p:attrName>style.visibility</p:attrName>
+                                        </p:attrNameLst>
+                                      </p:cBhvr>
+                                      <p:to>
+                                        <p:strVal val="visible"/>
+                                      </p:to>
+                                    </p:set>
+                                    <p:animEffect transition="in" filter="diamond(in)">
+                                      <p:cBhvr>
+                                        <p:cTn id="59" dur="2000"/>
+                                        <p:tgtEl>
+                                          <p:spTgt spid="7">
+                                            <p:txEl>
+                                              <p:pRg st="2" end="2"/>
+                                            </p:txEl>
+                                          </p:spTgt>
+                                        </p:tgtEl>
+                                      </p:cBhvr>
+                                    </p:animEffect>
+                                  </p:childTnLst>
+                                </p:cTn>
+                              </p:par>
+                            </p:childTnLst>
+                          </p:cTn>
+                        </p:par>
+                        <p:par>
+                          <p:cTn id="60" fill="hold">
+                            <p:stCondLst>
+                              <p:cond delay="2000"/>
+                            </p:stCondLst>
+                            <p:childTnLst>
+                              <p:par>
+                                <p:cTn id="61" presetID="4" presetClass="entr" presetSubtype="16" fill="hold" grpId="0" nodeType="afterEffect">
+                                  <p:stCondLst>
+                                    <p:cond delay="0"/>
+                                  </p:stCondLst>
+                                  <p:childTnLst>
+                                    <p:set>
+                                      <p:cBhvr>
+                                        <p:cTn id="62" dur="1" fill="hold">
                                           <p:stCondLst>
                                             <p:cond delay="0"/>
                                           </p:stCondLst>
@@ -7801,7 +7578,7 @@
                                     </p:set>
                                     <p:animEffect transition="in" filter="box(in)">
                                       <p:cBhvr>
-                                        <p:cTn id="95" dur="500"/>
+                                        <p:cTn id="63" dur="500"/>
                                         <p:tgtEl>
                                           <p:spTgt spid="12"/>
                                         </p:tgtEl>
@@ -7811,14 +7588,14 @@
                                 </p:cTn>
                               </p:par>
                               <p:par>
-                                <p:cTn id="96" presetID="0" presetClass="path" presetSubtype="0" accel="50000" decel="50000" fill="hold" grpId="1" nodeType="withEffect">
+                                <p:cTn id="64" presetID="0" presetClass="path" presetSubtype="0" accel="50000" decel="50000" fill="hold" grpId="1" nodeType="withEffect">
                                   <p:stCondLst>
                                     <p:cond delay="0"/>
                                   </p:stCondLst>
                                   <p:childTnLst>
                                     <p:animMotion origin="layout" path="M -1.94444E-6 2.51908E-6 C 0.00226 0.00902 -1.94444E-6 0.01873 0.00365 0.02776 C 0.00417 0.02961 0.00868 0.02891 0.01111 0.02914 C 0.02136 0.02984 0.03143 0.0303 0.04167 0.03053 C 0.07413 0.03123 0.1066 0.03123 0.13906 0.03192 C 0.15573 0.03053 0.17188 0.0266 0.18854 0.02637 C 0.21632 0.02591 0.24445 0.02776 0.27257 0.02776 " pathEditMode="relative" rAng="0" ptsTypes="ffffffA">
                                       <p:cBhvr>
-                                        <p:cTn id="97" dur="2000" fill="hold"/>
+                                        <p:cTn id="65" dur="2000" fill="hold"/>
                                         <p:tgtEl>
                                           <p:spTgt spid="12"/>
                                         </p:tgtEl>
@@ -7836,20 +7613,20 @@
                           </p:cTn>
                         </p:par>
                         <p:par>
-                          <p:cTn id="98" fill="hold">
+                          <p:cTn id="66" fill="hold">
                             <p:stCondLst>
-                              <p:cond delay="2000"/>
+                              <p:cond delay="4000"/>
                             </p:stCondLst>
                             <p:childTnLst>
                               <p:par>
-                                <p:cTn id="99" presetID="4" presetClass="entr" presetSubtype="16" fill="hold" grpId="0" nodeType="afterEffect">
+                                <p:cTn id="67" presetID="4" presetClass="entr" presetSubtype="16" fill="hold" grpId="0" nodeType="afterEffect">
                                   <p:stCondLst>
                                     <p:cond delay="100"/>
                                   </p:stCondLst>
                                   <p:childTnLst>
                                     <p:set>
                                       <p:cBhvr>
-                                        <p:cTn id="100" dur="1" fill="hold">
+                                        <p:cTn id="68" dur="1" fill="hold">
                                           <p:stCondLst>
                                             <p:cond delay="0"/>
                                           </p:stCondLst>
@@ -7867,7 +7644,7 @@
                                     </p:set>
                                     <p:animEffect transition="in" filter="box(in)">
                                       <p:cBhvr>
-                                        <p:cTn id="101" dur="500"/>
+                                        <p:cTn id="69" dur="500"/>
                                         <p:tgtEl>
                                           <p:spTgt spid="13"/>
                                         </p:tgtEl>
@@ -7877,14 +7654,14 @@
                                 </p:cTn>
                               </p:par>
                               <p:par>
-                                <p:cTn id="102" presetID="0" presetClass="path" presetSubtype="0" accel="50000" decel="50000" fill="hold" grpId="1" nodeType="withEffect">
+                                <p:cTn id="70" presetID="0" presetClass="path" presetSubtype="0" accel="50000" decel="50000" fill="hold" grpId="1" nodeType="withEffect">
                                   <p:stCondLst>
                                     <p:cond delay="500"/>
                                   </p:stCondLst>
                                   <p:childTnLst>
                                     <p:animMotion origin="layout" path="M 0 0 C -0.0066 -0.02221 -0.00399 -0.00833 -0.00295 -0.04256 C -0.00382 -0.04997 -0.00139 -0.05991 -0.00573 -0.06454 C -0.01198 -0.07079 -0.03576 -0.06593 -0.04358 -0.06593 " pathEditMode="relative" ptsTypes="fffA">
                                       <p:cBhvr>
-                                        <p:cTn id="103" dur="2000" fill="hold"/>
+                                        <p:cTn id="71" dur="2000" fill="hold"/>
                                         <p:tgtEl>
                                           <p:spTgt spid="13"/>
                                         </p:tgtEl>
@@ -7901,20 +7678,20 @@
                           </p:cTn>
                         </p:par>
                         <p:par>
-                          <p:cTn id="104" fill="hold">
+                          <p:cTn id="72" fill="hold">
                             <p:stCondLst>
-                              <p:cond delay="4500"/>
+                              <p:cond delay="6500"/>
                             </p:stCondLst>
                             <p:childTnLst>
                               <p:par>
-                                <p:cTn id="105" presetID="4" presetClass="entr" presetSubtype="16" fill="hold" grpId="0" nodeType="afterEffect">
+                                <p:cTn id="73" presetID="4" presetClass="entr" presetSubtype="16" fill="hold" grpId="0" nodeType="afterEffect">
                                   <p:stCondLst>
                                     <p:cond delay="500"/>
                                   </p:stCondLst>
                                   <p:childTnLst>
                                     <p:set>
                                       <p:cBhvr>
-                                        <p:cTn id="106" dur="1" fill="hold">
+                                        <p:cTn id="74" dur="1" fill="hold">
                                           <p:stCondLst>
                                             <p:cond delay="0"/>
                                           </p:stCondLst>
@@ -7932,7 +7709,7 @@
                                     </p:set>
                                     <p:animEffect transition="in" filter="box(in)">
                                       <p:cBhvr>
-                                        <p:cTn id="107" dur="500"/>
+                                        <p:cTn id="75" dur="500"/>
                                         <p:tgtEl>
                                           <p:spTgt spid="14"/>
                                         </p:tgtEl>
@@ -7942,14 +7719,14 @@
                                 </p:cTn>
                               </p:par>
                               <p:par>
-                                <p:cTn id="108" presetID="0" presetClass="path" presetSubtype="0" accel="50000" decel="50000" fill="hold" grpId="1" nodeType="withEffect">
+                                <p:cTn id="76" presetID="0" presetClass="path" presetSubtype="0" accel="50000" decel="50000" fill="hold" grpId="1" nodeType="withEffect">
                                   <p:stCondLst>
                                     <p:cond delay="500"/>
                                   </p:stCondLst>
                                   <p:childTnLst>
                                     <p:animMotion origin="layout" path="M 0 0 C -0.01684 0.00787 -0.03854 -0.00162 -0.05729 0 C -0.06805 0.00393 -0.08021 0.00417 -0.09132 0.00648 C -0.09028 0.01828 -0.08819 0.02707 -0.09132 0.03886 C -0.09253 0.04326 -0.09739 0.04765 -0.1 0.05043 " pathEditMode="relative" ptsTypes="ffffA">
                                       <p:cBhvr>
-                                        <p:cTn id="109" dur="2000" fill="hold"/>
+                                        <p:cTn id="77" dur="2000" fill="hold"/>
                                         <p:tgtEl>
                                           <p:spTgt spid="14"/>
                                         </p:tgtEl>
@@ -7969,34 +7746,34 @@
                     </p:cTn>
                   </p:par>
                   <p:par>
-                    <p:cTn id="110" fill="hold">
+                    <p:cTn id="78" fill="hold">
                       <p:stCondLst>
                         <p:cond delay="indefinite"/>
                       </p:stCondLst>
                       <p:childTnLst>
                         <p:par>
-                          <p:cTn id="111" fill="hold">
+                          <p:cTn id="79" fill="hold">
                             <p:stCondLst>
                               <p:cond delay="0"/>
                             </p:stCondLst>
                             <p:childTnLst>
                               <p:par>
-                                <p:cTn id="112" presetID="1" presetClass="entr" presetSubtype="0" fill="hold" nodeType="clickEffect">
+                                <p:cTn id="80" presetID="8" presetClass="entr" presetSubtype="16" fill="hold" grpId="0" nodeType="clickEffect">
                                   <p:stCondLst>
                                     <p:cond delay="0"/>
                                   </p:stCondLst>
                                   <p:childTnLst>
                                     <p:set>
                                       <p:cBhvr>
-                                        <p:cTn id="113" dur="1" fill="hold">
+                                        <p:cTn id="81" dur="1" fill="hold">
                                           <p:stCondLst>
                                             <p:cond delay="0"/>
                                           </p:stCondLst>
                                         </p:cTn>
                                         <p:tgtEl>
-                                          <p:spTgt spid="5">
+                                          <p:spTgt spid="7">
                                             <p:txEl>
-                                              <p:pRg st="0" end="0"/>
+                                              <p:pRg st="3" end="3"/>
                                             </p:txEl>
                                           </p:spTgt>
                                         </p:tgtEl>
@@ -8008,6 +7785,157 @@
                                         <p:strVal val="visible"/>
                                       </p:to>
                                     </p:set>
+                                    <p:animEffect transition="in" filter="diamond(in)">
+                                      <p:cBhvr>
+                                        <p:cTn id="82" dur="2000"/>
+                                        <p:tgtEl>
+                                          <p:spTgt spid="7">
+                                            <p:txEl>
+                                              <p:pRg st="3" end="3"/>
+                                            </p:txEl>
+                                          </p:spTgt>
+                                        </p:tgtEl>
+                                      </p:cBhvr>
+                                    </p:animEffect>
+                                  </p:childTnLst>
+                                </p:cTn>
+                              </p:par>
+                            </p:childTnLst>
+                          </p:cTn>
+                        </p:par>
+                        <p:par>
+                          <p:cTn id="83" fill="hold">
+                            <p:stCondLst>
+                              <p:cond delay="2000"/>
+                            </p:stCondLst>
+                            <p:childTnLst>
+                              <p:par>
+                                <p:cTn id="84" presetID="4" presetClass="entr" presetSubtype="16" fill="hold" grpId="0" nodeType="afterEffect">
+                                  <p:stCondLst>
+                                    <p:cond delay="0"/>
+                                  </p:stCondLst>
+                                  <p:childTnLst>
+                                    <p:set>
+                                      <p:cBhvr>
+                                        <p:cTn id="85" dur="1" fill="hold">
+                                          <p:stCondLst>
+                                            <p:cond delay="0"/>
+                                          </p:stCondLst>
+                                        </p:cTn>
+                                        <p:tgtEl>
+                                          <p:spTgt spid="11"/>
+                                        </p:tgtEl>
+                                        <p:attrNameLst>
+                                          <p:attrName>style.visibility</p:attrName>
+                                        </p:attrNameLst>
+                                      </p:cBhvr>
+                                      <p:to>
+                                        <p:strVal val="visible"/>
+                                      </p:to>
+                                    </p:set>
+                                    <p:animEffect transition="in" filter="box(in)">
+                                      <p:cBhvr>
+                                        <p:cTn id="86" dur="1000"/>
+                                        <p:tgtEl>
+                                          <p:spTgt spid="11"/>
+                                        </p:tgtEl>
+                                      </p:cBhvr>
+                                    </p:animEffect>
+                                  </p:childTnLst>
+                                </p:cTn>
+                              </p:par>
+                              <p:par>
+                                <p:cTn id="87" presetID="4" presetClass="entr" presetSubtype="16" fill="hold" grpId="0" nodeType="withEffect">
+                                  <p:stCondLst>
+                                    <p:cond delay="0"/>
+                                  </p:stCondLst>
+                                  <p:childTnLst>
+                                    <p:set>
+                                      <p:cBhvr>
+                                        <p:cTn id="88" dur="1" fill="hold">
+                                          <p:stCondLst>
+                                            <p:cond delay="0"/>
+                                          </p:stCondLst>
+                                        </p:cTn>
+                                        <p:tgtEl>
+                                          <p:spTgt spid="15"/>
+                                        </p:tgtEl>
+                                        <p:attrNameLst>
+                                          <p:attrName>style.visibility</p:attrName>
+                                        </p:attrNameLst>
+                                      </p:cBhvr>
+                                      <p:to>
+                                        <p:strVal val="visible"/>
+                                      </p:to>
+                                    </p:set>
+                                    <p:animEffect transition="in" filter="box(in)">
+                                      <p:cBhvr>
+                                        <p:cTn id="89" dur="1000"/>
+                                        <p:tgtEl>
+                                          <p:spTgt spid="15"/>
+                                        </p:tgtEl>
+                                      </p:cBhvr>
+                                    </p:animEffect>
+                                  </p:childTnLst>
+                                </p:cTn>
+                              </p:par>
+                            </p:childTnLst>
+                          </p:cTn>
+                        </p:par>
+                        <p:par>
+                          <p:cTn id="90" fill="hold">
+                            <p:stCondLst>
+                              <p:cond delay="3000"/>
+                            </p:stCondLst>
+                            <p:childTnLst>
+                              <p:par>
+                                <p:cTn id="91" presetID="0" presetClass="path" presetSubtype="0" accel="50000" decel="50000" fill="hold" grpId="1" nodeType="afterEffect">
+                                  <p:stCondLst>
+                                    <p:cond delay="0"/>
+                                  </p:stCondLst>
+                                  <p:childTnLst>
+                                    <p:animMotion origin="layout" path="M 0 0 C 0.00608 0.00162 0.01146 0.00624 0.01754 0.00786 C 0.03195 0.01156 0.04514 0.01226 0.06025 0.01295 C 0.08646 0.01712 0.11268 0.01619 0.13889 0.01295 C 0.13889 0.01295 0.1566 0.0148 0.15921 0.0155 C 0.16129 0.01619 0.16511 0.01827 0.16511 0.01827 C 0.17952 0.03747 0.19271 0.0303 0.21546 0.03123 C 0.24132 0.034 0.26164 0.03423 0.29028 0.03493 C 0.29636 0.03585 0.30278 0.03493 0.30869 0.03747 C 0.3099 0.03794 0.31233 0.04603 0.31268 0.04673 C 0.31528 0.05112 0.32014 0.05228 0.32327 0.05575 C 0.32674 0.05945 0.329 0.06454 0.33212 0.0687 C 0.33264 0.07171 0.33316 0.07657 0.3349 0.07888 C 0.33594 0.08027 0.33785 0.08027 0.33889 0.08165 " pathEditMode="relative" ptsTypes="fffffffffffffA">
+                                      <p:cBhvr>
+                                        <p:cTn id="92" dur="2000" fill="hold"/>
+                                        <p:tgtEl>
+                                          <p:spTgt spid="11"/>
+                                        </p:tgtEl>
+                                        <p:attrNameLst>
+                                          <p:attrName>ppt_x</p:attrName>
+                                          <p:attrName>ppt_y</p:attrName>
+                                        </p:attrNameLst>
+                                      </p:cBhvr>
+                                    </p:animMotion>
+                                  </p:childTnLst>
+                                </p:cTn>
+                              </p:par>
+                            </p:childTnLst>
+                          </p:cTn>
+                        </p:par>
+                        <p:par>
+                          <p:cTn id="93" fill="hold">
+                            <p:stCondLst>
+                              <p:cond delay="5000"/>
+                            </p:stCondLst>
+                            <p:childTnLst>
+                              <p:par>
+                                <p:cTn id="94" presetID="0" presetClass="path" presetSubtype="0" accel="50000" decel="50000" fill="hold" grpId="1" nodeType="afterEffect">
+                                  <p:stCondLst>
+                                    <p:cond delay="0"/>
+                                  </p:stCondLst>
+                                  <p:childTnLst>
+                                    <p:animMotion origin="layout" path="M 0 0 C 0.03368 0.00092 0.06649 0.0037 0.1 0.00532 C 0.12257 0.00856 0.12812 0.00995 0.16215 0.00393 C 0.16441 0.00347 0.16406 -0.00231 0.16597 -0.00393 C 0.16979 -0.00717 0.17152 -0.01134 0.17569 -0.01411 C 0.18298 -0.02475 0.22465 -0.01712 0.23211 -0.01689 C 0.23958 -0.01481 0.24704 -0.01319 0.25434 -0.01041 C 0.26128 -0.00416 0.25902 -0.00763 0.26215 -0.00116 C 0.26406 0.00694 0.26423 0.01527 0.26597 0.02336 C 0.26527 0.02637 0.26406 0.03238 0.26406 0.03238 " pathEditMode="relative" ptsTypes="fffffffffA">
+                                      <p:cBhvr>
+                                        <p:cTn id="95" dur="1000" fill="hold"/>
+                                        <p:tgtEl>
+                                          <p:spTgt spid="15"/>
+                                        </p:tgtEl>
+                                        <p:attrNameLst>
+                                          <p:attrName>ppt_x</p:attrName>
+                                          <p:attrName>ppt_y</p:attrName>
+                                        </p:attrNameLst>
+                                      </p:cBhvr>
+                                    </p:animMotion>
                                   </p:childTnLst>
                                 </p:cTn>
                               </p:par>
@@ -8018,34 +7946,34 @@
                     </p:cTn>
                   </p:par>
                   <p:par>
-                    <p:cTn id="114" fill="hold">
+                    <p:cTn id="96" fill="hold">
                       <p:stCondLst>
                         <p:cond delay="indefinite"/>
                       </p:stCondLst>
                       <p:childTnLst>
                         <p:par>
-                          <p:cTn id="115" fill="hold">
+                          <p:cTn id="97" fill="hold">
                             <p:stCondLst>
                               <p:cond delay="0"/>
                             </p:stCondLst>
                             <p:childTnLst>
                               <p:par>
-                                <p:cTn id="116" presetID="1" presetClass="entr" presetSubtype="0" fill="hold" nodeType="clickEffect">
+                                <p:cTn id="98" presetID="8" presetClass="entr" presetSubtype="16" fill="hold" grpId="0" nodeType="clickEffect">
                                   <p:stCondLst>
                                     <p:cond delay="0"/>
                                   </p:stCondLst>
                                   <p:childTnLst>
                                     <p:set>
                                       <p:cBhvr>
-                                        <p:cTn id="117" dur="1" fill="hold">
+                                        <p:cTn id="99" dur="1" fill="hold">
                                           <p:stCondLst>
                                             <p:cond delay="0"/>
                                           </p:stCondLst>
                                         </p:cTn>
                                         <p:tgtEl>
-                                          <p:spTgt spid="5">
+                                          <p:spTgt spid="7">
                                             <p:txEl>
-                                              <p:pRg st="1" end="1"/>
+                                              <p:pRg st="4" end="4"/>
                                             </p:txEl>
                                           </p:spTgt>
                                         </p:tgtEl>
@@ -8057,46 +7985,80 @@
                                         <p:strVal val="visible"/>
                                       </p:to>
                                     </p:set>
+                                    <p:animEffect transition="in" filter="diamond(in)">
+                                      <p:cBhvr>
+                                        <p:cTn id="100" dur="2000"/>
+                                        <p:tgtEl>
+                                          <p:spTgt spid="7">
+                                            <p:txEl>
+                                              <p:pRg st="4" end="4"/>
+                                            </p:txEl>
+                                          </p:spTgt>
+                                        </p:tgtEl>
+                                      </p:cBhvr>
+                                    </p:animEffect>
                                   </p:childTnLst>
                                 </p:cTn>
                               </p:par>
                             </p:childTnLst>
                           </p:cTn>
                         </p:par>
-                      </p:childTnLst>
-                    </p:cTn>
-                  </p:par>
-                  <p:par>
-                    <p:cTn id="118" fill="hold">
-                      <p:stCondLst>
-                        <p:cond delay="indefinite"/>
-                      </p:stCondLst>
-                      <p:childTnLst>
                         <p:par>
-                          <p:cTn id="119" fill="hold">
+                          <p:cTn id="101" fill="hold">
                             <p:stCondLst>
-                              <p:cond delay="0"/>
+                              <p:cond delay="2000"/>
                             </p:stCondLst>
                             <p:childTnLst>
                               <p:par>
-                                <p:cTn id="120" presetID="1" presetClass="entr" presetSubtype="0" fill="hold" nodeType="clickEffect">
+                                <p:cTn id="102" presetID="4" presetClass="entr" presetSubtype="16" fill="hold" grpId="0" nodeType="afterEffect">
+                                  <p:stCondLst>
+                                    <p:cond delay="1500"/>
+                                  </p:stCondLst>
+                                  <p:childTnLst>
+                                    <p:set>
+                                      <p:cBhvr>
+                                        <p:cTn id="103" dur="1" fill="hold">
+                                          <p:stCondLst>
+                                            <p:cond delay="0"/>
+                                          </p:stCondLst>
+                                        </p:cTn>
+                                        <p:tgtEl>
+                                          <p:spTgt spid="17"/>
+                                        </p:tgtEl>
+                                        <p:attrNameLst>
+                                          <p:attrName>style.visibility</p:attrName>
+                                        </p:attrNameLst>
+                                      </p:cBhvr>
+                                      <p:to>
+                                        <p:strVal val="visible"/>
+                                      </p:to>
+                                    </p:set>
+                                    <p:animEffect transition="in" filter="box(in)">
+                                      <p:cBhvr>
+                                        <p:cTn id="104" dur="500"/>
+                                        <p:tgtEl>
+                                          <p:spTgt spid="17"/>
+                                        </p:tgtEl>
+                                      </p:cBhvr>
+                                    </p:animEffect>
+                                  </p:childTnLst>
+                                </p:cTn>
+                              </p:par>
+                              <p:par>
+                                <p:cTn id="105" presetID="4" presetClass="entr" presetSubtype="16" fill="hold" grpId="0" nodeType="withEffect">
                                   <p:stCondLst>
                                     <p:cond delay="0"/>
                                   </p:stCondLst>
                                   <p:childTnLst>
                                     <p:set>
                                       <p:cBhvr>
-                                        <p:cTn id="121" dur="1" fill="hold">
+                                        <p:cTn id="106" dur="1" fill="hold">
                                           <p:stCondLst>
                                             <p:cond delay="0"/>
                                           </p:stCondLst>
                                         </p:cTn>
                                         <p:tgtEl>
-                                          <p:spTgt spid="5">
-                                            <p:txEl>
-                                              <p:pRg st="2" end="2"/>
-                                            </p:txEl>
-                                          </p:spTgt>
+                                          <p:spTgt spid="18"/>
                                         </p:tgtEl>
                                         <p:attrNameLst>
                                           <p:attrName>style.visibility</p:attrName>
@@ -8106,496 +8068,65 @@
                                         <p:strVal val="visible"/>
                                       </p:to>
                                     </p:set>
+                                    <p:animEffect transition="in" filter="box(in)">
+                                      <p:cBhvr>
+                                        <p:cTn id="107" dur="500"/>
+                                        <p:tgtEl>
+                                          <p:spTgt spid="18"/>
+                                        </p:tgtEl>
+                                      </p:cBhvr>
+                                    </p:animEffect>
                                   </p:childTnLst>
                                 </p:cTn>
                               </p:par>
                             </p:childTnLst>
                           </p:cTn>
                         </p:par>
-                      </p:childTnLst>
-                    </p:cTn>
-                  </p:par>
-                  <p:par>
-                    <p:cTn id="122" fill="hold">
-                      <p:stCondLst>
-                        <p:cond delay="indefinite"/>
-                      </p:stCondLst>
-                      <p:childTnLst>
                         <p:par>
-                          <p:cTn id="123" fill="hold">
+                          <p:cTn id="108" fill="hold">
                             <p:stCondLst>
-                              <p:cond delay="0"/>
+                              <p:cond delay="4000"/>
                             </p:stCondLst>
                             <p:childTnLst>
                               <p:par>
-                                <p:cTn id="124" presetID="1" presetClass="entr" presetSubtype="0" fill="hold" nodeType="clickEffect">
+                                <p:cTn id="109" presetID="0" presetClass="path" presetSubtype="0" accel="50000" decel="50000" fill="hold" grpId="1" nodeType="afterEffect">
                                   <p:stCondLst>
-                                    <p:cond delay="0"/>
+                                    <p:cond delay="1500"/>
                                   </p:stCondLst>
                                   <p:childTnLst>
-                                    <p:set>
-                                      <p:cBhvr>
-                                        <p:cTn id="125" dur="1" fill="hold">
-                                          <p:stCondLst>
-                                            <p:cond delay="0"/>
-                                          </p:stCondLst>
-                                        </p:cTn>
-                                        <p:tgtEl>
-                                          <p:spTgt spid="7">
-                                            <p:txEl>
-                                              <p:pRg st="0" end="0"/>
-                                            </p:txEl>
-                                          </p:spTgt>
+                                    <p:animMotion origin="layout" path="M 0 0 C 0.00955 0.0037 0.02118 0.00278 0.03107 0.0037 C 0.04201 0.00278 0.05642 0.01157 0.06406 0.00116 C 0.0717 -0.00925 0.06458 -0.02822 0.0651 -0.04279 C 0.06528 -0.0451 0.06458 -0.04881 0.06614 -0.04927 C 0.0776 -0.05204 0.08941 -0.05089 0.10104 -0.05181 C 0.12465 -0.05598 0.14791 -0.0532 0.17187 -0.0532 " pathEditMode="relative" ptsTypes="ffffffA">
+                                      <p:cBhvr>
+                                        <p:cTn id="110" dur="2000" fill="hold"/>
+                                        <p:tgtEl>
+                                          <p:spTgt spid="18"/>
                                         </p:tgtEl>
                                         <p:attrNameLst>
-                                          <p:attrName>style.visibility</p:attrName>
+                                          <p:attrName>ppt_x</p:attrName>
+                                          <p:attrName>ppt_y</p:attrName>
                                         </p:attrNameLst>
                                       </p:cBhvr>
-                                      <p:to>
-                                        <p:strVal val="visible"/>
-                                      </p:to>
-                                    </p:set>
+                                    </p:animMotion>
                                   </p:childTnLst>
                                 </p:cTn>
                               </p:par>
-                            </p:childTnLst>
-                          </p:cTn>
-                        </p:par>
-                      </p:childTnLst>
-                    </p:cTn>
-                  </p:par>
-                  <p:par>
-                    <p:cTn id="126" fill="hold">
-                      <p:stCondLst>
-                        <p:cond delay="indefinite"/>
-                      </p:stCondLst>
-                      <p:childTnLst>
-                        <p:par>
-                          <p:cTn id="127" fill="hold">
-                            <p:stCondLst>
-                              <p:cond delay="0"/>
-                            </p:stCondLst>
-                            <p:childTnLst>
                               <p:par>
-                                <p:cTn id="128" presetID="1" presetClass="entr" presetSubtype="0" fill="hold" nodeType="clickEffect">
+                                <p:cTn id="111" presetID="0" presetClass="path" presetSubtype="0" accel="50000" decel="50000" fill="hold" grpId="1" nodeType="withEffect">
                                   <p:stCondLst>
-                                    <p:cond delay="0"/>
+                                    <p:cond delay="1500"/>
                                   </p:stCondLst>
                                   <p:childTnLst>
-                                    <p:set>
-                                      <p:cBhvr>
-                                        <p:cTn id="129" dur="1" fill="hold">
-                                          <p:stCondLst>
-                                            <p:cond delay="0"/>
-                                          </p:stCondLst>
-                                        </p:cTn>
-                                        <p:tgtEl>
-                                          <p:spTgt spid="7">
-                                            <p:txEl>
-                                              <p:pRg st="1" end="1"/>
-                                            </p:txEl>
-                                          </p:spTgt>
+                                    <p:animMotion origin="layout" path="M 0 0 C 0.00069 0.00138 0.00139 0.00254 0.00191 0.00393 C 0.00243 0.00555 0.00225 0.0074 0.00295 0.00902 C 0.00833 0.02174 0.02829 0.01896 0.03489 0.01943 C 0.04843 0.02174 0.06215 0.02405 0.07569 0.0259 C 0.08107 0.03701 0.07604 0.06384 0.08836 0.06592 C 0.09218 0.06662 0.09618 0.06708 0.1 0.06731 C 0.10902 0.068 0.11805 0.068 0.12708 0.06847 C 0.14166 0.07009 0.1625 0.06315 0.17378 0.07379 C 0.17621 0.08443 0.17673 0.09831 0.17673 0.10987 " pathEditMode="relative" ptsTypes="fffffffffA">
+                                      <p:cBhvr>
+                                        <p:cTn id="112" dur="2000" fill="hold"/>
+                                        <p:tgtEl>
+                                          <p:spTgt spid="17"/>
                                         </p:tgtEl>
                                         <p:attrNameLst>
-                                          <p:attrName>style.visibility</p:attrName>
+                                          <p:attrName>ppt_x</p:attrName>
+                                          <p:attrName>ppt_y</p:attrName>
                                         </p:attrNameLst>
                                       </p:cBhvr>
-                                      <p:to>
-                                        <p:strVal val="visible"/>
-                                      </p:to>
-                                    </p:set>
-                                  </p:childTnLst>
-                                </p:cTn>
-                              </p:par>
-                            </p:childTnLst>
-                          </p:cTn>
-                        </p:par>
-                      </p:childTnLst>
-                    </p:cTn>
-                  </p:par>
-                  <p:par>
-                    <p:cTn id="130" fill="hold">
-                      <p:stCondLst>
-                        <p:cond delay="indefinite"/>
-                      </p:stCondLst>
-                      <p:childTnLst>
-                        <p:par>
-                          <p:cTn id="131" fill="hold">
-                            <p:stCondLst>
-                              <p:cond delay="0"/>
-                            </p:stCondLst>
-                            <p:childTnLst>
-                              <p:par>
-                                <p:cTn id="132" presetID="1" presetClass="entr" presetSubtype="0" fill="hold" nodeType="clickEffect">
-                                  <p:stCondLst>
-                                    <p:cond delay="0"/>
-                                  </p:stCondLst>
-                                  <p:childTnLst>
-                                    <p:set>
-                                      <p:cBhvr>
-                                        <p:cTn id="133" dur="1" fill="hold">
-                                          <p:stCondLst>
-                                            <p:cond delay="0"/>
-                                          </p:stCondLst>
-                                        </p:cTn>
-                                        <p:tgtEl>
-                                          <p:spTgt spid="7">
-                                            <p:txEl>
-                                              <p:pRg st="2" end="2"/>
-                                            </p:txEl>
-                                          </p:spTgt>
-                                        </p:tgtEl>
-                                        <p:attrNameLst>
-                                          <p:attrName>style.visibility</p:attrName>
-                                        </p:attrNameLst>
-                                      </p:cBhvr>
-                                      <p:to>
-                                        <p:strVal val="visible"/>
-                                      </p:to>
-                                    </p:set>
-                                  </p:childTnLst>
-                                </p:cTn>
-                              </p:par>
-                            </p:childTnLst>
-                          </p:cTn>
-                        </p:par>
-                      </p:childTnLst>
-                    </p:cTn>
-                  </p:par>
-                  <p:par>
-                    <p:cTn id="134" fill="hold">
-                      <p:stCondLst>
-                        <p:cond delay="indefinite"/>
-                      </p:stCondLst>
-                      <p:childTnLst>
-                        <p:par>
-                          <p:cTn id="135" fill="hold">
-                            <p:stCondLst>
-                              <p:cond delay="0"/>
-                            </p:stCondLst>
-                            <p:childTnLst>
-                              <p:par>
-                                <p:cTn id="136" presetID="1" presetClass="entr" presetSubtype="0" fill="hold" nodeType="clickEffect">
-                                  <p:stCondLst>
-                                    <p:cond delay="0"/>
-                                  </p:stCondLst>
-                                  <p:childTnLst>
-                                    <p:set>
-                                      <p:cBhvr>
-                                        <p:cTn id="137" dur="1" fill="hold">
-                                          <p:stCondLst>
-                                            <p:cond delay="0"/>
-                                          </p:stCondLst>
-                                        </p:cTn>
-                                        <p:tgtEl>
-                                          <p:spTgt spid="7">
-                                            <p:txEl>
-                                              <p:pRg st="3" end="3"/>
-                                            </p:txEl>
-                                          </p:spTgt>
-                                        </p:tgtEl>
-                                        <p:attrNameLst>
-                                          <p:attrName>style.visibility</p:attrName>
-                                        </p:attrNameLst>
-                                      </p:cBhvr>
-                                      <p:to>
-                                        <p:strVal val="visible"/>
-                                      </p:to>
-                                    </p:set>
-                                  </p:childTnLst>
-                                </p:cTn>
-                              </p:par>
-                            </p:childTnLst>
-                          </p:cTn>
-                        </p:par>
-                      </p:childTnLst>
-                    </p:cTn>
-                  </p:par>
-                  <p:par>
-                    <p:cTn id="138" fill="hold">
-                      <p:stCondLst>
-                        <p:cond delay="indefinite"/>
-                      </p:stCondLst>
-                      <p:childTnLst>
-                        <p:par>
-                          <p:cTn id="139" fill="hold">
-                            <p:stCondLst>
-                              <p:cond delay="0"/>
-                            </p:stCondLst>
-                            <p:childTnLst>
-                              <p:par>
-                                <p:cTn id="140" presetID="1" presetClass="entr" presetSubtype="0" fill="hold" nodeType="clickEffect">
-                                  <p:stCondLst>
-                                    <p:cond delay="0"/>
-                                  </p:stCondLst>
-                                  <p:childTnLst>
-                                    <p:set>
-                                      <p:cBhvr>
-                                        <p:cTn id="141" dur="1" fill="hold">
-                                          <p:stCondLst>
-                                            <p:cond delay="0"/>
-                                          </p:stCondLst>
-                                        </p:cTn>
-                                        <p:tgtEl>
-                                          <p:spTgt spid="7">
-                                            <p:txEl>
-                                              <p:pRg st="4" end="4"/>
-                                            </p:txEl>
-                                          </p:spTgt>
-                                        </p:tgtEl>
-                                        <p:attrNameLst>
-                                          <p:attrName>style.visibility</p:attrName>
-                                        </p:attrNameLst>
-                                      </p:cBhvr>
-                                      <p:to>
-                                        <p:strVal val="visible"/>
-                                      </p:to>
-                                    </p:set>
-                                  </p:childTnLst>
-                                </p:cTn>
-                              </p:par>
-                            </p:childTnLst>
-                          </p:cTn>
-                        </p:par>
-                      </p:childTnLst>
-                    </p:cTn>
-                  </p:par>
-                  <p:par>
-                    <p:cTn id="142" fill="hold">
-                      <p:stCondLst>
-                        <p:cond delay="indefinite"/>
-                      </p:stCondLst>
-                      <p:childTnLst>
-                        <p:par>
-                          <p:cTn id="143" fill="hold">
-                            <p:stCondLst>
-                              <p:cond delay="0"/>
-                            </p:stCondLst>
-                            <p:childTnLst>
-                              <p:par>
-                                <p:cTn id="144" presetID="1" presetClass="entr" presetSubtype="0" fill="hold" nodeType="clickEffect">
-                                  <p:stCondLst>
-                                    <p:cond delay="0"/>
-                                  </p:stCondLst>
-                                  <p:childTnLst>
-                                    <p:set>
-                                      <p:cBhvr>
-                                        <p:cTn id="145" dur="1" fill="hold">
-                                          <p:stCondLst>
-                                            <p:cond delay="0"/>
-                                          </p:stCondLst>
-                                        </p:cTn>
-                                        <p:tgtEl>
-                                          <p:spTgt spid="7">
-                                            <p:txEl>
-                                              <p:pRg st="0" end="0"/>
-                                            </p:txEl>
-                                          </p:spTgt>
-                                        </p:tgtEl>
-                                        <p:attrNameLst>
-                                          <p:attrName>style.visibility</p:attrName>
-                                        </p:attrNameLst>
-                                      </p:cBhvr>
-                                      <p:to>
-                                        <p:strVal val="visible"/>
-                                      </p:to>
-                                    </p:set>
-                                  </p:childTnLst>
-                                </p:cTn>
-                              </p:par>
-                            </p:childTnLst>
-                          </p:cTn>
-                        </p:par>
-                      </p:childTnLst>
-                    </p:cTn>
-                  </p:par>
-                  <p:par>
-                    <p:cTn id="146" fill="hold">
-                      <p:stCondLst>
-                        <p:cond delay="indefinite"/>
-                      </p:stCondLst>
-                      <p:childTnLst>
-                        <p:par>
-                          <p:cTn id="147" fill="hold">
-                            <p:stCondLst>
-                              <p:cond delay="0"/>
-                            </p:stCondLst>
-                            <p:childTnLst>
-                              <p:par>
-                                <p:cTn id="148" presetID="1" presetClass="entr" presetSubtype="0" fill="hold" nodeType="clickEffect">
-                                  <p:stCondLst>
-                                    <p:cond delay="0"/>
-                                  </p:stCondLst>
-                                  <p:childTnLst>
-                                    <p:set>
-                                      <p:cBhvr>
-                                        <p:cTn id="149" dur="1" fill="hold">
-                                          <p:stCondLst>
-                                            <p:cond delay="0"/>
-                                          </p:stCondLst>
-                                        </p:cTn>
-                                        <p:tgtEl>
-                                          <p:spTgt spid="7">
-                                            <p:txEl>
-                                              <p:pRg st="1" end="1"/>
-                                            </p:txEl>
-                                          </p:spTgt>
-                                        </p:tgtEl>
-                                        <p:attrNameLst>
-                                          <p:attrName>style.visibility</p:attrName>
-                                        </p:attrNameLst>
-                                      </p:cBhvr>
-                                      <p:to>
-                                        <p:strVal val="visible"/>
-                                      </p:to>
-                                    </p:set>
-                                  </p:childTnLst>
-                                </p:cTn>
-                              </p:par>
-                            </p:childTnLst>
-                          </p:cTn>
-                        </p:par>
-                      </p:childTnLst>
-                    </p:cTn>
-                  </p:par>
-                  <p:par>
-                    <p:cTn id="150" fill="hold">
-                      <p:stCondLst>
-                        <p:cond delay="indefinite"/>
-                      </p:stCondLst>
-                      <p:childTnLst>
-                        <p:par>
-                          <p:cTn id="151" fill="hold">
-                            <p:stCondLst>
-                              <p:cond delay="0"/>
-                            </p:stCondLst>
-                            <p:childTnLst>
-                              <p:par>
-                                <p:cTn id="152" presetID="1" presetClass="entr" presetSubtype="0" fill="hold" nodeType="clickEffect">
-                                  <p:stCondLst>
-                                    <p:cond delay="0"/>
-                                  </p:stCondLst>
-                                  <p:childTnLst>
-                                    <p:set>
-                                      <p:cBhvr>
-                                        <p:cTn id="153" dur="1" fill="hold">
-                                          <p:stCondLst>
-                                            <p:cond delay="0"/>
-                                          </p:stCondLst>
-                                        </p:cTn>
-                                        <p:tgtEl>
-                                          <p:spTgt spid="7">
-                                            <p:txEl>
-                                              <p:pRg st="2" end="2"/>
-                                            </p:txEl>
-                                          </p:spTgt>
-                                        </p:tgtEl>
-                                        <p:attrNameLst>
-                                          <p:attrName>style.visibility</p:attrName>
-                                        </p:attrNameLst>
-                                      </p:cBhvr>
-                                      <p:to>
-                                        <p:strVal val="visible"/>
-                                      </p:to>
-                                    </p:set>
-                                  </p:childTnLst>
-                                </p:cTn>
-                              </p:par>
-                            </p:childTnLst>
-                          </p:cTn>
-                        </p:par>
-                      </p:childTnLst>
-                    </p:cTn>
-                  </p:par>
-                  <p:par>
-                    <p:cTn id="154" fill="hold">
-                      <p:stCondLst>
-                        <p:cond delay="indefinite"/>
-                      </p:stCondLst>
-                      <p:childTnLst>
-                        <p:par>
-                          <p:cTn id="155" fill="hold">
-                            <p:stCondLst>
-                              <p:cond delay="0"/>
-                            </p:stCondLst>
-                            <p:childTnLst>
-                              <p:par>
-                                <p:cTn id="156" presetID="1" presetClass="entr" presetSubtype="0" fill="hold" nodeType="clickEffect">
-                                  <p:stCondLst>
-                                    <p:cond delay="0"/>
-                                  </p:stCondLst>
-                                  <p:childTnLst>
-                                    <p:set>
-                                      <p:cBhvr>
-                                        <p:cTn id="157" dur="1" fill="hold">
-                                          <p:stCondLst>
-                                            <p:cond delay="0"/>
-                                          </p:stCondLst>
-                                        </p:cTn>
-                                        <p:tgtEl>
-                                          <p:spTgt spid="7">
-                                            <p:txEl>
-                                              <p:pRg st="3" end="3"/>
-                                            </p:txEl>
-                                          </p:spTgt>
-                                        </p:tgtEl>
-                                        <p:attrNameLst>
-                                          <p:attrName>style.visibility</p:attrName>
-                                        </p:attrNameLst>
-                                      </p:cBhvr>
-                                      <p:to>
-                                        <p:strVal val="visible"/>
-                                      </p:to>
-                                    </p:set>
-                                  </p:childTnLst>
-                                </p:cTn>
-                              </p:par>
-                            </p:childTnLst>
-                          </p:cTn>
-                        </p:par>
-                      </p:childTnLst>
-                    </p:cTn>
-                  </p:par>
-                  <p:par>
-                    <p:cTn id="158" fill="hold">
-                      <p:stCondLst>
-                        <p:cond delay="indefinite"/>
-                      </p:stCondLst>
-                      <p:childTnLst>
-                        <p:par>
-                          <p:cTn id="159" fill="hold">
-                            <p:stCondLst>
-                              <p:cond delay="0"/>
-                            </p:stCondLst>
-                            <p:childTnLst>
-                              <p:par>
-                                <p:cTn id="160" presetID="1" presetClass="entr" presetSubtype="0" fill="hold" nodeType="clickEffect">
-                                  <p:stCondLst>
-                                    <p:cond delay="0"/>
-                                  </p:stCondLst>
-                                  <p:childTnLst>
-                                    <p:set>
-                                      <p:cBhvr>
-                                        <p:cTn id="161" dur="1" fill="hold">
-                                          <p:stCondLst>
-                                            <p:cond delay="0"/>
-                                          </p:stCondLst>
-                                        </p:cTn>
-                                        <p:tgtEl>
-                                          <p:spTgt spid="7">
-                                            <p:txEl>
-                                              <p:pRg st="4" end="4"/>
-                                            </p:txEl>
-                                          </p:spTgt>
-                                        </p:tgtEl>
-                                        <p:attrNameLst>
-                                          <p:attrName>style.visibility</p:attrName>
-                                        </p:attrNameLst>
-                                      </p:cBhvr>
-                                      <p:to>
-                                        <p:strVal val="visible"/>
-                                      </p:to>
-                                    </p:set>
+                                    </p:animMotion>
                                   </p:childTnLst>
                                 </p:cTn>
                               </p:par>
@@ -8627,19 +8158,27 @@
       </p:par>
     </p:tnLst>
     <p:bldLst>
-      <p:bldP spid="5" grpId="0" uiExpand="1" build="allAtOnce"/>
-      <p:bldP spid="5" grpId="1" uiExpand="1" build="allAtOnce"/>
+      <p:bldP spid="5" grpId="0" build="allAtOnce"/>
+      <p:bldP spid="5" grpId="1" build="allAtOnce"/>
       <p:bldP spid="7" grpId="0" uiExpand="1" build="allAtOnce"/>
-      <p:bldP spid="9" grpId="0" animBg="1"/>
-      <p:bldP spid="9" grpId="1" animBg="1"/>
-      <p:bldP spid="10" grpId="0" animBg="1"/>
-      <p:bldP spid="10" grpId="1" animBg="1"/>
-      <p:bldP spid="12" grpId="0" animBg="1"/>
-      <p:bldP spid="12" grpId="1" animBg="1"/>
-      <p:bldP spid="13" grpId="0" animBg="1"/>
-      <p:bldP spid="13" grpId="1" animBg="1"/>
-      <p:bldP spid="14" grpId="0" animBg="1"/>
-      <p:bldP spid="14" grpId="1" animBg="1"/>
+      <p:bldP spid="9" grpId="0" uiExpand="1" animBg="1"/>
+      <p:bldP spid="9" grpId="1" uiExpand="1" animBg="1"/>
+      <p:bldP spid="10" grpId="0" uiExpand="1" animBg="1"/>
+      <p:bldP spid="10" grpId="1" uiExpand="1" animBg="1"/>
+      <p:bldP spid="12" grpId="0" uiExpand="1" animBg="1"/>
+      <p:bldP spid="12" grpId="1" uiExpand="1" animBg="1"/>
+      <p:bldP spid="13" grpId="0" uiExpand="1" animBg="1"/>
+      <p:bldP spid="13" grpId="1" uiExpand="1" animBg="1"/>
+      <p:bldP spid="14" grpId="0" uiExpand="1" animBg="1"/>
+      <p:bldP spid="14" grpId="1" uiExpand="1" animBg="1"/>
+      <p:bldP spid="11" grpId="0" animBg="1"/>
+      <p:bldP spid="11" grpId="1" animBg="1"/>
+      <p:bldP spid="15" grpId="0" animBg="1"/>
+      <p:bldP spid="15" grpId="1" animBg="1"/>
+      <p:bldP spid="17" grpId="0" animBg="1"/>
+      <p:bldP spid="17" grpId="1" animBg="1"/>
+      <p:bldP spid="18" grpId="0" animBg="1"/>
+      <p:bldP spid="18" grpId="1" animBg="1"/>
     </p:bldLst>
   </p:timing>
 </p:sld>
@@ -8697,8 +8236,8 @@
         </p:nvSpPr>
         <p:spPr>
           <a:xfrm>
-            <a:off x="457200" y="1357299"/>
-            <a:ext cx="8229600" cy="1928825"/>
+            <a:off x="357158" y="1571612"/>
+            <a:ext cx="8229600" cy="1357322"/>
           </a:xfrm>
         </p:spPr>
         <p:txBody>
@@ -8709,33 +8248,34 @@
           <a:p>
             <a:pPr algn="l" rtl="0"/>
             <a:r>
-              <a:rPr lang="en-US" sz="2400" dirty="0" smtClean="0"/>
-              <a:t>Another part of the core.</a:t>
-            </a:r>
+              <a:rPr lang="en-US" sz="2000" dirty="0" err="1" smtClean="0"/>
+              <a:t>Recieves</a:t>
+            </a:r>
+            <a:r>
+              <a:rPr lang="en-US" sz="2000" dirty="0" smtClean="0"/>
+              <a:t> </a:t>
+            </a:r>
+            <a:r>
+              <a:rPr lang="en-US" sz="2000" dirty="0" smtClean="0"/>
+              <a:t>a start and an end address of the relevant data, that needs to be sent back to the user. </a:t>
+            </a:r>
+            <a:endParaRPr lang="en-US" sz="2000" dirty="0" smtClean="0"/>
           </a:p>
           <a:p>
             <a:pPr algn="l" rtl="0"/>
             <a:r>
-              <a:rPr lang="en-US" sz="2400" dirty="0" smtClean="0"/>
-              <a:t>The RC </a:t>
-            </a:r>
-            <a:r>
-              <a:rPr lang="en-US" sz="2400" dirty="0" err="1" smtClean="0"/>
-              <a:t>recieves</a:t>
-            </a:r>
-            <a:r>
-              <a:rPr lang="en-US" sz="2400" dirty="0" smtClean="0"/>
-              <a:t> a start and an end address of the relevant data, that needs to be sent back to the user. It also </a:t>
-            </a:r>
-            <a:r>
-              <a:rPr lang="en-US" sz="2400" dirty="0" err="1" smtClean="0"/>
-              <a:t>recieves</a:t>
-            </a:r>
-            <a:r>
-              <a:rPr lang="en-US" sz="2400" dirty="0" smtClean="0"/>
-              <a:t> the data from the RAM and send it to the user via the WBM.</a:t>
-            </a:r>
-            <a:endParaRPr lang="he-IL" sz="2400" dirty="0"/>
+              <a:rPr lang="en-US" sz="2000" dirty="0" err="1" smtClean="0"/>
+              <a:t>Recieves</a:t>
+            </a:r>
+            <a:r>
+              <a:rPr lang="en-US" sz="2000" dirty="0" smtClean="0"/>
+              <a:t> </a:t>
+            </a:r>
+            <a:r>
+              <a:rPr lang="en-US" sz="2000" dirty="0" smtClean="0"/>
+              <a:t>the data from the RAM and send it to the user via the WBM.</a:t>
+            </a:r>
+            <a:endParaRPr lang="he-IL" sz="2000" dirty="0"/>
           </a:p>
         </p:txBody>
       </p:sp>
@@ -8747,8 +8287,8 @@
         </p:nvSpPr>
         <p:spPr>
           <a:xfrm>
-            <a:off x="467544" y="1196752"/>
-            <a:ext cx="8286808" cy="1938992"/>
+            <a:off x="467544" y="1428736"/>
+            <a:ext cx="8286808" cy="2000548"/>
           </a:xfrm>
           <a:prstGeom prst="rect">
             <a:avLst/>
@@ -8761,13 +8301,14 @@
           </a:bodyPr>
           <a:lstStyle/>
           <a:p>
-            <a:pPr algn="l" rtl="0">
-              <a:buFont typeface="Arial" pitchFamily="34" charset="0"/>
-              <a:buChar char="•"/>
-            </a:pPr>
+            <a:pPr algn="l" rtl="0"/>
             <a:r>
               <a:rPr lang="en-US" sz="2400" dirty="0" smtClean="0"/>
-              <a:t>The Block </a:t>
+              <a:t>  The </a:t>
+            </a:r>
+            <a:r>
+              <a:rPr lang="en-US" sz="2400" dirty="0" smtClean="0"/>
+              <a:t>Block </a:t>
             </a:r>
             <a:r>
               <a:rPr lang="en-US" sz="2400" dirty="0" err="1" smtClean="0"/>
@@ -8782,7 +8323,15 @@
             </a:pPr>
             <a:r>
               <a:rPr lang="en-US" dirty="0" smtClean="0"/>
-              <a:t>The RC part starts according to trigger rise.</a:t>
+              <a:t> </a:t>
+            </a:r>
+            <a:r>
+              <a:rPr lang="en-US" sz="2000" dirty="0" smtClean="0"/>
+              <a:t>Starts </a:t>
+            </a:r>
+            <a:r>
+              <a:rPr lang="en-US" sz="2000" dirty="0" smtClean="0"/>
+              <a:t>according to trigger rise.</a:t>
             </a:r>
           </a:p>
           <a:p>
@@ -8791,8 +8340,12 @@
               <a:buChar char="•"/>
             </a:pPr>
             <a:r>
-              <a:rPr lang="en-US" dirty="0" smtClean="0"/>
-              <a:t>The start and end addresses are being saved, and in every cycle the relevant address is sent to the RAM.</a:t>
+              <a:rPr lang="en-US" sz="2000" dirty="0" smtClean="0"/>
+              <a:t> The </a:t>
+            </a:r>
+            <a:r>
+              <a:rPr lang="en-US" sz="2000" dirty="0" smtClean="0"/>
+              <a:t>start and end addresses are being saved, and in every cycle the relevant address is sent to the RAM.</a:t>
             </a:r>
           </a:p>
           <a:p>
@@ -8801,8 +8354,12 @@
               <a:buChar char="•"/>
             </a:pPr>
             <a:r>
-              <a:rPr lang="en-US" dirty="0" smtClean="0"/>
-              <a:t>In parallel, data is coming from the RAM and being sent out to the user.</a:t>
+              <a:rPr lang="en-US" sz="2000" dirty="0" smtClean="0"/>
+              <a:t> In </a:t>
+            </a:r>
+            <a:r>
+              <a:rPr lang="en-US" sz="2000" dirty="0" smtClean="0"/>
+              <a:t>parallel, data is coming from the RAM and being sent out to the user.</a:t>
             </a:r>
           </a:p>
           <a:p>
@@ -8810,7 +8367,7 @@
               <a:buFont typeface="Arial" pitchFamily="34" charset="0"/>
               <a:buChar char="•"/>
             </a:pPr>
-            <a:endParaRPr lang="he-IL" sz="2400" dirty="0"/>
+            <a:endParaRPr lang="he-IL" sz="2000" dirty="0"/>
           </a:p>
         </p:txBody>
       </p:sp>
@@ -9070,7 +8627,7 @@
                             </p:stCondLst>
                             <p:childTnLst>
                               <p:par>
-                                <p:cTn id="5" presetID="1" presetClass="entr" presetSubtype="0" fill="hold" nodeType="clickEffect">
+                                <p:cTn id="5" presetID="8" presetClass="entr" presetSubtype="16" fill="hold" grpId="0" nodeType="clickEffect">
                                   <p:stCondLst>
                                     <p:cond delay="0"/>
                                   </p:stCondLst>
@@ -9078,6 +8635,257 @@
                                     <p:set>
                                       <p:cBhvr>
                                         <p:cTn id="6" dur="1" fill="hold">
+                                          <p:stCondLst>
+                                            <p:cond delay="0"/>
+                                          </p:stCondLst>
+                                        </p:cTn>
+                                        <p:tgtEl>
+                                          <p:spTgt spid="3">
+                                            <p:txEl>
+                                              <p:pRg st="0" end="0"/>
+                                            </p:txEl>
+                                          </p:spTgt>
+                                        </p:tgtEl>
+                                        <p:attrNameLst>
+                                          <p:attrName>style.visibility</p:attrName>
+                                        </p:attrNameLst>
+                                      </p:cBhvr>
+                                      <p:to>
+                                        <p:strVal val="visible"/>
+                                      </p:to>
+                                    </p:set>
+                                    <p:animEffect transition="in" filter="diamond(in)">
+                                      <p:cBhvr>
+                                        <p:cTn id="7" dur="500"/>
+                                        <p:tgtEl>
+                                          <p:spTgt spid="3">
+                                            <p:txEl>
+                                              <p:pRg st="0" end="0"/>
+                                            </p:txEl>
+                                          </p:spTgt>
+                                        </p:tgtEl>
+                                      </p:cBhvr>
+                                    </p:animEffect>
+                                  </p:childTnLst>
+                                </p:cTn>
+                              </p:par>
+                            </p:childTnLst>
+                          </p:cTn>
+                        </p:par>
+                      </p:childTnLst>
+                    </p:cTn>
+                  </p:par>
+                  <p:par>
+                    <p:cTn id="8" fill="hold">
+                      <p:stCondLst>
+                        <p:cond delay="indefinite"/>
+                      </p:stCondLst>
+                      <p:childTnLst>
+                        <p:par>
+                          <p:cTn id="9" fill="hold">
+                            <p:stCondLst>
+                              <p:cond delay="0"/>
+                            </p:stCondLst>
+                            <p:childTnLst>
+                              <p:par>
+                                <p:cTn id="10" presetID="8" presetClass="entr" presetSubtype="16" fill="hold" grpId="0" nodeType="clickEffect">
+                                  <p:stCondLst>
+                                    <p:cond delay="0"/>
+                                  </p:stCondLst>
+                                  <p:childTnLst>
+                                    <p:set>
+                                      <p:cBhvr>
+                                        <p:cTn id="11" dur="1" fill="hold">
+                                          <p:stCondLst>
+                                            <p:cond delay="0"/>
+                                          </p:stCondLst>
+                                        </p:cTn>
+                                        <p:tgtEl>
+                                          <p:spTgt spid="3">
+                                            <p:txEl>
+                                              <p:pRg st="1" end="1"/>
+                                            </p:txEl>
+                                          </p:spTgt>
+                                        </p:tgtEl>
+                                        <p:attrNameLst>
+                                          <p:attrName>style.visibility</p:attrName>
+                                        </p:attrNameLst>
+                                      </p:cBhvr>
+                                      <p:to>
+                                        <p:strVal val="visible"/>
+                                      </p:to>
+                                    </p:set>
+                                    <p:animEffect transition="in" filter="diamond(in)">
+                                      <p:cBhvr>
+                                        <p:cTn id="12" dur="500"/>
+                                        <p:tgtEl>
+                                          <p:spTgt spid="3">
+                                            <p:txEl>
+                                              <p:pRg st="1" end="1"/>
+                                            </p:txEl>
+                                          </p:spTgt>
+                                        </p:tgtEl>
+                                      </p:cBhvr>
+                                    </p:animEffect>
+                                  </p:childTnLst>
+                                </p:cTn>
+                              </p:par>
+                            </p:childTnLst>
+                          </p:cTn>
+                        </p:par>
+                      </p:childTnLst>
+                    </p:cTn>
+                  </p:par>
+                  <p:par>
+                    <p:cTn id="13" fill="hold">
+                      <p:stCondLst>
+                        <p:cond delay="indefinite"/>
+                      </p:stCondLst>
+                      <p:childTnLst>
+                        <p:par>
+                          <p:cTn id="14" fill="hold">
+                            <p:stCondLst>
+                              <p:cond delay="0"/>
+                            </p:stCondLst>
+                            <p:childTnLst>
+                              <p:par>
+                                <p:cTn id="15" presetID="5" presetClass="exit" presetSubtype="10" fill="hold" grpId="1" nodeType="clickEffect">
+                                  <p:stCondLst>
+                                    <p:cond delay="0"/>
+                                  </p:stCondLst>
+                                  <p:childTnLst>
+                                    <p:animEffect transition="out" filter="checkerboard(across)">
+                                      <p:cBhvr>
+                                        <p:cTn id="16" dur="500"/>
+                                        <p:tgtEl>
+                                          <p:spTgt spid="3">
+                                            <p:txEl>
+                                              <p:pRg st="0" end="0"/>
+                                            </p:txEl>
+                                          </p:spTgt>
+                                        </p:tgtEl>
+                                      </p:cBhvr>
+                                    </p:animEffect>
+                                    <p:set>
+                                      <p:cBhvr>
+                                        <p:cTn id="17" dur="1" fill="hold">
+                                          <p:stCondLst>
+                                            <p:cond delay="499"/>
+                                          </p:stCondLst>
+                                        </p:cTn>
+                                        <p:tgtEl>
+                                          <p:spTgt spid="3">
+                                            <p:txEl>
+                                              <p:pRg st="0" end="0"/>
+                                            </p:txEl>
+                                          </p:spTgt>
+                                        </p:tgtEl>
+                                        <p:attrNameLst>
+                                          <p:attrName>style.visibility</p:attrName>
+                                        </p:attrNameLst>
+                                      </p:cBhvr>
+                                      <p:to>
+                                        <p:strVal val="hidden"/>
+                                      </p:to>
+                                    </p:set>
+                                  </p:childTnLst>
+                                </p:cTn>
+                              </p:par>
+                              <p:par>
+                                <p:cTn id="18" presetID="5" presetClass="exit" presetSubtype="10" fill="hold" grpId="1" nodeType="withEffect">
+                                  <p:stCondLst>
+                                    <p:cond delay="0"/>
+                                  </p:stCondLst>
+                                  <p:childTnLst>
+                                    <p:animEffect transition="out" filter="checkerboard(across)">
+                                      <p:cBhvr>
+                                        <p:cTn id="19" dur="500"/>
+                                        <p:tgtEl>
+                                          <p:spTgt spid="3">
+                                            <p:txEl>
+                                              <p:pRg st="1" end="1"/>
+                                            </p:txEl>
+                                          </p:spTgt>
+                                        </p:tgtEl>
+                                      </p:cBhvr>
+                                    </p:animEffect>
+                                    <p:set>
+                                      <p:cBhvr>
+                                        <p:cTn id="20" dur="1" fill="hold">
+                                          <p:stCondLst>
+                                            <p:cond delay="499"/>
+                                          </p:stCondLst>
+                                        </p:cTn>
+                                        <p:tgtEl>
+                                          <p:spTgt spid="3">
+                                            <p:txEl>
+                                              <p:pRg st="1" end="1"/>
+                                            </p:txEl>
+                                          </p:spTgt>
+                                        </p:tgtEl>
+                                        <p:attrNameLst>
+                                          <p:attrName>style.visibility</p:attrName>
+                                        </p:attrNameLst>
+                                      </p:cBhvr>
+                                      <p:to>
+                                        <p:strVal val="hidden"/>
+                                      </p:to>
+                                    </p:set>
+                                  </p:childTnLst>
+                                </p:cTn>
+                              </p:par>
+                              <p:par>
+                                <p:cTn id="21" presetID="5" presetClass="entr" presetSubtype="10" fill="hold" grpId="0" nodeType="withEffect">
+                                  <p:stCondLst>
+                                    <p:cond delay="0"/>
+                                  </p:stCondLst>
+                                  <p:childTnLst>
+                                    <p:set>
+                                      <p:cBhvr>
+                                        <p:cTn id="22" dur="1" fill="hold">
+                                          <p:stCondLst>
+                                            <p:cond delay="0"/>
+                                          </p:stCondLst>
+                                        </p:cTn>
+                                        <p:tgtEl>
+                                          <p:spTgt spid="5">
+                                            <p:txEl>
+                                              <p:pRg st="0" end="0"/>
+                                            </p:txEl>
+                                          </p:spTgt>
+                                        </p:tgtEl>
+                                        <p:attrNameLst>
+                                          <p:attrName>style.visibility</p:attrName>
+                                        </p:attrNameLst>
+                                      </p:cBhvr>
+                                      <p:to>
+                                        <p:strVal val="visible"/>
+                                      </p:to>
+                                    </p:set>
+                                    <p:animEffect transition="in" filter="checkerboard(across)">
+                                      <p:cBhvr>
+                                        <p:cTn id="23" dur="500"/>
+                                        <p:tgtEl>
+                                          <p:spTgt spid="5">
+                                            <p:txEl>
+                                              <p:pRg st="0" end="0"/>
+                                            </p:txEl>
+                                          </p:spTgt>
+                                        </p:tgtEl>
+                                      </p:cBhvr>
+                                    </p:animEffect>
+                                  </p:childTnLst>
+                                </p:cTn>
+                              </p:par>
+                              <p:par>
+                                <p:cTn id="24" presetID="1" presetClass="entr" presetSubtype="0" fill="hold" nodeType="withEffect">
+                                  <p:stCondLst>
+                                    <p:cond delay="0"/>
+                                  </p:stCondLst>
+                                  <p:childTnLst>
+                                    <p:set>
+                                      <p:cBhvr>
+                                        <p:cTn id="25" dur="1" fill="hold">
                                           <p:stCondLst>
                                             <p:cond delay="0"/>
                                           </p:stCondLst>
@@ -9103,34 +8911,34 @@
                     </p:cTn>
                   </p:par>
                   <p:par>
-                    <p:cTn id="7" fill="hold">
+                    <p:cTn id="26" fill="hold">
                       <p:stCondLst>
                         <p:cond delay="indefinite"/>
                       </p:stCondLst>
                       <p:childTnLst>
                         <p:par>
-                          <p:cTn id="8" fill="hold">
+                          <p:cTn id="27" fill="hold">
                             <p:stCondLst>
                               <p:cond delay="0"/>
                             </p:stCondLst>
                             <p:childTnLst>
                               <p:par>
-                                <p:cTn id="9" presetID="8" presetClass="entr" presetSubtype="16" fill="hold" grpId="0" nodeType="clickEffect">
+                                <p:cTn id="28" presetID="5" presetClass="entr" presetSubtype="10" fill="hold" grpId="0" nodeType="clickEffect">
                                   <p:stCondLst>
                                     <p:cond delay="0"/>
                                   </p:stCondLst>
                                   <p:childTnLst>
                                     <p:set>
                                       <p:cBhvr>
-                                        <p:cTn id="10" dur="1" fill="hold">
+                                        <p:cTn id="29" dur="1" fill="hold">
                                           <p:stCondLst>
                                             <p:cond delay="0"/>
                                           </p:stCondLst>
                                         </p:cTn>
                                         <p:tgtEl>
-                                          <p:spTgt spid="3">
+                                          <p:spTgt spid="5">
                                             <p:txEl>
-                                              <p:pRg st="0" end="0"/>
+                                              <p:pRg st="1" end="1"/>
                                             </p:txEl>
                                           </p:spTgt>
                                         </p:tgtEl>
@@ -9142,13 +8950,13 @@
                                         <p:strVal val="visible"/>
                                       </p:to>
                                     </p:set>
-                                    <p:animEffect transition="in" filter="diamond(in)">
-                                      <p:cBhvr>
-                                        <p:cTn id="11" dur="2000"/>
-                                        <p:tgtEl>
-                                          <p:spTgt spid="3">
+                                    <p:animEffect transition="in" filter="checkerboard(across)">
+                                      <p:cBhvr>
+                                        <p:cTn id="30" dur="500"/>
+                                        <p:tgtEl>
+                                          <p:spTgt spid="5">
                                             <p:txEl>
-                                              <p:pRg st="0" end="0"/>
+                                              <p:pRg st="1" end="1"/>
                                             </p:txEl>
                                           </p:spTgt>
                                         </p:tgtEl>
@@ -9160,40 +8968,27 @@
                             </p:childTnLst>
                           </p:cTn>
                         </p:par>
-                      </p:childTnLst>
-                    </p:cTn>
-                  </p:par>
-                  <p:par>
-                    <p:cTn id="12" fill="hold">
-                      <p:stCondLst>
-                        <p:cond delay="indefinite"/>
-                      </p:stCondLst>
-                      <p:childTnLst>
                         <p:par>
-                          <p:cTn id="13" fill="hold">
+                          <p:cTn id="31" fill="hold">
                             <p:stCondLst>
-                              <p:cond delay="0"/>
+                              <p:cond delay="500"/>
                             </p:stCondLst>
                             <p:childTnLst>
                               <p:par>
-                                <p:cTn id="14" presetID="8" presetClass="entr" presetSubtype="16" fill="hold" grpId="0" nodeType="clickEffect">
+                                <p:cTn id="32" presetID="5" presetClass="entr" presetSubtype="10" fill="hold" grpId="0" nodeType="afterEffect">
                                   <p:stCondLst>
-                                    <p:cond delay="0"/>
+                                    <p:cond delay="1000"/>
                                   </p:stCondLst>
                                   <p:childTnLst>
                                     <p:set>
                                       <p:cBhvr>
-                                        <p:cTn id="15" dur="1" fill="hold">
+                                        <p:cTn id="33" dur="1" fill="hold">
                                           <p:stCondLst>
                                             <p:cond delay="0"/>
                                           </p:stCondLst>
                                         </p:cTn>
                                         <p:tgtEl>
-                                          <p:spTgt spid="3">
-                                            <p:txEl>
-                                              <p:pRg st="1" end="1"/>
-                                            </p:txEl>
-                                          </p:spTgt>
+                                          <p:spTgt spid="7"/>
                                         </p:tgtEl>
                                         <p:attrNameLst>
                                           <p:attrName>style.visibility</p:attrName>
@@ -9203,15 +8998,11 @@
                                         <p:strVal val="visible"/>
                                       </p:to>
                                     </p:set>
-                                    <p:animEffect transition="in" filter="diamond(in)">
-                                      <p:cBhvr>
-                                        <p:cTn id="16" dur="500"/>
-                                        <p:tgtEl>
-                                          <p:spTgt spid="3">
-                                            <p:txEl>
-                                              <p:pRg st="1" end="1"/>
-                                            </p:txEl>
-                                          </p:spTgt>
+                                    <p:animEffect transition="in" filter="checkerboard(across)">
+                                      <p:cBhvr>
+                                        <p:cTn id="34" dur="500"/>
+                                        <p:tgtEl>
+                                          <p:spTgt spid="7"/>
                                         </p:tgtEl>
                                       </p:cBhvr>
                                     </p:animEffect>
@@ -9221,562 +9012,29 @@
                             </p:childTnLst>
                           </p:cTn>
                         </p:par>
-                      </p:childTnLst>
-                    </p:cTn>
-                  </p:par>
-                  <p:par>
-                    <p:cTn id="17" fill="hold">
-                      <p:stCondLst>
-                        <p:cond delay="indefinite"/>
-                      </p:stCondLst>
-                      <p:childTnLst>
                         <p:par>
-                          <p:cTn id="18" fill="hold">
-                            <p:stCondLst>
-                              <p:cond delay="0"/>
-                            </p:stCondLst>
-                            <p:childTnLst>
-                              <p:par>
-                                <p:cTn id="19" presetID="5" presetClass="exit" presetSubtype="10" fill="hold" grpId="1" nodeType="clickEffect">
-                                  <p:stCondLst>
-                                    <p:cond delay="0"/>
-                                  </p:stCondLst>
-                                  <p:childTnLst>
-                                    <p:animEffect transition="out" filter="checkerboard(across)">
-                                      <p:cBhvr>
-                                        <p:cTn id="20" dur="500"/>
-                                        <p:tgtEl>
-                                          <p:spTgt spid="3">
-                                            <p:txEl>
-                                              <p:pRg st="0" end="0"/>
-                                            </p:txEl>
-                                          </p:spTgt>
-                                        </p:tgtEl>
-                                      </p:cBhvr>
-                                    </p:animEffect>
-                                    <p:set>
-                                      <p:cBhvr>
-                                        <p:cTn id="21" dur="1" fill="hold">
-                                          <p:stCondLst>
-                                            <p:cond delay="499"/>
-                                          </p:stCondLst>
-                                        </p:cTn>
-                                        <p:tgtEl>
-                                          <p:spTgt spid="3">
-                                            <p:txEl>
-                                              <p:pRg st="0" end="0"/>
-                                            </p:txEl>
-                                          </p:spTgt>
-                                        </p:tgtEl>
-                                        <p:attrNameLst>
-                                          <p:attrName>style.visibility</p:attrName>
-                                        </p:attrNameLst>
-                                      </p:cBhvr>
-                                      <p:to>
-                                        <p:strVal val="hidden"/>
-                                      </p:to>
-                                    </p:set>
-                                  </p:childTnLst>
-                                </p:cTn>
-                              </p:par>
-                            </p:childTnLst>
-                          </p:cTn>
-                        </p:par>
-                      </p:childTnLst>
-                    </p:cTn>
-                  </p:par>
-                  <p:par>
-                    <p:cTn id="22" fill="hold">
-                      <p:stCondLst>
-                        <p:cond delay="indefinite"/>
-                      </p:stCondLst>
-                      <p:childTnLst>
-                        <p:par>
-                          <p:cTn id="23" fill="hold">
-                            <p:stCondLst>
-                              <p:cond delay="0"/>
-                            </p:stCondLst>
-                            <p:childTnLst>
-                              <p:par>
-                                <p:cTn id="24" presetID="5" presetClass="exit" presetSubtype="10" fill="hold" grpId="1" nodeType="clickEffect">
-                                  <p:stCondLst>
-                                    <p:cond delay="0"/>
-                                  </p:stCondLst>
-                                  <p:childTnLst>
-                                    <p:animEffect transition="out" filter="checkerboard(across)">
-                                      <p:cBhvr>
-                                        <p:cTn id="25" dur="500"/>
-                                        <p:tgtEl>
-                                          <p:spTgt spid="3">
-                                            <p:txEl>
-                                              <p:pRg st="1" end="1"/>
-                                            </p:txEl>
-                                          </p:spTgt>
-                                        </p:tgtEl>
-                                      </p:cBhvr>
-                                    </p:animEffect>
-                                    <p:set>
-                                      <p:cBhvr>
-                                        <p:cTn id="26" dur="1" fill="hold">
-                                          <p:stCondLst>
-                                            <p:cond delay="499"/>
-                                          </p:stCondLst>
-                                        </p:cTn>
-                                        <p:tgtEl>
-                                          <p:spTgt spid="3">
-                                            <p:txEl>
-                                              <p:pRg st="1" end="1"/>
-                                            </p:txEl>
-                                          </p:spTgt>
-                                        </p:tgtEl>
-                                        <p:attrNameLst>
-                                          <p:attrName>style.visibility</p:attrName>
-                                        </p:attrNameLst>
-                                      </p:cBhvr>
-                                      <p:to>
-                                        <p:strVal val="hidden"/>
-                                      </p:to>
-                                    </p:set>
-                                  </p:childTnLst>
-                                </p:cTn>
-                              </p:par>
-                              <p:par>
-                                <p:cTn id="27" presetID="5" presetClass="entr" presetSubtype="10" fill="hold" grpId="0" nodeType="withEffect">
-                                  <p:stCondLst>
-                                    <p:cond delay="0"/>
-                                  </p:stCondLst>
-                                  <p:childTnLst>
-                                    <p:set>
-                                      <p:cBhvr>
-                                        <p:cTn id="28" dur="1" fill="hold">
-                                          <p:stCondLst>
-                                            <p:cond delay="0"/>
-                                          </p:stCondLst>
-                                        </p:cTn>
-                                        <p:tgtEl>
-                                          <p:spTgt spid="5">
-                                            <p:txEl>
-                                              <p:pRg st="0" end="0"/>
-                                            </p:txEl>
-                                          </p:spTgt>
-                                        </p:tgtEl>
-                                        <p:attrNameLst>
-                                          <p:attrName>style.visibility</p:attrName>
-                                        </p:attrNameLst>
-                                      </p:cBhvr>
-                                      <p:to>
-                                        <p:strVal val="visible"/>
-                                      </p:to>
-                                    </p:set>
-                                    <p:animEffect transition="in" filter="checkerboard(across)">
-                                      <p:cBhvr>
-                                        <p:cTn id="29" dur="500"/>
-                                        <p:tgtEl>
-                                          <p:spTgt spid="5">
-                                            <p:txEl>
-                                              <p:pRg st="0" end="0"/>
-                                            </p:txEl>
-                                          </p:spTgt>
-                                        </p:tgtEl>
-                                      </p:cBhvr>
-                                    </p:animEffect>
-                                  </p:childTnLst>
-                                </p:cTn>
-                              </p:par>
-                            </p:childTnLst>
-                          </p:cTn>
-                        </p:par>
-                      </p:childTnLst>
-                    </p:cTn>
-                  </p:par>
-                  <p:par>
-                    <p:cTn id="30" fill="hold">
-                      <p:stCondLst>
-                        <p:cond delay="indefinite"/>
-                      </p:stCondLst>
-                      <p:childTnLst>
-                        <p:par>
-                          <p:cTn id="31" fill="hold">
-                            <p:stCondLst>
-                              <p:cond delay="0"/>
-                            </p:stCondLst>
-                            <p:childTnLst>
-                              <p:par>
-                                <p:cTn id="32" presetID="5" presetClass="entr" presetSubtype="10" fill="hold" grpId="0" nodeType="clickEffect">
-                                  <p:stCondLst>
-                                    <p:cond delay="0"/>
-                                  </p:stCondLst>
-                                  <p:childTnLst>
-                                    <p:set>
-                                      <p:cBhvr>
-                                        <p:cTn id="33" dur="1" fill="hold">
-                                          <p:stCondLst>
-                                            <p:cond delay="0"/>
-                                          </p:stCondLst>
-                                        </p:cTn>
-                                        <p:tgtEl>
-                                          <p:spTgt spid="5">
-                                            <p:txEl>
-                                              <p:pRg st="1" end="1"/>
-                                            </p:txEl>
-                                          </p:spTgt>
-                                        </p:tgtEl>
-                                        <p:attrNameLst>
-                                          <p:attrName>style.visibility</p:attrName>
-                                        </p:attrNameLst>
-                                      </p:cBhvr>
-                                      <p:to>
-                                        <p:strVal val="visible"/>
-                                      </p:to>
-                                    </p:set>
-                                    <p:animEffect transition="in" filter="checkerboard(across)">
-                                      <p:cBhvr>
-                                        <p:cTn id="34" dur="500"/>
-                                        <p:tgtEl>
-                                          <p:spTgt spid="5">
-                                            <p:txEl>
-                                              <p:pRg st="1" end="1"/>
-                                            </p:txEl>
-                                          </p:spTgt>
-                                        </p:tgtEl>
-                                      </p:cBhvr>
-                                    </p:animEffect>
-                                  </p:childTnLst>
-                                </p:cTn>
-                              </p:par>
-                            </p:childTnLst>
-                          </p:cTn>
-                        </p:par>
-                      </p:childTnLst>
-                    </p:cTn>
-                  </p:par>
-                  <p:par>
-                    <p:cTn id="35" fill="hold">
-                      <p:stCondLst>
-                        <p:cond delay="indefinite"/>
-                      </p:stCondLst>
-                      <p:childTnLst>
-                        <p:par>
-                          <p:cTn id="36" fill="hold">
-                            <p:stCondLst>
-                              <p:cond delay="0"/>
-                            </p:stCondLst>
-                            <p:childTnLst>
-                              <p:par>
-                                <p:cTn id="37" presetID="5" presetClass="entr" presetSubtype="10" fill="hold" grpId="0" nodeType="clickEffect">
-                                  <p:stCondLst>
-                                    <p:cond delay="0"/>
-                                  </p:stCondLst>
-                                  <p:childTnLst>
-                                    <p:set>
-                                      <p:cBhvr>
-                                        <p:cTn id="38" dur="1" fill="hold">
-                                          <p:stCondLst>
-                                            <p:cond delay="0"/>
-                                          </p:stCondLst>
-                                        </p:cTn>
-                                        <p:tgtEl>
-                                          <p:spTgt spid="5">
-                                            <p:txEl>
-                                              <p:pRg st="2" end="2"/>
-                                            </p:txEl>
-                                          </p:spTgt>
-                                        </p:tgtEl>
-                                        <p:attrNameLst>
-                                          <p:attrName>style.visibility</p:attrName>
-                                        </p:attrNameLst>
-                                      </p:cBhvr>
-                                      <p:to>
-                                        <p:strVal val="visible"/>
-                                      </p:to>
-                                    </p:set>
-                                    <p:animEffect transition="in" filter="checkerboard(across)">
-                                      <p:cBhvr>
-                                        <p:cTn id="39" dur="500"/>
-                                        <p:tgtEl>
-                                          <p:spTgt spid="5">
-                                            <p:txEl>
-                                              <p:pRg st="2" end="2"/>
-                                            </p:txEl>
-                                          </p:spTgt>
-                                        </p:tgtEl>
-                                      </p:cBhvr>
-                                    </p:animEffect>
-                                  </p:childTnLst>
-                                </p:cTn>
-                              </p:par>
-                            </p:childTnLst>
-                          </p:cTn>
-                        </p:par>
-                      </p:childTnLst>
-                    </p:cTn>
-                  </p:par>
-                  <p:par>
-                    <p:cTn id="40" fill="hold">
-                      <p:stCondLst>
-                        <p:cond delay="indefinite"/>
-                      </p:stCondLst>
-                      <p:childTnLst>
-                        <p:par>
-                          <p:cTn id="41" fill="hold">
-                            <p:stCondLst>
-                              <p:cond delay="0"/>
-                            </p:stCondLst>
-                            <p:childTnLst>
-                              <p:par>
-                                <p:cTn id="42" presetID="5" presetClass="entr" presetSubtype="10" fill="hold" grpId="0" nodeType="clickEffect">
-                                  <p:stCondLst>
-                                    <p:cond delay="0"/>
-                                  </p:stCondLst>
-                                  <p:childTnLst>
-                                    <p:set>
-                                      <p:cBhvr>
-                                        <p:cTn id="43" dur="1" fill="hold">
-                                          <p:stCondLst>
-                                            <p:cond delay="0"/>
-                                          </p:stCondLst>
-                                        </p:cTn>
-                                        <p:tgtEl>
-                                          <p:spTgt spid="5">
-                                            <p:txEl>
-                                              <p:pRg st="3" end="3"/>
-                                            </p:txEl>
-                                          </p:spTgt>
-                                        </p:tgtEl>
-                                        <p:attrNameLst>
-                                          <p:attrName>style.visibility</p:attrName>
-                                        </p:attrNameLst>
-                                      </p:cBhvr>
-                                      <p:to>
-                                        <p:strVal val="visible"/>
-                                      </p:to>
-                                    </p:set>
-                                    <p:animEffect transition="in" filter="checkerboard(across)">
-                                      <p:cBhvr>
-                                        <p:cTn id="44" dur="500"/>
-                                        <p:tgtEl>
-                                          <p:spTgt spid="5">
-                                            <p:txEl>
-                                              <p:pRg st="3" end="3"/>
-                                            </p:txEl>
-                                          </p:spTgt>
-                                        </p:tgtEl>
-                                      </p:cBhvr>
-                                    </p:animEffect>
-                                  </p:childTnLst>
-                                </p:cTn>
-                              </p:par>
-                            </p:childTnLst>
-                          </p:cTn>
-                        </p:par>
-                      </p:childTnLst>
-                    </p:cTn>
-                  </p:par>
-                  <p:par>
-                    <p:cTn id="45" fill="hold">
-                      <p:stCondLst>
-                        <p:cond delay="indefinite"/>
-                      </p:stCondLst>
-                      <p:childTnLst>
-                        <p:par>
-                          <p:cTn id="46" fill="hold">
-                            <p:stCondLst>
-                              <p:cond delay="0"/>
-                            </p:stCondLst>
-                            <p:childTnLst>
-                              <p:par>
-                                <p:cTn id="47" presetID="5" presetClass="entr" presetSubtype="10" fill="hold" grpId="0" nodeType="clickEffect">
-                                  <p:stCondLst>
-                                    <p:cond delay="0"/>
-                                  </p:stCondLst>
-                                  <p:childTnLst>
-                                    <p:set>
-                                      <p:cBhvr>
-                                        <p:cTn id="48" dur="1" fill="hold">
-                                          <p:stCondLst>
-                                            <p:cond delay="0"/>
-                                          </p:stCondLst>
-                                        </p:cTn>
-                                        <p:tgtEl>
-                                          <p:spTgt spid="7"/>
-                                        </p:tgtEl>
-                                        <p:attrNameLst>
-                                          <p:attrName>style.visibility</p:attrName>
-                                        </p:attrNameLst>
-                                      </p:cBhvr>
-                                      <p:to>
-                                        <p:strVal val="visible"/>
-                                      </p:to>
-                                    </p:set>
-                                    <p:animEffect transition="in" filter="checkerboard(across)">
-                                      <p:cBhvr>
-                                        <p:cTn id="49" dur="500"/>
-                                        <p:tgtEl>
-                                          <p:spTgt spid="7"/>
-                                        </p:tgtEl>
-                                      </p:cBhvr>
-                                    </p:animEffect>
-                                  </p:childTnLst>
-                                </p:cTn>
-                              </p:par>
-                              <p:par>
-                                <p:cTn id="50" presetID="5" presetClass="entr" presetSubtype="10" fill="hold" grpId="0" nodeType="withEffect">
-                                  <p:stCondLst>
-                                    <p:cond delay="0"/>
-                                  </p:stCondLst>
-                                  <p:childTnLst>
-                                    <p:set>
-                                      <p:cBhvr>
-                                        <p:cTn id="51" dur="1" fill="hold">
-                                          <p:stCondLst>
-                                            <p:cond delay="0"/>
-                                          </p:stCondLst>
-                                        </p:cTn>
-                                        <p:tgtEl>
-                                          <p:spTgt spid="10"/>
-                                        </p:tgtEl>
-                                        <p:attrNameLst>
-                                          <p:attrName>style.visibility</p:attrName>
-                                        </p:attrNameLst>
-                                      </p:cBhvr>
-                                      <p:to>
-                                        <p:strVal val="visible"/>
-                                      </p:to>
-                                    </p:set>
-                                    <p:animEffect transition="in" filter="checkerboard(across)">
-                                      <p:cBhvr>
-                                        <p:cTn id="52" dur="500"/>
-                                        <p:tgtEl>
-                                          <p:spTgt spid="10"/>
-                                        </p:tgtEl>
-                                      </p:cBhvr>
-                                    </p:animEffect>
-                                  </p:childTnLst>
-                                </p:cTn>
-                              </p:par>
-                              <p:par>
-                                <p:cTn id="53" presetID="5" presetClass="entr" presetSubtype="10" fill="hold" grpId="0" nodeType="withEffect">
-                                  <p:stCondLst>
-                                    <p:cond delay="0"/>
-                                  </p:stCondLst>
-                                  <p:childTnLst>
-                                    <p:set>
-                                      <p:cBhvr>
-                                        <p:cTn id="54" dur="1" fill="hold">
-                                          <p:stCondLst>
-                                            <p:cond delay="0"/>
-                                          </p:stCondLst>
-                                        </p:cTn>
-                                        <p:tgtEl>
-                                          <p:spTgt spid="11"/>
-                                        </p:tgtEl>
-                                        <p:attrNameLst>
-                                          <p:attrName>style.visibility</p:attrName>
-                                        </p:attrNameLst>
-                                      </p:cBhvr>
-                                      <p:to>
-                                        <p:strVal val="visible"/>
-                                      </p:to>
-                                    </p:set>
-                                    <p:animEffect transition="in" filter="checkerboard(across)">
-                                      <p:cBhvr>
-                                        <p:cTn id="55" dur="500"/>
-                                        <p:tgtEl>
-                                          <p:spTgt spid="11"/>
-                                        </p:tgtEl>
-                                      </p:cBhvr>
-                                    </p:animEffect>
-                                  </p:childTnLst>
-                                </p:cTn>
-                              </p:par>
-                            </p:childTnLst>
-                          </p:cTn>
-                        </p:par>
-                      </p:childTnLst>
-                    </p:cTn>
-                  </p:par>
-                  <p:par>
-                    <p:cTn id="56" fill="hold">
-                      <p:stCondLst>
-                        <p:cond delay="indefinite"/>
-                      </p:stCondLst>
-                      <p:childTnLst>
-                        <p:par>
-                          <p:cTn id="57" fill="hold">
-                            <p:stCondLst>
-                              <p:cond delay="0"/>
-                            </p:stCondLst>
-                            <p:childTnLst>
-                              <p:par>
-                                <p:cTn id="58" presetID="0" presetClass="path" presetSubtype="0" accel="50000" decel="50000" fill="hold" grpId="1" nodeType="clickEffect">
-                                  <p:stCondLst>
-                                    <p:cond delay="0"/>
-                                  </p:stCondLst>
-                                  <p:childTnLst>
-                                    <p:animMotion origin="layout" path="M 0 0 C 0.02587 0.00463 0.05156 0.00903 0.0776 0.01018 C 0.09635 0.00833 0.11545 0.00787 0.13385 0.00255 C 0.14739 0.00324 0.16041 0.00417 0.17378 0.00648 C 0.19757 0.00278 0.18524 0.00371 0.21059 0.00371 " pathEditMode="relative" ptsTypes="ffffA">
-                                      <p:cBhvr>
-                                        <p:cTn id="59" dur="2000" fill="hold"/>
-                                        <p:tgtEl>
-                                          <p:spTgt spid="7"/>
-                                        </p:tgtEl>
-                                        <p:attrNameLst>
-                                          <p:attrName>ppt_x</p:attrName>
-                                          <p:attrName>ppt_y</p:attrName>
-                                        </p:attrNameLst>
-                                      </p:cBhvr>
-                                    </p:animMotion>
-                                  </p:childTnLst>
-                                </p:cTn>
-                              </p:par>
-                            </p:childTnLst>
-                          </p:cTn>
-                        </p:par>
-                        <p:par>
-                          <p:cTn id="60" fill="hold">
+                          <p:cTn id="35" fill="hold">
                             <p:stCondLst>
                               <p:cond delay="2000"/>
                             </p:stCondLst>
                             <p:childTnLst>
                               <p:par>
-                                <p:cTn id="61" presetID="0" presetClass="path" presetSubtype="0" accel="50000" decel="50000" fill="hold" grpId="1" nodeType="afterEffect">
+                                <p:cTn id="36" presetID="0" presetClass="path" presetSubtype="0" accel="50000" decel="50000" fill="hold" grpId="1" nodeType="afterEffect">
                                   <p:stCondLst>
-                                    <p:cond delay="1000"/>
+                                    <p:cond delay="1500"/>
                                   </p:stCondLst>
                                   <p:childTnLst>
-                                    <p:animMotion origin="layout" path="M -0.00086 -0.00509 C 0.02466 -0.00879 0.04827 -0.00671 0.07431 -0.00509 C 0.09289 -0.00277 0.11146 -0.00231 0.13004 0.0007 C 0.13195 0.00555 0.13282 0.01504 0.13577 0.01851 C 0.13803 0.02198 0.1415 0.02152 0.14445 0.02267 C 0.16372 0.02105 0.18316 0.01851 0.20296 0.01851 " pathEditMode="relative" rAng="0" ptsTypes="fffffA">
-                                      <p:cBhvr>
-                                        <p:cTn id="62" dur="2000" fill="hold"/>
-                                        <p:tgtEl>
-                                          <p:spTgt spid="10"/>
+                                    <p:animMotion origin="layout" path="M 0 0 C 0.02587 0.00463 0.05156 0.00903 0.0776 0.01018 C 0.09635 0.00833 0.11545 0.00787 0.13385 0.00255 C 0.14739 0.00324 0.16041 0.00417 0.17378 0.00648 C 0.19757 0.00278 0.18524 0.00371 0.21059 0.00371 " pathEditMode="relative" ptsTypes="ffffA">
+                                      <p:cBhvr>
+                                        <p:cTn id="37" dur="2000" fill="hold"/>
+                                        <p:tgtEl>
+                                          <p:spTgt spid="7"/>
                                         </p:tgtEl>
                                         <p:attrNameLst>
                                           <p:attrName>ppt_x</p:attrName>
                                           <p:attrName>ppt_y</p:attrName>
                                         </p:attrNameLst>
                                       </p:cBhvr>
-                                      <p:rCtr x="102" y="12"/>
-                                    </p:animMotion>
-                                  </p:childTnLst>
-                                </p:cTn>
-                              </p:par>
-                              <p:par>
-                                <p:cTn id="63" presetID="0" presetClass="path" presetSubtype="0" accel="50000" decel="50000" fill="hold" grpId="1" nodeType="withEffect">
-                                  <p:stCondLst>
-                                    <p:cond delay="1000"/>
-                                  </p:stCondLst>
-                                  <p:childTnLst>
-                                    <p:animMotion origin="layout" path="M 0.02275 -0.01157 C 0.03108 -0.01874 0.02501 -0.01457 0.04514 -0.01272 C 0.05782 -0.01157 0.07049 -0.00833 0.08299 -0.00625 C 0.09879 -0.0037 0.12466 -0.00417 0.13542 -0.0037 C 0.13889 -0.00463 0.14254 -0.00486 0.14601 -0.00625 C 0.15053 -0.00787 0.14896 -0.01296 0.15487 -0.01666 C 0.17101 -0.01596 0.18091 -0.01689 0.19462 -0.01157 C 0.19566 -0.00995 0.19827 -0.00602 0.19948 -0.00509 C 0.20573 1.62387E-6 0.2033 -0.00532 0.20521 0.00023 " pathEditMode="relative" rAng="0" ptsTypes="ffffffffA">
-                                      <p:cBhvr>
-                                        <p:cTn id="64" dur="2000" fill="hold"/>
-                                        <p:tgtEl>
-                                          <p:spTgt spid="11"/>
-                                        </p:tgtEl>
-                                        <p:attrNameLst>
-                                          <p:attrName>ppt_x</p:attrName>
-                                          <p:attrName>ppt_y</p:attrName>
-                                        </p:attrNameLst>
-                                      </p:cBhvr>
-                                      <p:rCtr x="91" y="2"/>
                                     </p:animMotion>
                                   </p:childTnLst>
                                 </p:cTn>
@@ -9788,26 +9046,201 @@
                     </p:cTn>
                   </p:par>
                   <p:par>
-                    <p:cTn id="65" fill="hold">
+                    <p:cTn id="38" fill="hold">
                       <p:stCondLst>
                         <p:cond delay="indefinite"/>
                       </p:stCondLst>
                       <p:childTnLst>
                         <p:par>
-                          <p:cTn id="66" fill="hold">
+                          <p:cTn id="39" fill="hold">
                             <p:stCondLst>
                               <p:cond delay="0"/>
                             </p:stCondLst>
                             <p:childTnLst>
                               <p:par>
-                                <p:cTn id="67" presetID="5" presetClass="exit" presetSubtype="10" fill="hold" grpId="2" nodeType="clickEffect">
+                                <p:cTn id="40" presetID="5" presetClass="entr" presetSubtype="10" fill="hold" grpId="0" nodeType="clickEffect">
                                   <p:stCondLst>
                                     <p:cond delay="0"/>
                                   </p:stCondLst>
                                   <p:childTnLst>
+                                    <p:set>
+                                      <p:cBhvr>
+                                        <p:cTn id="41" dur="1" fill="hold">
+                                          <p:stCondLst>
+                                            <p:cond delay="0"/>
+                                          </p:stCondLst>
+                                        </p:cTn>
+                                        <p:tgtEl>
+                                          <p:spTgt spid="5">
+                                            <p:txEl>
+                                              <p:pRg st="2" end="2"/>
+                                            </p:txEl>
+                                          </p:spTgt>
+                                        </p:tgtEl>
+                                        <p:attrNameLst>
+                                          <p:attrName>style.visibility</p:attrName>
+                                        </p:attrNameLst>
+                                      </p:cBhvr>
+                                      <p:to>
+                                        <p:strVal val="visible"/>
+                                      </p:to>
+                                    </p:set>
+                                    <p:animEffect transition="in" filter="checkerboard(across)">
+                                      <p:cBhvr>
+                                        <p:cTn id="42" dur="500"/>
+                                        <p:tgtEl>
+                                          <p:spTgt spid="5">
+                                            <p:txEl>
+                                              <p:pRg st="2" end="2"/>
+                                            </p:txEl>
+                                          </p:spTgt>
+                                        </p:tgtEl>
+                                      </p:cBhvr>
+                                    </p:animEffect>
+                                  </p:childTnLst>
+                                </p:cTn>
+                              </p:par>
+                              <p:par>
+                                <p:cTn id="43" presetID="5" presetClass="entr" presetSubtype="10" fill="hold" grpId="0" nodeType="withEffect">
+                                  <p:stCondLst>
+                                    <p:cond delay="0"/>
+                                  </p:stCondLst>
+                                  <p:childTnLst>
+                                    <p:set>
+                                      <p:cBhvr>
+                                        <p:cTn id="44" dur="1" fill="hold">
+                                          <p:stCondLst>
+                                            <p:cond delay="0"/>
+                                          </p:stCondLst>
+                                        </p:cTn>
+                                        <p:tgtEl>
+                                          <p:spTgt spid="10"/>
+                                        </p:tgtEl>
+                                        <p:attrNameLst>
+                                          <p:attrName>style.visibility</p:attrName>
+                                        </p:attrNameLst>
+                                      </p:cBhvr>
+                                      <p:to>
+                                        <p:strVal val="visible"/>
+                                      </p:to>
+                                    </p:set>
+                                    <p:animEffect transition="in" filter="checkerboard(across)">
+                                      <p:cBhvr>
+                                        <p:cTn id="45" dur="500"/>
+                                        <p:tgtEl>
+                                          <p:spTgt spid="10"/>
+                                        </p:tgtEl>
+                                      </p:cBhvr>
+                                    </p:animEffect>
+                                  </p:childTnLst>
+                                </p:cTn>
+                              </p:par>
+                              <p:par>
+                                <p:cTn id="46" presetID="5" presetClass="entr" presetSubtype="10" fill="hold" grpId="0" nodeType="withEffect">
+                                  <p:stCondLst>
+                                    <p:cond delay="0"/>
+                                  </p:stCondLst>
+                                  <p:childTnLst>
+                                    <p:set>
+                                      <p:cBhvr>
+                                        <p:cTn id="47" dur="1" fill="hold">
+                                          <p:stCondLst>
+                                            <p:cond delay="0"/>
+                                          </p:stCondLst>
+                                        </p:cTn>
+                                        <p:tgtEl>
+                                          <p:spTgt spid="11"/>
+                                        </p:tgtEl>
+                                        <p:attrNameLst>
+                                          <p:attrName>style.visibility</p:attrName>
+                                        </p:attrNameLst>
+                                      </p:cBhvr>
+                                      <p:to>
+                                        <p:strVal val="visible"/>
+                                      </p:to>
+                                    </p:set>
+                                    <p:animEffect transition="in" filter="checkerboard(across)">
+                                      <p:cBhvr>
+                                        <p:cTn id="48" dur="500"/>
+                                        <p:tgtEl>
+                                          <p:spTgt spid="11"/>
+                                        </p:tgtEl>
+                                      </p:cBhvr>
+                                    </p:animEffect>
+                                  </p:childTnLst>
+                                </p:cTn>
+                              </p:par>
+                            </p:childTnLst>
+                          </p:cTn>
+                        </p:par>
+                        <p:par>
+                          <p:cTn id="49" fill="hold">
+                            <p:stCondLst>
+                              <p:cond delay="500"/>
+                            </p:stCondLst>
+                            <p:childTnLst>
+                              <p:par>
+                                <p:cTn id="50" presetID="0" presetClass="path" presetSubtype="0" accel="50000" decel="50000" fill="hold" grpId="1" nodeType="afterEffect">
+                                  <p:stCondLst>
+                                    <p:cond delay="1000"/>
+                                  </p:stCondLst>
+                                  <p:childTnLst>
+                                    <p:animMotion origin="layout" path="M -0.00086 -0.00509 C 0.02466 -0.00879 0.04827 -0.00671 0.07431 -0.00509 C 0.09289 -0.00277 0.11146 -0.00231 0.13004 0.0007 C 0.13195 0.00555 0.13282 0.01504 0.13577 0.01851 C 0.13803 0.02198 0.1415 0.02152 0.14445 0.02267 C 0.16372 0.02105 0.18316 0.01851 0.20296 0.01851 " pathEditMode="relative" rAng="0" ptsTypes="fffffA">
+                                      <p:cBhvr>
+                                        <p:cTn id="51" dur="2000" fill="hold"/>
+                                        <p:tgtEl>
+                                          <p:spTgt spid="10"/>
+                                        </p:tgtEl>
+                                        <p:attrNameLst>
+                                          <p:attrName>ppt_x</p:attrName>
+                                          <p:attrName>ppt_y</p:attrName>
+                                        </p:attrNameLst>
+                                      </p:cBhvr>
+                                      <p:rCtr x="102" y="12"/>
+                                    </p:animMotion>
+                                  </p:childTnLst>
+                                </p:cTn>
+                              </p:par>
+                              <p:par>
+                                <p:cTn id="52" presetID="0" presetClass="path" presetSubtype="0" accel="50000" decel="50000" fill="hold" grpId="1" nodeType="withEffect">
+                                  <p:stCondLst>
+                                    <p:cond delay="1000"/>
+                                  </p:stCondLst>
+                                  <p:childTnLst>
+                                    <p:animMotion origin="layout" path="M 0.02275 -0.01157 C 0.03108 -0.01874 0.02501 -0.01457 0.04514 -0.01272 C 0.05782 -0.01157 0.07049 -0.00833 0.08299 -0.00625 C 0.09879 -0.0037 0.12466 -0.00417 0.13542 -0.0037 C 0.13889 -0.00463 0.14254 -0.00486 0.14601 -0.00625 C 0.15053 -0.00787 0.14896 -0.01296 0.15487 -0.01666 C 0.17101 -0.01596 0.18091 -0.01689 0.19462 -0.01157 C 0.19566 -0.00995 0.19827 -0.00602 0.19948 -0.00509 C 0.20573 1.62387E-6 0.2033 -0.00532 0.20521 0.00023 " pathEditMode="relative" rAng="0" ptsTypes="ffffffffA">
+                                      <p:cBhvr>
+                                        <p:cTn id="53" dur="2000" fill="hold"/>
+                                        <p:tgtEl>
+                                          <p:spTgt spid="11"/>
+                                        </p:tgtEl>
+                                        <p:attrNameLst>
+                                          <p:attrName>ppt_x</p:attrName>
+                                          <p:attrName>ppt_y</p:attrName>
+                                        </p:attrNameLst>
+                                      </p:cBhvr>
+                                      <p:rCtr x="91" y="2"/>
+                                    </p:animMotion>
+                                  </p:childTnLst>
+                                </p:cTn>
+                              </p:par>
+                            </p:childTnLst>
+                          </p:cTn>
+                        </p:par>
+                        <p:par>
+                          <p:cTn id="54" fill="hold">
+                            <p:stCondLst>
+                              <p:cond delay="3500"/>
+                            </p:stCondLst>
+                            <p:childTnLst>
+                              <p:par>
+                                <p:cTn id="55" presetID="5" presetClass="exit" presetSubtype="10" fill="hold" grpId="2" nodeType="afterEffect">
+                                  <p:stCondLst>
+                                    <p:cond delay="500"/>
+                                  </p:stCondLst>
+                                  <p:childTnLst>
                                     <p:animEffect transition="out" filter="checkerboard(across)">
                                       <p:cBhvr>
-                                        <p:cTn id="68" dur="500"/>
+                                        <p:cTn id="56" dur="500"/>
                                         <p:tgtEl>
                                           <p:spTgt spid="10"/>
                                         </p:tgtEl>
@@ -9815,7 +9248,7 @@
                                     </p:animEffect>
                                     <p:set>
                                       <p:cBhvr>
-                                        <p:cTn id="69" dur="1" fill="hold">
+                                        <p:cTn id="57" dur="1" fill="hold">
                                           <p:stCondLst>
                                             <p:cond delay="499"/>
                                           </p:stCondLst>
@@ -9835,14 +9268,14 @@
                                 </p:cTn>
                               </p:par>
                               <p:par>
-                                <p:cTn id="70" presetID="5" presetClass="exit" presetSubtype="10" fill="hold" grpId="2" nodeType="withEffect">
+                                <p:cTn id="58" presetID="5" presetClass="exit" presetSubtype="10" fill="hold" grpId="2" nodeType="withEffect">
                                   <p:stCondLst>
-                                    <p:cond delay="0"/>
+                                    <p:cond delay="500"/>
                                   </p:stCondLst>
                                   <p:childTnLst>
                                     <p:animEffect transition="out" filter="checkerboard(across)">
                                       <p:cBhvr>
-                                        <p:cTn id="71" dur="500"/>
+                                        <p:cTn id="59" dur="500"/>
                                         <p:tgtEl>
                                           <p:spTgt spid="7"/>
                                         </p:tgtEl>
@@ -9850,7 +9283,7 @@
                                     </p:animEffect>
                                     <p:set>
                                       <p:cBhvr>
-                                        <p:cTn id="72" dur="1" fill="hold">
+                                        <p:cTn id="60" dur="1" fill="hold">
                                           <p:stCondLst>
                                             <p:cond delay="499"/>
                                           </p:stCondLst>
@@ -9870,14 +9303,14 @@
                                 </p:cTn>
                               </p:par>
                               <p:par>
-                                <p:cTn id="73" presetID="5" presetClass="exit" presetSubtype="10" fill="hold" grpId="2" nodeType="withEffect">
+                                <p:cTn id="61" presetID="5" presetClass="exit" presetSubtype="10" fill="hold" grpId="2" nodeType="withEffect">
                                   <p:stCondLst>
-                                    <p:cond delay="0"/>
+                                    <p:cond delay="500"/>
                                   </p:stCondLst>
                                   <p:childTnLst>
                                     <p:animEffect transition="out" filter="checkerboard(across)">
                                       <p:cBhvr>
-                                        <p:cTn id="74" dur="500"/>
+                                        <p:cTn id="62" dur="500"/>
                                         <p:tgtEl>
                                           <p:spTgt spid="11"/>
                                         </p:tgtEl>
@@ -9885,7 +9318,7 @@
                                     </p:animEffect>
                                     <p:set>
                                       <p:cBhvr>
-                                        <p:cTn id="75" dur="1" fill="hold">
+                                        <p:cTn id="63" dur="1" fill="hold">
                                           <p:stCondLst>
                                             <p:cond delay="499"/>
                                           </p:stCondLst>
@@ -9905,14 +9338,14 @@
                                 </p:cTn>
                               </p:par>
                               <p:par>
-                                <p:cTn id="76" presetID="5" presetClass="entr" presetSubtype="10" fill="hold" grpId="0" nodeType="withEffect">
+                                <p:cTn id="64" presetID="5" presetClass="entr" presetSubtype="10" fill="hold" grpId="0" nodeType="withEffect">
                                   <p:stCondLst>
                                     <p:cond delay="0"/>
                                   </p:stCondLst>
                                   <p:childTnLst>
                                     <p:set>
                                       <p:cBhvr>
-                                        <p:cTn id="77" dur="1" fill="hold">
+                                        <p:cTn id="65" dur="1" fill="hold">
                                           <p:stCondLst>
                                             <p:cond delay="0"/>
                                           </p:stCondLst>
@@ -9930,7 +9363,7 @@
                                     </p:set>
                                     <p:animEffect transition="in" filter="checkerboard(across)">
                                       <p:cBhvr>
-                                        <p:cTn id="78" dur="500"/>
+                                        <p:cTn id="66" dur="500"/>
                                         <p:tgtEl>
                                           <p:spTgt spid="12"/>
                                         </p:tgtEl>
@@ -9942,30 +9375,21 @@
                             </p:childTnLst>
                           </p:cTn>
                         </p:par>
-                      </p:childTnLst>
-                    </p:cTn>
-                  </p:par>
-                  <p:par>
-                    <p:cTn id="79" fill="hold">
-                      <p:stCondLst>
-                        <p:cond delay="indefinite"/>
-                      </p:stCondLst>
-                      <p:childTnLst>
                         <p:par>
-                          <p:cTn id="80" fill="hold">
+                          <p:cTn id="67" fill="hold">
                             <p:stCondLst>
-                              <p:cond delay="0"/>
+                              <p:cond delay="4500"/>
                             </p:stCondLst>
                             <p:childTnLst>
                               <p:par>
-                                <p:cTn id="81" presetID="0" presetClass="path" presetSubtype="0" repeatCount="indefinite" accel="50000" decel="50000" fill="hold" grpId="1" nodeType="clickEffect">
+                                <p:cTn id="68" presetID="0" presetClass="path" presetSubtype="0" repeatCount="indefinite" accel="50000" decel="50000" fill="hold" grpId="1" nodeType="afterEffect">
                                   <p:stCondLst>
-                                    <p:cond delay="0"/>
+                                    <p:cond delay="500"/>
                                   </p:stCondLst>
                                   <p:childTnLst>
                                     <p:animMotion origin="layout" path="M 5E-6 1.63313E-6 C 0.01667 0.00208 0.03316 0.00324 0.05018 0.00393 C 0.06476 0.00578 0.07917 0.00717 0.09393 0.00809 C 0.1007 0.01018 0.10556 0.01249 0.11251 0.01341 C 0.11372 0.01388 0.11476 0.01434 0.1158 0.0148 C 0.11702 0.01527 0.11928 0.01619 0.11928 0.01642 " pathEditMode="relative" rAng="0" ptsTypes="fffffA">
                                       <p:cBhvr>
-                                        <p:cTn id="82" dur="2000" fill="hold"/>
+                                        <p:cTn id="69" dur="2000" fill="hold"/>
                                         <p:tgtEl>
                                           <p:spTgt spid="12"/>
                                         </p:tgtEl>
@@ -9983,20 +9407,20 @@
                           </p:cTn>
                         </p:par>
                         <p:par>
-                          <p:cTn id="83" fill="hold">
+                          <p:cTn id="70" fill="hold">
                             <p:stCondLst>
-                              <p:cond delay="2000"/>
+                              <p:cond delay="7000"/>
                             </p:stCondLst>
                             <p:childTnLst>
                               <p:par>
-                                <p:cTn id="84" presetID="0" presetClass="path" presetSubtype="0" accel="50000" decel="50000" fill="hold" grpId="2" nodeType="afterEffect">
+                                <p:cTn id="71" presetID="0" presetClass="path" presetSubtype="0" accel="50000" decel="50000" fill="hold" grpId="2" nodeType="afterEffect">
                                   <p:stCondLst>
                                     <p:cond delay="0"/>
                                   </p:stCondLst>
                                   <p:childTnLst>
                                     <p:animMotion origin="layout" path="M 0.11928 0.01642 C 0.12882 0.01503 0.13369 0.01457 0.14497 0.01388 C 0.18091 0.01503 0.21685 0.01549 0.25278 0.01596 C 0.26476 0.01549 0.27362 0.0148 0.2849 0.01364 C 0.28577 0.01364 0.2981 0.01364 0.30174 0.01434 C 0.31615 0.01688 0.29358 0.01364 0.30712 0.01549 C 0.30938 0.01665 0.31146 0.01711 0.3132 0.01827 C 0.31424 0.02012 0.31511 0.02174 0.31511 0.02382 " pathEditMode="relative" rAng="0" ptsTypes="fffffffA">
                                       <p:cBhvr>
-                                        <p:cTn id="85" dur="2000" fill="hold"/>
+                                        <p:cTn id="72" dur="2000" fill="hold"/>
                                         <p:tgtEl>
                                           <p:spTgt spid="12"/>
                                         </p:tgtEl>
@@ -10014,20 +9438,20 @@
                           </p:cTn>
                         </p:par>
                         <p:par>
-                          <p:cTn id="86" fill="hold">
+                          <p:cTn id="73" fill="hold">
                             <p:stCondLst>
-                              <p:cond delay="4000"/>
+                              <p:cond delay="9000"/>
                             </p:stCondLst>
                             <p:childTnLst>
                               <p:par>
-                                <p:cTn id="87" presetID="0" presetClass="path" presetSubtype="0" repeatCount="indefinite" accel="50000" decel="50000" fill="hold" grpId="3" nodeType="afterEffect">
+                                <p:cTn id="74" presetID="0" presetClass="path" presetSubtype="0" repeatCount="indefinite" accel="50000" decel="50000" fill="hold" grpId="3" nodeType="afterEffect">
                                   <p:stCondLst>
                                     <p:cond delay="1500"/>
                                   </p:stCondLst>
                                   <p:childTnLst>
                                     <p:animMotion origin="layout" path="M 0 0 C 0.00972 0.00393 0.01996 0.00393 0.03003 0.00509 C 0.05139 0.00763 0.07257 0.00925 0.0941 0.01041 C 0.11458 0.00879 0.1309 0.00601 0.15052 0.00254 C 0.2059 0.00509 0.18628 0.00092 0.20972 0.00647 C 0.23611 0.00416 0.26198 0.00347 0.28837 0.00647 C 0.29618 0.00509 0.31406 -0.00209 0.31944 0.00902 C 0.32101 0.01619 0.31649 0.01943 0.31649 0.0259 " pathEditMode="relative" ptsTypes="fffffffA">
                                       <p:cBhvr>
-                                        <p:cTn id="88" dur="5000" fill="hold"/>
+                                        <p:cTn id="75" dur="5000" fill="hold"/>
                                         <p:tgtEl>
                                           <p:spTgt spid="12"/>
                                         </p:tgtEl>
@@ -10047,32 +9471,36 @@
                     </p:cTn>
                   </p:par>
                   <p:par>
-                    <p:cTn id="89" fill="hold">
+                    <p:cTn id="76" fill="hold">
                       <p:stCondLst>
                         <p:cond delay="indefinite"/>
                       </p:stCondLst>
                       <p:childTnLst>
                         <p:par>
-                          <p:cTn id="90" fill="hold">
+                          <p:cTn id="77" fill="hold">
                             <p:stCondLst>
                               <p:cond delay="0"/>
                             </p:stCondLst>
                             <p:childTnLst>
                               <p:par>
-                                <p:cTn id="91" presetID="5" presetClass="entr" presetSubtype="10" fill="hold" grpId="0" nodeType="clickEffect">
+                                <p:cTn id="78" presetID="5" presetClass="entr" presetSubtype="10" fill="hold" grpId="0" nodeType="clickEffect">
                                   <p:stCondLst>
                                     <p:cond delay="0"/>
                                   </p:stCondLst>
                                   <p:childTnLst>
                                     <p:set>
                                       <p:cBhvr>
-                                        <p:cTn id="92" dur="1" fill="hold">
+                                        <p:cTn id="79" dur="1" fill="hold">
                                           <p:stCondLst>
                                             <p:cond delay="0"/>
                                           </p:stCondLst>
                                         </p:cTn>
                                         <p:tgtEl>
-                                          <p:spTgt spid="9"/>
+                                          <p:spTgt spid="5">
+                                            <p:txEl>
+                                              <p:pRg st="3" end="3"/>
+                                            </p:txEl>
+                                          </p:spTgt>
                                         </p:tgtEl>
                                         <p:attrNameLst>
                                           <p:attrName>style.visibility</p:attrName>
@@ -10084,9 +9512,13 @@
                                     </p:set>
                                     <p:animEffect transition="in" filter="checkerboard(across)">
                                       <p:cBhvr>
-                                        <p:cTn id="93" dur="500"/>
-                                        <p:tgtEl>
-                                          <p:spTgt spid="9"/>
+                                        <p:cTn id="80" dur="500"/>
+                                        <p:tgtEl>
+                                          <p:spTgt spid="5">
+                                            <p:txEl>
+                                              <p:pRg st="3" end="3"/>
+                                            </p:txEl>
+                                          </p:spTgt>
                                         </p:tgtEl>
                                       </p:cBhvr>
                                     </p:animEffect>
@@ -10097,323 +9529,73 @@
                           </p:cTn>
                         </p:par>
                         <p:par>
-                          <p:cTn id="94" fill="hold">
+                          <p:cTn id="81" fill="hold">
                             <p:stCondLst>
                               <p:cond delay="500"/>
                             </p:stCondLst>
                             <p:childTnLst>
                               <p:par>
-                                <p:cTn id="95" presetID="0" presetClass="path" presetSubtype="0" repeatCount="indefinite" accel="50000" decel="50000" fill="hold" grpId="1" nodeType="afterEffect">
+                                <p:cTn id="82" presetID="5" presetClass="entr" presetSubtype="10" fill="hold" grpId="0" nodeType="afterEffect">
                                   <p:stCondLst>
-                                    <p:cond delay="500"/>
+                                    <p:cond delay="1000"/>
                                   </p:stCondLst>
                                   <p:childTnLst>
-                                    <p:animMotion origin="layout" path="M 0 0 C 0.00746 -0.00486 0.03333 0.00255 0.0408 0.0037 C 0.04409 0.00416 0.05052 0.00509 0.05052 0.00509 C 0.07743 0.00208 0.10416 0.00023 0.13107 -0.00254 C 0.13784 -0.00856 0.13472 -0.00694 0.13975 -0.00902 C 0.14184 0.00648 0.14218 0.02198 0.14375 0.03747 C 0.14427 0.04164 0.14514 0.0502 0.14566 0.05043 C 0.15364 0.05297 0.1618 0.05205 0.16996 0.05297 C 0.19427 0.05552 0.21875 0.05598 0.24271 0.06084 C 0.29444 0.0502 0.29739 0.05598 0.38055 0.05691 C 0.40087 0.05344 0.41354 0.05066 0.43593 0.04904 C 0.45347 0.04997 0.47014 0.05274 0.48732 0.04904 C 0.50052 0.04973 0.51163 0.05043 0.5243 0.05297 C 0.53159 0.05922 0.52916 0.06292 0.52916 0.07634 " pathEditMode="relative" ptsTypes="fffffffffffffA">
-                                      <p:cBhvr>
-                                        <p:cTn id="96" dur="5000" fill="hold"/>
+                                    <p:set>
+                                      <p:cBhvr>
+                                        <p:cTn id="83" dur="1" fill="hold">
+                                          <p:stCondLst>
+                                            <p:cond delay="0"/>
+                                          </p:stCondLst>
+                                        </p:cTn>
                                         <p:tgtEl>
                                           <p:spTgt spid="9"/>
                                         </p:tgtEl>
                                         <p:attrNameLst>
-                                          <p:attrName>ppt_x</p:attrName>
-                                          <p:attrName>ppt_y</p:attrName>
+                                          <p:attrName>style.visibility</p:attrName>
                                         </p:attrNameLst>
                                       </p:cBhvr>
-                                    </p:animMotion>
+                                      <p:to>
+                                        <p:strVal val="visible"/>
+                                      </p:to>
+                                    </p:set>
+                                    <p:animEffect transition="in" filter="checkerboard(across)">
+                                      <p:cBhvr>
+                                        <p:cTn id="84" dur="500"/>
+                                        <p:tgtEl>
+                                          <p:spTgt spid="9"/>
+                                        </p:tgtEl>
+                                      </p:cBhvr>
+                                    </p:animEffect>
                                   </p:childTnLst>
                                 </p:cTn>
                               </p:par>
                             </p:childTnLst>
                           </p:cTn>
                         </p:par>
-                      </p:childTnLst>
-                    </p:cTn>
-                  </p:par>
-                  <p:par>
-                    <p:cTn id="97" fill="hold">
-                      <p:stCondLst>
-                        <p:cond delay="indefinite"/>
-                      </p:stCondLst>
-                      <p:childTnLst>
                         <p:par>
-                          <p:cTn id="98" fill="hold">
+                          <p:cTn id="85" fill="hold">
                             <p:stCondLst>
-                              <p:cond delay="0"/>
+                              <p:cond delay="2000"/>
                             </p:stCondLst>
                             <p:childTnLst>
                               <p:par>
-                                <p:cTn id="99" presetID="1" presetClass="entr" presetSubtype="0" fill="hold" nodeType="clickEffect">
+                                <p:cTn id="86" presetID="0" presetClass="path" presetSubtype="0" repeatCount="indefinite" accel="50000" decel="50000" fill="hold" grpId="1" nodeType="afterEffect">
                                   <p:stCondLst>
-                                    <p:cond delay="0"/>
+                                    <p:cond delay="2000"/>
                                   </p:stCondLst>
                                   <p:childTnLst>
-                                    <p:set>
-                                      <p:cBhvr>
-                                        <p:cTn id="100" dur="1" fill="hold">
-                                          <p:stCondLst>
-                                            <p:cond delay="0"/>
-                                          </p:stCondLst>
-                                        </p:cTn>
-                                        <p:tgtEl>
-                                          <p:spTgt spid="3">
-                                            <p:txEl>
-                                              <p:pRg st="0" end="0"/>
-                                            </p:txEl>
-                                          </p:spTgt>
+                                    <p:animMotion origin="layout" path="M 0 0 C 0.00746 -0.00486 0.03333 0.00255 0.0408 0.0037 C 0.04409 0.00416 0.05052 0.00509 0.05052 0.00509 C 0.07743 0.00208 0.10416 0.00023 0.13107 -0.00254 C 0.13784 -0.00856 0.13472 -0.00694 0.13975 -0.00902 C 0.14184 0.00648 0.14218 0.02198 0.14375 0.03747 C 0.14427 0.04164 0.14514 0.0502 0.14566 0.05043 C 0.15364 0.05297 0.1618 0.05205 0.16996 0.05297 C 0.19427 0.05552 0.21875 0.05598 0.24271 0.06084 C 0.29444 0.0502 0.29739 0.05598 0.38055 0.05691 C 0.40087 0.05344 0.41354 0.05066 0.43593 0.04904 C 0.45347 0.04997 0.47014 0.05274 0.48732 0.04904 C 0.50052 0.04973 0.51163 0.05043 0.5243 0.05297 C 0.53159 0.05922 0.52916 0.06292 0.52916 0.07634 " pathEditMode="relative" ptsTypes="fffffffffffffA">
+                                      <p:cBhvr>
+                                        <p:cTn id="87" dur="5000" fill="hold"/>
+                                        <p:tgtEl>
+                                          <p:spTgt spid="9"/>
                                         </p:tgtEl>
                                         <p:attrNameLst>
-                                          <p:attrName>style.visibility</p:attrName>
+                                          <p:attrName>ppt_x</p:attrName>
+                                          <p:attrName>ppt_y</p:attrName>
                                         </p:attrNameLst>
                                       </p:cBhvr>
-                                      <p:to>
-                                        <p:strVal val="visible"/>
-                                      </p:to>
-                                    </p:set>
-                                  </p:childTnLst>
-                                </p:cTn>
-                              </p:par>
-                            </p:childTnLst>
-                          </p:cTn>
-                        </p:par>
-                      </p:childTnLst>
-                    </p:cTn>
-                  </p:par>
-                  <p:par>
-                    <p:cTn id="101" fill="hold">
-                      <p:stCondLst>
-                        <p:cond delay="indefinite"/>
-                      </p:stCondLst>
-                      <p:childTnLst>
-                        <p:par>
-                          <p:cTn id="102" fill="hold">
-                            <p:stCondLst>
-                              <p:cond delay="0"/>
-                            </p:stCondLst>
-                            <p:childTnLst>
-                              <p:par>
-                                <p:cTn id="103" presetID="1" presetClass="entr" presetSubtype="0" fill="hold" nodeType="clickEffect">
-                                  <p:stCondLst>
-                                    <p:cond delay="0"/>
-                                  </p:stCondLst>
-                                  <p:childTnLst>
-                                    <p:set>
-                                      <p:cBhvr>
-                                        <p:cTn id="104" dur="1" fill="hold">
-                                          <p:stCondLst>
-                                            <p:cond delay="0"/>
-                                          </p:stCondLst>
-                                        </p:cTn>
-                                        <p:tgtEl>
-                                          <p:spTgt spid="3">
-                                            <p:txEl>
-                                              <p:pRg st="1" end="1"/>
-                                            </p:txEl>
-                                          </p:spTgt>
-                                        </p:tgtEl>
-                                        <p:attrNameLst>
-                                          <p:attrName>style.visibility</p:attrName>
-                                        </p:attrNameLst>
-                                      </p:cBhvr>
-                                      <p:to>
-                                        <p:strVal val="visible"/>
-                                      </p:to>
-                                    </p:set>
-                                  </p:childTnLst>
-                                </p:cTn>
-                              </p:par>
-                            </p:childTnLst>
-                          </p:cTn>
-                        </p:par>
-                      </p:childTnLst>
-                    </p:cTn>
-                  </p:par>
-                  <p:par>
-                    <p:cTn id="105" fill="hold">
-                      <p:stCondLst>
-                        <p:cond delay="indefinite"/>
-                      </p:stCondLst>
-                      <p:childTnLst>
-                        <p:par>
-                          <p:cTn id="106" fill="hold">
-                            <p:stCondLst>
-                              <p:cond delay="0"/>
-                            </p:stCondLst>
-                            <p:childTnLst>
-                              <p:par>
-                                <p:cTn id="107" presetID="1" presetClass="entr" presetSubtype="0" fill="hold" nodeType="clickEffect">
-                                  <p:stCondLst>
-                                    <p:cond delay="0"/>
-                                  </p:stCondLst>
-                                  <p:childTnLst>
-                                    <p:set>
-                                      <p:cBhvr>
-                                        <p:cTn id="108" dur="1" fill="hold">
-                                          <p:stCondLst>
-                                            <p:cond delay="0"/>
-                                          </p:stCondLst>
-                                        </p:cTn>
-                                        <p:tgtEl>
-                                          <p:spTgt spid="5">
-                                            <p:txEl>
-                                              <p:pRg st="0" end="0"/>
-                                            </p:txEl>
-                                          </p:spTgt>
-                                        </p:tgtEl>
-                                        <p:attrNameLst>
-                                          <p:attrName>style.visibility</p:attrName>
-                                        </p:attrNameLst>
-                                      </p:cBhvr>
-                                      <p:to>
-                                        <p:strVal val="visible"/>
-                                      </p:to>
-                                    </p:set>
-                                  </p:childTnLst>
-                                </p:cTn>
-                              </p:par>
-                            </p:childTnLst>
-                          </p:cTn>
-                        </p:par>
-                      </p:childTnLst>
-                    </p:cTn>
-                  </p:par>
-                  <p:par>
-                    <p:cTn id="109" fill="hold">
-                      <p:stCondLst>
-                        <p:cond delay="indefinite"/>
-                      </p:stCondLst>
-                      <p:childTnLst>
-                        <p:par>
-                          <p:cTn id="110" fill="hold">
-                            <p:stCondLst>
-                              <p:cond delay="0"/>
-                            </p:stCondLst>
-                            <p:childTnLst>
-                              <p:par>
-                                <p:cTn id="111" presetID="1" presetClass="entr" presetSubtype="0" fill="hold" nodeType="clickEffect">
-                                  <p:stCondLst>
-                                    <p:cond delay="0"/>
-                                  </p:stCondLst>
-                                  <p:childTnLst>
-                                    <p:set>
-                                      <p:cBhvr>
-                                        <p:cTn id="112" dur="1" fill="hold">
-                                          <p:stCondLst>
-                                            <p:cond delay="0"/>
-                                          </p:stCondLst>
-                                        </p:cTn>
-                                        <p:tgtEl>
-                                          <p:spTgt spid="5">
-                                            <p:txEl>
-                                              <p:pRg st="1" end="1"/>
-                                            </p:txEl>
-                                          </p:spTgt>
-                                        </p:tgtEl>
-                                        <p:attrNameLst>
-                                          <p:attrName>style.visibility</p:attrName>
-                                        </p:attrNameLst>
-                                      </p:cBhvr>
-                                      <p:to>
-                                        <p:strVal val="visible"/>
-                                      </p:to>
-                                    </p:set>
-                                  </p:childTnLst>
-                                </p:cTn>
-                              </p:par>
-                            </p:childTnLst>
-                          </p:cTn>
-                        </p:par>
-                      </p:childTnLst>
-                    </p:cTn>
-                  </p:par>
-                  <p:par>
-                    <p:cTn id="113" fill="hold">
-                      <p:stCondLst>
-                        <p:cond delay="indefinite"/>
-                      </p:stCondLst>
-                      <p:childTnLst>
-                        <p:par>
-                          <p:cTn id="114" fill="hold">
-                            <p:stCondLst>
-                              <p:cond delay="0"/>
-                            </p:stCondLst>
-                            <p:childTnLst>
-                              <p:par>
-                                <p:cTn id="115" presetID="1" presetClass="entr" presetSubtype="0" fill="hold" nodeType="clickEffect">
-                                  <p:stCondLst>
-                                    <p:cond delay="0"/>
-                                  </p:stCondLst>
-                                  <p:childTnLst>
-                                    <p:set>
-                                      <p:cBhvr>
-                                        <p:cTn id="116" dur="1" fill="hold">
-                                          <p:stCondLst>
-                                            <p:cond delay="0"/>
-                                          </p:stCondLst>
-                                        </p:cTn>
-                                        <p:tgtEl>
-                                          <p:spTgt spid="5">
-                                            <p:txEl>
-                                              <p:pRg st="2" end="2"/>
-                                            </p:txEl>
-                                          </p:spTgt>
-                                        </p:tgtEl>
-                                        <p:attrNameLst>
-                                          <p:attrName>style.visibility</p:attrName>
-                                        </p:attrNameLst>
-                                      </p:cBhvr>
-                                      <p:to>
-                                        <p:strVal val="visible"/>
-                                      </p:to>
-                                    </p:set>
-                                  </p:childTnLst>
-                                </p:cTn>
-                              </p:par>
-                            </p:childTnLst>
-                          </p:cTn>
-                        </p:par>
-                      </p:childTnLst>
-                    </p:cTn>
-                  </p:par>
-                  <p:par>
-                    <p:cTn id="117" fill="hold">
-                      <p:stCondLst>
-                        <p:cond delay="indefinite"/>
-                      </p:stCondLst>
-                      <p:childTnLst>
-                        <p:par>
-                          <p:cTn id="118" fill="hold">
-                            <p:stCondLst>
-                              <p:cond delay="0"/>
-                            </p:stCondLst>
-                            <p:childTnLst>
-                              <p:par>
-                                <p:cTn id="119" presetID="1" presetClass="entr" presetSubtype="0" fill="hold" nodeType="clickEffect">
-                                  <p:stCondLst>
-                                    <p:cond delay="0"/>
-                                  </p:stCondLst>
-                                  <p:childTnLst>
-                                    <p:set>
-                                      <p:cBhvr>
-                                        <p:cTn id="120" dur="1" fill="hold">
-                                          <p:stCondLst>
-                                            <p:cond delay="0"/>
-                                          </p:stCondLst>
-                                        </p:cTn>
-                                        <p:tgtEl>
-                                          <p:spTgt spid="5">
-                                            <p:txEl>
-                                              <p:pRg st="3" end="3"/>
-                                            </p:txEl>
-                                          </p:spTgt>
-                                        </p:tgtEl>
-                                        <p:attrNameLst>
-                                          <p:attrName>style.visibility</p:attrName>
-                                        </p:attrNameLst>
-                                      </p:cBhvr>
-                                      <p:to>
-                                        <p:strVal val="visible"/>
-                                      </p:to>
-                                    </p:set>
+                                    </p:animMotion>
                                   </p:childTnLst>
                                 </p:cTn>
                               </p:par>
@@ -10485,6 +9667,39 @@
           <a:chExt cx="0" cy="0"/>
         </a:xfrm>
       </p:grpSpPr>
+      <p:pic>
+        <p:nvPicPr>
+          <p:cNvPr id="1029" name="Picture 5"/>
+          <p:cNvPicPr>
+            <a:picLocks noChangeAspect="1" noChangeArrowheads="1"/>
+          </p:cNvPicPr>
+          <p:nvPr/>
+        </p:nvPicPr>
+        <p:blipFill>
+          <a:blip r:embed="rId3" cstate="print"/>
+          <a:srcRect/>
+          <a:stretch>
+            <a:fillRect/>
+          </a:stretch>
+        </p:blipFill>
+        <p:spPr bwMode="auto">
+          <a:xfrm>
+            <a:off x="3643306" y="3209921"/>
+            <a:ext cx="5285762" cy="3648079"/>
+          </a:xfrm>
+          <a:prstGeom prst="rect">
+            <a:avLst/>
+          </a:prstGeom>
+          <a:noFill/>
+          <a:ln w="9525">
+            <a:noFill/>
+            <a:miter lim="800000"/>
+            <a:headEnd/>
+            <a:tailEnd/>
+          </a:ln>
+          <a:effectLst/>
+        </p:spPr>
+      </p:pic>
       <p:sp>
         <p:nvSpPr>
           <p:cNvPr id="2" name="כותרת 1"/>
@@ -10791,7 +10006,7 @@
         </p:xfrm>
         <a:graphic>
           <a:graphicData uri="http://schemas.openxmlformats.org/presentationml/2006/ole">
-            <p:oleObj spid="_x0000_s1027" name="Equation" r:id="rId3" imgW="4330440" imgH="457200" progId="Equation.DSMT4">
+            <p:oleObj spid="_x0000_s1027" name="Equation" r:id="rId4" imgW="4330440" imgH="457200" progId="Equation.DSMT4">
               <p:embed/>
             </p:oleObj>
           </a:graphicData>
@@ -11060,7 +10275,7 @@
         </p:xfrm>
         <a:graphic>
           <a:graphicData uri="http://schemas.openxmlformats.org/presentationml/2006/ole">
-            <p:oleObj spid="_x0000_s1028" name="Equation" r:id="rId4" imgW="1841400" imgH="431640" progId="Equation.DSMT4">
+            <p:oleObj spid="_x0000_s1028" name="Equation" r:id="rId5" imgW="1841400" imgH="431640" progId="Equation.DSMT4">
               <p:embed/>
             </p:oleObj>
           </a:graphicData>
@@ -12658,39 +11873,6 @@
           </a:graphicData>
         </a:graphic>
       </p:graphicFrame>
-      <p:pic>
-        <p:nvPicPr>
-          <p:cNvPr id="1029" name="Picture 5"/>
-          <p:cNvPicPr>
-            <a:picLocks noChangeAspect="1" noChangeArrowheads="1"/>
-          </p:cNvPicPr>
-          <p:nvPr/>
-        </p:nvPicPr>
-        <p:blipFill>
-          <a:blip r:embed="rId5" cstate="print"/>
-          <a:srcRect/>
-          <a:stretch>
-            <a:fillRect/>
-          </a:stretch>
-        </p:blipFill>
-        <p:spPr bwMode="auto">
-          <a:xfrm>
-            <a:off x="3643306" y="3209921"/>
-            <a:ext cx="5285762" cy="3648079"/>
-          </a:xfrm>
-          <a:prstGeom prst="rect">
-            <a:avLst/>
-          </a:prstGeom>
-          <a:noFill/>
-          <a:ln w="9525">
-            <a:noFill/>
-            <a:miter lim="800000"/>
-            <a:headEnd/>
-            <a:tailEnd/>
-          </a:ln>
-          <a:effectLst/>
-        </p:spPr>
-      </p:pic>
       <p:sp>
         <p:nvSpPr>
           <p:cNvPr id="17" name="TextBox 16"/>
@@ -13294,6 +12476,176 @@
               <a:t>Valid output</a:t>
             </a:r>
             <a:endParaRPr lang="he-IL" sz="1000" dirty="0"/>
+          </a:p>
+        </p:txBody>
+      </p:sp>
+      <p:sp>
+        <p:nvSpPr>
+          <p:cNvPr id="35" name="אליפסה 34"/>
+          <p:cNvSpPr/>
+          <p:nvPr/>
+        </p:nvSpPr>
+        <p:spPr>
+          <a:xfrm>
+            <a:off x="4214810" y="4000504"/>
+            <a:ext cx="3643338" cy="642942"/>
+          </a:xfrm>
+          <a:prstGeom prst="ellipse">
+            <a:avLst/>
+          </a:prstGeom>
+          <a:noFill/>
+          <a:ln>
+            <a:solidFill>
+              <a:schemeClr val="accent2"/>
+            </a:solidFill>
+          </a:ln>
+        </p:spPr>
+        <p:style>
+          <a:lnRef idx="2">
+            <a:schemeClr val="accent1">
+              <a:shade val="50000"/>
+            </a:schemeClr>
+          </a:lnRef>
+          <a:fillRef idx="1">
+            <a:schemeClr val="accent1"/>
+          </a:fillRef>
+          <a:effectRef idx="0">
+            <a:schemeClr val="accent1"/>
+          </a:effectRef>
+          <a:fontRef idx="minor">
+            <a:schemeClr val="lt1"/>
+          </a:fontRef>
+        </p:style>
+        <p:txBody>
+          <a:bodyPr rtlCol="1" anchor="ctr"/>
+          <a:lstStyle/>
+          <a:p>
+            <a:pPr algn="ctr"/>
+            <a:endParaRPr lang="he-IL"/>
+          </a:p>
+        </p:txBody>
+      </p:sp>
+      <p:sp>
+        <p:nvSpPr>
+          <p:cNvPr id="36" name="אליפסה 35"/>
+          <p:cNvSpPr/>
+          <p:nvPr/>
+        </p:nvSpPr>
+        <p:spPr>
+          <a:xfrm rot="16200000">
+            <a:off x="3679025" y="4750603"/>
+            <a:ext cx="2286016" cy="642942"/>
+          </a:xfrm>
+          <a:prstGeom prst="ellipse">
+            <a:avLst/>
+          </a:prstGeom>
+          <a:noFill/>
+          <a:ln>
+            <a:solidFill>
+              <a:schemeClr val="accent2"/>
+            </a:solidFill>
+          </a:ln>
+        </p:spPr>
+        <p:style>
+          <a:lnRef idx="2">
+            <a:schemeClr val="accent1">
+              <a:shade val="50000"/>
+            </a:schemeClr>
+          </a:lnRef>
+          <a:fillRef idx="1">
+            <a:schemeClr val="accent1"/>
+          </a:fillRef>
+          <a:effectRef idx="0">
+            <a:schemeClr val="accent1"/>
+          </a:effectRef>
+          <a:fontRef idx="minor">
+            <a:schemeClr val="lt1"/>
+          </a:fontRef>
+        </p:style>
+        <p:txBody>
+          <a:bodyPr rtlCol="1" anchor="ctr"/>
+          <a:lstStyle/>
+          <a:p>
+            <a:pPr algn="ctr"/>
+            <a:endParaRPr lang="he-IL"/>
+          </a:p>
+        </p:txBody>
+      </p:sp>
+      <p:sp>
+        <p:nvSpPr>
+          <p:cNvPr id="37" name="TextBox 36"/>
+          <p:cNvSpPr txBox="1"/>
+          <p:nvPr/>
+        </p:nvSpPr>
+        <p:spPr>
+          <a:xfrm>
+            <a:off x="5214942" y="3429000"/>
+            <a:ext cx="1857388" cy="369332"/>
+          </a:xfrm>
+          <a:prstGeom prst="rect">
+            <a:avLst/>
+          </a:prstGeom>
+          <a:noFill/>
+        </p:spPr>
+        <p:txBody>
+          <a:bodyPr wrap="square" rtlCol="1">
+            <a:spAutoFit/>
+          </a:bodyPr>
+          <a:lstStyle/>
+          <a:p>
+            <a:pPr algn="ctr"/>
+            <a:r>
+              <a:rPr lang="en-US" dirty="0" smtClean="0">
+                <a:solidFill>
+                  <a:schemeClr val="accent2"/>
+                </a:solidFill>
+              </a:rPr>
+              <a:t>First signal</a:t>
+            </a:r>
+            <a:endParaRPr lang="he-IL" dirty="0">
+              <a:solidFill>
+                <a:schemeClr val="accent2"/>
+              </a:solidFill>
+            </a:endParaRPr>
+          </a:p>
+        </p:txBody>
+      </p:sp>
+      <p:sp>
+        <p:nvSpPr>
+          <p:cNvPr id="38" name="TextBox 37"/>
+          <p:cNvSpPr txBox="1"/>
+          <p:nvPr/>
+        </p:nvSpPr>
+        <p:spPr>
+          <a:xfrm>
+            <a:off x="2500298" y="4786322"/>
+            <a:ext cx="1857388" cy="369332"/>
+          </a:xfrm>
+          <a:prstGeom prst="rect">
+            <a:avLst/>
+          </a:prstGeom>
+          <a:noFill/>
+        </p:spPr>
+        <p:txBody>
+          <a:bodyPr wrap="square" rtlCol="1">
+            <a:spAutoFit/>
+          </a:bodyPr>
+          <a:lstStyle/>
+          <a:p>
+            <a:pPr algn="ctr"/>
+            <a:r>
+              <a:rPr lang="en-US" dirty="0" smtClean="0">
+                <a:solidFill>
+                  <a:schemeClr val="accent2"/>
+                </a:solidFill>
+              </a:rPr>
+              <a:t>First “word”</a:t>
+            </a:r>
+            <a:endParaRPr lang="he-IL" dirty="0">
+              <a:solidFill>
+                <a:schemeClr val="accent2"/>
+              </a:solidFill>
+            </a:endParaRPr>
           </a:p>
         </p:txBody>
       </p:sp>
@@ -13634,188 +12986,17 @@
                                   </p:childTnLst>
                                 </p:cTn>
                               </p:par>
-                            </p:childTnLst>
-                          </p:cTn>
-                        </p:par>
-                        <p:par>
-                          <p:cTn id="32" fill="hold">
-                            <p:stCondLst>
-                              <p:cond delay="500"/>
-                            </p:stCondLst>
-                            <p:childTnLst>
                               <p:par>
-                                <p:cTn id="33" presetID="3" presetClass="entr" presetSubtype="10" fill="hold" nodeType="afterEffect">
-                                  <p:stCondLst>
-                                    <p:cond delay="1000"/>
-                                  </p:stCondLst>
-                                  <p:childTnLst>
-                                    <p:set>
-                                      <p:cBhvr>
-                                        <p:cTn id="34" dur="1" fill="hold">
-                                          <p:stCondLst>
-                                            <p:cond delay="0"/>
-                                          </p:stCondLst>
-                                        </p:cTn>
-                                        <p:tgtEl>
-                                          <p:spTgt spid="12"/>
-                                        </p:tgtEl>
-                                        <p:attrNameLst>
-                                          <p:attrName>style.visibility</p:attrName>
-                                        </p:attrNameLst>
-                                      </p:cBhvr>
-                                      <p:to>
-                                        <p:strVal val="visible"/>
-                                      </p:to>
-                                    </p:set>
-                                    <p:animEffect transition="in" filter="blinds(horizontal)">
-                                      <p:cBhvr>
-                                        <p:cTn id="35" dur="500"/>
-                                        <p:tgtEl>
-                                          <p:spTgt spid="12"/>
-                                        </p:tgtEl>
-                                      </p:cBhvr>
-                                    </p:animEffect>
-                                  </p:childTnLst>
-                                </p:cTn>
-                              </p:par>
-                              <p:par>
-                                <p:cTn id="36" presetID="3" presetClass="entr" presetSubtype="10" fill="hold" nodeType="withEffect">
-                                  <p:stCondLst>
-                                    <p:cond delay="1000"/>
-                                  </p:stCondLst>
-                                  <p:childTnLst>
-                                    <p:set>
-                                      <p:cBhvr>
-                                        <p:cTn id="37" dur="1" fill="hold">
-                                          <p:stCondLst>
-                                            <p:cond delay="0"/>
-                                          </p:stCondLst>
-                                        </p:cTn>
-                                        <p:tgtEl>
-                                          <p:spTgt spid="13"/>
-                                        </p:tgtEl>
-                                        <p:attrNameLst>
-                                          <p:attrName>style.visibility</p:attrName>
-                                        </p:attrNameLst>
-                                      </p:cBhvr>
-                                      <p:to>
-                                        <p:strVal val="visible"/>
-                                      </p:to>
-                                    </p:set>
-                                    <p:animEffect transition="in" filter="blinds(horizontal)">
-                                      <p:cBhvr>
-                                        <p:cTn id="38" dur="500"/>
-                                        <p:tgtEl>
-                                          <p:spTgt spid="13"/>
-                                        </p:tgtEl>
-                                      </p:cBhvr>
-                                    </p:animEffect>
-                                  </p:childTnLst>
-                                </p:cTn>
-                              </p:par>
-                              <p:par>
-                                <p:cTn id="39" presetID="3" presetClass="entr" presetSubtype="10" fill="hold" nodeType="withEffect">
-                                  <p:stCondLst>
-                                    <p:cond delay="1000"/>
-                                  </p:stCondLst>
-                                  <p:childTnLst>
-                                    <p:set>
-                                      <p:cBhvr>
-                                        <p:cTn id="40" dur="1" fill="hold">
-                                          <p:stCondLst>
-                                            <p:cond delay="0"/>
-                                          </p:stCondLst>
-                                        </p:cTn>
-                                        <p:tgtEl>
-                                          <p:spTgt spid="15"/>
-                                        </p:tgtEl>
-                                        <p:attrNameLst>
-                                          <p:attrName>style.visibility</p:attrName>
-                                        </p:attrNameLst>
-                                      </p:cBhvr>
-                                      <p:to>
-                                        <p:strVal val="visible"/>
-                                      </p:to>
-                                    </p:set>
-                                    <p:animEffect transition="in" filter="blinds(horizontal)">
-                                      <p:cBhvr>
-                                        <p:cTn id="41" dur="500"/>
-                                        <p:tgtEl>
-                                          <p:spTgt spid="15"/>
-                                        </p:tgtEl>
-                                      </p:cBhvr>
-                                    </p:animEffect>
-                                  </p:childTnLst>
-                                </p:cTn>
-                              </p:par>
-                              <p:par>
-                                <p:cTn id="42" presetID="3" presetClass="entr" presetSubtype="10" fill="hold" nodeType="withEffect">
-                                  <p:stCondLst>
-                                    <p:cond delay="1000"/>
-                                  </p:stCondLst>
-                                  <p:childTnLst>
-                                    <p:set>
-                                      <p:cBhvr>
-                                        <p:cTn id="43" dur="1" fill="hold">
-                                          <p:stCondLst>
-                                            <p:cond delay="0"/>
-                                          </p:stCondLst>
-                                        </p:cTn>
-                                        <p:tgtEl>
-                                          <p:spTgt spid="14"/>
-                                        </p:tgtEl>
-                                        <p:attrNameLst>
-                                          <p:attrName>style.visibility</p:attrName>
-                                        </p:attrNameLst>
-                                      </p:cBhvr>
-                                      <p:to>
-                                        <p:strVal val="visible"/>
-                                      </p:to>
-                                    </p:set>
-                                    <p:animEffect transition="in" filter="blinds(horizontal)">
-                                      <p:cBhvr>
-                                        <p:cTn id="44" dur="500"/>
-                                        <p:tgtEl>
-                                          <p:spTgt spid="14"/>
-                                        </p:tgtEl>
-                                      </p:cBhvr>
-                                    </p:animEffect>
-                                  </p:childTnLst>
-                                </p:cTn>
-                              </p:par>
-                            </p:childTnLst>
-                          </p:cTn>
-                        </p:par>
-                      </p:childTnLst>
-                    </p:cTn>
-                  </p:par>
-                  <p:par>
-                    <p:cTn id="45" fill="hold">
-                      <p:stCondLst>
-                        <p:cond delay="indefinite"/>
-                      </p:stCondLst>
-                      <p:childTnLst>
-                        <p:par>
-                          <p:cTn id="46" fill="hold">
-                            <p:stCondLst>
-                              <p:cond delay="0"/>
-                            </p:stCondLst>
-                            <p:childTnLst>
-                              <p:par>
-                                <p:cTn id="47" presetID="2" presetClass="exit" presetSubtype="4" fill="hold" grpId="1" nodeType="clickEffect">
+                                <p:cTn id="32" presetID="2" presetClass="exit" presetSubtype="4" fill="hold" nodeType="withEffect">
                                   <p:stCondLst>
                                     <p:cond delay="0"/>
                                   </p:stCondLst>
                                   <p:childTnLst>
                                     <p:anim calcmode="lin" valueType="num">
                                       <p:cBhvr additive="base">
-                                        <p:cTn id="48" dur="500"/>
-                                        <p:tgtEl>
-                                          <p:spTgt spid="3">
-                                            <p:txEl>
-                                              <p:pRg st="0" end="0"/>
-                                            </p:txEl>
-                                          </p:spTgt>
+                                        <p:cTn id="33" dur="500"/>
+                                        <p:tgtEl>
+                                          <p:spTgt spid="1027"/>
                                         </p:tgtEl>
                                         <p:attrNameLst>
                                           <p:attrName>ppt_x</p:attrName>
@@ -13836,13 +13017,9 @@
                                     </p:anim>
                                     <p:anim calcmode="lin" valueType="num">
                                       <p:cBhvr additive="base">
-                                        <p:cTn id="49" dur="500"/>
-                                        <p:tgtEl>
-                                          <p:spTgt spid="3">
-                                            <p:txEl>
-                                              <p:pRg st="0" end="0"/>
-                                            </p:txEl>
-                                          </p:spTgt>
+                                        <p:cTn id="34" dur="500"/>
+                                        <p:tgtEl>
+                                          <p:spTgt spid="1027"/>
                                         </p:tgtEl>
                                         <p:attrNameLst>
                                           <p:attrName>ppt_y</p:attrName>
@@ -13863,17 +13040,13 @@
                                     </p:anim>
                                     <p:set>
                                       <p:cBhvr>
-                                        <p:cTn id="50" dur="1" fill="hold">
+                                        <p:cTn id="35" dur="1" fill="hold">
                                           <p:stCondLst>
                                             <p:cond delay="499"/>
                                           </p:stCondLst>
                                         </p:cTn>
                                         <p:tgtEl>
-                                          <p:spTgt spid="3">
-                                            <p:txEl>
-                                              <p:pRg st="0" end="0"/>
-                                            </p:txEl>
-                                          </p:spTgt>
+                                          <p:spTgt spid="1027"/>
                                         </p:tgtEl>
                                         <p:attrNameLst>
                                           <p:attrName>style.visibility</p:attrName>
@@ -13886,17 +13059,413 @@
                                   </p:childTnLst>
                                 </p:cTn>
                               </p:par>
+                            </p:childTnLst>
+                          </p:cTn>
+                        </p:par>
+                        <p:par>
+                          <p:cTn id="36" fill="hold">
+                            <p:stCondLst>
+                              <p:cond delay="500"/>
+                            </p:stCondLst>
+                            <p:childTnLst>
                               <p:par>
-                                <p:cTn id="51" presetID="2" presetClass="exit" presetSubtype="4" fill="hold" grpId="1" nodeType="withEffect">
+                                <p:cTn id="37" presetID="3" presetClass="entr" presetSubtype="10" fill="hold" nodeType="afterEffect">
+                                  <p:stCondLst>
+                                    <p:cond delay="1000"/>
+                                  </p:stCondLst>
+                                  <p:childTnLst>
+                                    <p:set>
+                                      <p:cBhvr>
+                                        <p:cTn id="38" dur="1" fill="hold">
+                                          <p:stCondLst>
+                                            <p:cond delay="0"/>
+                                          </p:stCondLst>
+                                        </p:cTn>
+                                        <p:tgtEl>
+                                          <p:spTgt spid="12"/>
+                                        </p:tgtEl>
+                                        <p:attrNameLst>
+                                          <p:attrName>style.visibility</p:attrName>
+                                        </p:attrNameLst>
+                                      </p:cBhvr>
+                                      <p:to>
+                                        <p:strVal val="visible"/>
+                                      </p:to>
+                                    </p:set>
+                                    <p:animEffect transition="in" filter="blinds(horizontal)">
+                                      <p:cBhvr>
+                                        <p:cTn id="39" dur="500"/>
+                                        <p:tgtEl>
+                                          <p:spTgt spid="12"/>
+                                        </p:tgtEl>
+                                      </p:cBhvr>
+                                    </p:animEffect>
+                                  </p:childTnLst>
+                                </p:cTn>
+                              </p:par>
+                              <p:par>
+                                <p:cTn id="40" presetID="3" presetClass="entr" presetSubtype="10" fill="hold" nodeType="withEffect">
+                                  <p:stCondLst>
+                                    <p:cond delay="1000"/>
+                                  </p:stCondLst>
+                                  <p:childTnLst>
+                                    <p:set>
+                                      <p:cBhvr>
+                                        <p:cTn id="41" dur="1" fill="hold">
+                                          <p:stCondLst>
+                                            <p:cond delay="0"/>
+                                          </p:stCondLst>
+                                        </p:cTn>
+                                        <p:tgtEl>
+                                          <p:spTgt spid="13"/>
+                                        </p:tgtEl>
+                                        <p:attrNameLst>
+                                          <p:attrName>style.visibility</p:attrName>
+                                        </p:attrNameLst>
+                                      </p:cBhvr>
+                                      <p:to>
+                                        <p:strVal val="visible"/>
+                                      </p:to>
+                                    </p:set>
+                                    <p:animEffect transition="in" filter="blinds(horizontal)">
+                                      <p:cBhvr>
+                                        <p:cTn id="42" dur="500"/>
+                                        <p:tgtEl>
+                                          <p:spTgt spid="13"/>
+                                        </p:tgtEl>
+                                      </p:cBhvr>
+                                    </p:animEffect>
+                                  </p:childTnLst>
+                                </p:cTn>
+                              </p:par>
+                              <p:par>
+                                <p:cTn id="43" presetID="3" presetClass="entr" presetSubtype="10" fill="hold" nodeType="withEffect">
+                                  <p:stCondLst>
+                                    <p:cond delay="1000"/>
+                                  </p:stCondLst>
+                                  <p:childTnLst>
+                                    <p:set>
+                                      <p:cBhvr>
+                                        <p:cTn id="44" dur="1" fill="hold">
+                                          <p:stCondLst>
+                                            <p:cond delay="0"/>
+                                          </p:stCondLst>
+                                        </p:cTn>
+                                        <p:tgtEl>
+                                          <p:spTgt spid="15"/>
+                                        </p:tgtEl>
+                                        <p:attrNameLst>
+                                          <p:attrName>style.visibility</p:attrName>
+                                        </p:attrNameLst>
+                                      </p:cBhvr>
+                                      <p:to>
+                                        <p:strVal val="visible"/>
+                                      </p:to>
+                                    </p:set>
+                                    <p:animEffect transition="in" filter="blinds(horizontal)">
+                                      <p:cBhvr>
+                                        <p:cTn id="45" dur="500"/>
+                                        <p:tgtEl>
+                                          <p:spTgt spid="15"/>
+                                        </p:tgtEl>
+                                      </p:cBhvr>
+                                    </p:animEffect>
+                                  </p:childTnLst>
+                                </p:cTn>
+                              </p:par>
+                              <p:par>
+                                <p:cTn id="46" presetID="3" presetClass="entr" presetSubtype="10" fill="hold" nodeType="withEffect">
+                                  <p:stCondLst>
+                                    <p:cond delay="1000"/>
+                                  </p:stCondLst>
+                                  <p:childTnLst>
+                                    <p:set>
+                                      <p:cBhvr>
+                                        <p:cTn id="47" dur="1" fill="hold">
+                                          <p:stCondLst>
+                                            <p:cond delay="0"/>
+                                          </p:stCondLst>
+                                        </p:cTn>
+                                        <p:tgtEl>
+                                          <p:spTgt spid="14"/>
+                                        </p:tgtEl>
+                                        <p:attrNameLst>
+                                          <p:attrName>style.visibility</p:attrName>
+                                        </p:attrNameLst>
+                                      </p:cBhvr>
+                                      <p:to>
+                                        <p:strVal val="visible"/>
+                                      </p:to>
+                                    </p:set>
+                                    <p:animEffect transition="in" filter="blinds(horizontal)">
+                                      <p:cBhvr>
+                                        <p:cTn id="48" dur="500"/>
+                                        <p:tgtEl>
+                                          <p:spTgt spid="14"/>
+                                        </p:tgtEl>
+                                      </p:cBhvr>
+                                    </p:animEffect>
+                                  </p:childTnLst>
+                                </p:cTn>
+                              </p:par>
+                            </p:childTnLst>
+                          </p:cTn>
+                        </p:par>
+                        <p:par>
+                          <p:cTn id="49" fill="hold">
+                            <p:stCondLst>
+                              <p:cond delay="2000"/>
+                            </p:stCondLst>
+                            <p:childTnLst>
+                              <p:par>
+                                <p:cTn id="50" presetID="2" presetClass="entr" presetSubtype="4" fill="hold" grpId="0" nodeType="afterEffect">
+                                  <p:stCondLst>
+                                    <p:cond delay="1000"/>
+                                  </p:stCondLst>
+                                  <p:childTnLst>
+                                    <p:set>
+                                      <p:cBhvr>
+                                        <p:cTn id="51" dur="1" fill="hold">
+                                          <p:stCondLst>
+                                            <p:cond delay="0"/>
+                                          </p:stCondLst>
+                                        </p:cTn>
+                                        <p:tgtEl>
+                                          <p:spTgt spid="36"/>
+                                        </p:tgtEl>
+                                        <p:attrNameLst>
+                                          <p:attrName>style.visibility</p:attrName>
+                                        </p:attrNameLst>
+                                      </p:cBhvr>
+                                      <p:to>
+                                        <p:strVal val="visible"/>
+                                      </p:to>
+                                    </p:set>
+                                    <p:anim calcmode="lin" valueType="num">
+                                      <p:cBhvr additive="base">
+                                        <p:cTn id="52" dur="500" fill="hold"/>
+                                        <p:tgtEl>
+                                          <p:spTgt spid="36"/>
+                                        </p:tgtEl>
+                                        <p:attrNameLst>
+                                          <p:attrName>ppt_x</p:attrName>
+                                        </p:attrNameLst>
+                                      </p:cBhvr>
+                                      <p:tavLst>
+                                        <p:tav tm="0">
+                                          <p:val>
+                                            <p:strVal val="#ppt_x"/>
+                                          </p:val>
+                                        </p:tav>
+                                        <p:tav tm="100000">
+                                          <p:val>
+                                            <p:strVal val="#ppt_x"/>
+                                          </p:val>
+                                        </p:tav>
+                                      </p:tavLst>
+                                    </p:anim>
+                                    <p:anim calcmode="lin" valueType="num">
+                                      <p:cBhvr additive="base">
+                                        <p:cTn id="53" dur="500" fill="hold"/>
+                                        <p:tgtEl>
+                                          <p:spTgt spid="36"/>
+                                        </p:tgtEl>
+                                        <p:attrNameLst>
+                                          <p:attrName>ppt_y</p:attrName>
+                                        </p:attrNameLst>
+                                      </p:cBhvr>
+                                      <p:tavLst>
+                                        <p:tav tm="0">
+                                          <p:val>
+                                            <p:strVal val="1+#ppt_h/2"/>
+                                          </p:val>
+                                        </p:tav>
+                                        <p:tav tm="100000">
+                                          <p:val>
+                                            <p:strVal val="#ppt_y"/>
+                                          </p:val>
+                                        </p:tav>
+                                      </p:tavLst>
+                                    </p:anim>
+                                  </p:childTnLst>
+                                </p:cTn>
+                              </p:par>
+                              <p:par>
+                                <p:cTn id="54" presetID="2" presetClass="entr" presetSubtype="4" fill="hold" grpId="0" nodeType="withEffect">
+                                  <p:stCondLst>
+                                    <p:cond delay="1000"/>
+                                  </p:stCondLst>
+                                  <p:childTnLst>
+                                    <p:set>
+                                      <p:cBhvr>
+                                        <p:cTn id="55" dur="1" fill="hold">
+                                          <p:stCondLst>
+                                            <p:cond delay="0"/>
+                                          </p:stCondLst>
+                                        </p:cTn>
+                                        <p:tgtEl>
+                                          <p:spTgt spid="35"/>
+                                        </p:tgtEl>
+                                        <p:attrNameLst>
+                                          <p:attrName>style.visibility</p:attrName>
+                                        </p:attrNameLst>
+                                      </p:cBhvr>
+                                      <p:to>
+                                        <p:strVal val="visible"/>
+                                      </p:to>
+                                    </p:set>
+                                    <p:anim calcmode="lin" valueType="num">
+                                      <p:cBhvr additive="base">
+                                        <p:cTn id="56" dur="500" fill="hold"/>
+                                        <p:tgtEl>
+                                          <p:spTgt spid="35"/>
+                                        </p:tgtEl>
+                                        <p:attrNameLst>
+                                          <p:attrName>ppt_x</p:attrName>
+                                        </p:attrNameLst>
+                                      </p:cBhvr>
+                                      <p:tavLst>
+                                        <p:tav tm="0">
+                                          <p:val>
+                                            <p:strVal val="#ppt_x"/>
+                                          </p:val>
+                                        </p:tav>
+                                        <p:tav tm="100000">
+                                          <p:val>
+                                            <p:strVal val="#ppt_x"/>
+                                          </p:val>
+                                        </p:tav>
+                                      </p:tavLst>
+                                    </p:anim>
+                                    <p:anim calcmode="lin" valueType="num">
+                                      <p:cBhvr additive="base">
+                                        <p:cTn id="57" dur="500" fill="hold"/>
+                                        <p:tgtEl>
+                                          <p:spTgt spid="35"/>
+                                        </p:tgtEl>
+                                        <p:attrNameLst>
+                                          <p:attrName>ppt_y</p:attrName>
+                                        </p:attrNameLst>
+                                      </p:cBhvr>
+                                      <p:tavLst>
+                                        <p:tav tm="0">
+                                          <p:val>
+                                            <p:strVal val="1+#ppt_h/2"/>
+                                          </p:val>
+                                        </p:tav>
+                                        <p:tav tm="100000">
+                                          <p:val>
+                                            <p:strVal val="#ppt_y"/>
+                                          </p:val>
+                                        </p:tav>
+                                      </p:tavLst>
+                                    </p:anim>
+                                  </p:childTnLst>
+                                </p:cTn>
+                              </p:par>
+                              <p:par>
+                                <p:cTn id="58" presetID="5" presetClass="entr" presetSubtype="10" fill="hold" grpId="0" nodeType="withEffect">
+                                  <p:stCondLst>
+                                    <p:cond delay="1000"/>
+                                  </p:stCondLst>
+                                  <p:childTnLst>
+                                    <p:set>
+                                      <p:cBhvr>
+                                        <p:cTn id="59" dur="1" fill="hold">
+                                          <p:stCondLst>
+                                            <p:cond delay="0"/>
+                                          </p:stCondLst>
+                                        </p:cTn>
+                                        <p:tgtEl>
+                                          <p:spTgt spid="37"/>
+                                        </p:tgtEl>
+                                        <p:attrNameLst>
+                                          <p:attrName>style.visibility</p:attrName>
+                                        </p:attrNameLst>
+                                      </p:cBhvr>
+                                      <p:to>
+                                        <p:strVal val="visible"/>
+                                      </p:to>
+                                    </p:set>
+                                    <p:animEffect transition="in" filter="checkerboard(across)">
+                                      <p:cBhvr>
+                                        <p:cTn id="60" dur="500"/>
+                                        <p:tgtEl>
+                                          <p:spTgt spid="37"/>
+                                        </p:tgtEl>
+                                      </p:cBhvr>
+                                    </p:animEffect>
+                                  </p:childTnLst>
+                                </p:cTn>
+                              </p:par>
+                              <p:par>
+                                <p:cTn id="61" presetID="5" presetClass="entr" presetSubtype="10" fill="hold" grpId="0" nodeType="withEffect">
+                                  <p:stCondLst>
+                                    <p:cond delay="1000"/>
+                                  </p:stCondLst>
+                                  <p:childTnLst>
+                                    <p:set>
+                                      <p:cBhvr>
+                                        <p:cTn id="62" dur="1" fill="hold">
+                                          <p:stCondLst>
+                                            <p:cond delay="0"/>
+                                          </p:stCondLst>
+                                        </p:cTn>
+                                        <p:tgtEl>
+                                          <p:spTgt spid="38"/>
+                                        </p:tgtEl>
+                                        <p:attrNameLst>
+                                          <p:attrName>style.visibility</p:attrName>
+                                        </p:attrNameLst>
+                                      </p:cBhvr>
+                                      <p:to>
+                                        <p:strVal val="visible"/>
+                                      </p:to>
+                                    </p:set>
+                                    <p:animEffect transition="in" filter="checkerboard(across)">
+                                      <p:cBhvr>
+                                        <p:cTn id="63" dur="500"/>
+                                        <p:tgtEl>
+                                          <p:spTgt spid="38"/>
+                                        </p:tgtEl>
+                                      </p:cBhvr>
+                                    </p:animEffect>
+                                  </p:childTnLst>
+                                </p:cTn>
+                              </p:par>
+                            </p:childTnLst>
+                          </p:cTn>
+                        </p:par>
+                      </p:childTnLst>
+                    </p:cTn>
+                  </p:par>
+                  <p:par>
+                    <p:cTn id="64" fill="hold">
+                      <p:stCondLst>
+                        <p:cond delay="indefinite"/>
+                      </p:stCondLst>
+                      <p:childTnLst>
+                        <p:par>
+                          <p:cTn id="65" fill="hold">
+                            <p:stCondLst>
+                              <p:cond delay="0"/>
+                            </p:stCondLst>
+                            <p:childTnLst>
+                              <p:par>
+                                <p:cTn id="66" presetID="2" presetClass="exit" presetSubtype="4" fill="hold" grpId="1" nodeType="clickEffect">
                                   <p:stCondLst>
                                     <p:cond delay="0"/>
                                   </p:stCondLst>
                                   <p:childTnLst>
                                     <p:anim calcmode="lin" valueType="num">
                                       <p:cBhvr additive="base">
-                                        <p:cTn id="52" dur="500"/>
-                                        <p:tgtEl>
-                                          <p:spTgt spid="4"/>
+                                        <p:cTn id="67" dur="500"/>
+                                        <p:tgtEl>
+                                          <p:spTgt spid="3">
+                                            <p:txEl>
+                                              <p:pRg st="0" end="0"/>
+                                            </p:txEl>
+                                          </p:spTgt>
                                         </p:tgtEl>
                                         <p:attrNameLst>
                                           <p:attrName>ppt_x</p:attrName>
@@ -13917,9 +13486,13 @@
                                     </p:anim>
                                     <p:anim calcmode="lin" valueType="num">
                                       <p:cBhvr additive="base">
-                                        <p:cTn id="53" dur="500"/>
-                                        <p:tgtEl>
-                                          <p:spTgt spid="4"/>
+                                        <p:cTn id="68" dur="500"/>
+                                        <p:tgtEl>
+                                          <p:spTgt spid="3">
+                                            <p:txEl>
+                                              <p:pRg st="0" end="0"/>
+                                            </p:txEl>
+                                          </p:spTgt>
                                         </p:tgtEl>
                                         <p:attrNameLst>
                                           <p:attrName>ppt_y</p:attrName>
@@ -13940,13 +13513,17 @@
                                     </p:anim>
                                     <p:set>
                                       <p:cBhvr>
-                                        <p:cTn id="54" dur="1" fill="hold">
+                                        <p:cTn id="69" dur="1" fill="hold">
                                           <p:stCondLst>
                                             <p:cond delay="499"/>
                                           </p:stCondLst>
                                         </p:cTn>
                                         <p:tgtEl>
-                                          <p:spTgt spid="4"/>
+                                          <p:spTgt spid="3">
+                                            <p:txEl>
+                                              <p:pRg st="0" end="0"/>
+                                            </p:txEl>
+                                          </p:spTgt>
                                         </p:tgtEl>
                                         <p:attrNameLst>
                                           <p:attrName>style.visibility</p:attrName>
@@ -13960,16 +13537,16 @@
                                 </p:cTn>
                               </p:par>
                               <p:par>
-                                <p:cTn id="55" presetID="2" presetClass="exit" presetSubtype="4" fill="hold" grpId="1" nodeType="withEffect">
+                                <p:cTn id="70" presetID="2" presetClass="exit" presetSubtype="4" fill="hold" grpId="1" nodeType="withEffect">
                                   <p:stCondLst>
                                     <p:cond delay="0"/>
                                   </p:stCondLst>
                                   <p:childTnLst>
                                     <p:anim calcmode="lin" valueType="num">
                                       <p:cBhvr additive="base">
-                                        <p:cTn id="56" dur="500"/>
-                                        <p:tgtEl>
-                                          <p:spTgt spid="5"/>
+                                        <p:cTn id="71" dur="500"/>
+                                        <p:tgtEl>
+                                          <p:spTgt spid="4"/>
                                         </p:tgtEl>
                                         <p:attrNameLst>
                                           <p:attrName>ppt_x</p:attrName>
@@ -13990,9 +13567,9 @@
                                     </p:anim>
                                     <p:anim calcmode="lin" valueType="num">
                                       <p:cBhvr additive="base">
-                                        <p:cTn id="57" dur="500"/>
-                                        <p:tgtEl>
-                                          <p:spTgt spid="5"/>
+                                        <p:cTn id="72" dur="500"/>
+                                        <p:tgtEl>
+                                          <p:spTgt spid="4"/>
                                         </p:tgtEl>
                                         <p:attrNameLst>
                                           <p:attrName>ppt_y</p:attrName>
@@ -14013,13 +13590,13 @@
                                     </p:anim>
                                     <p:set>
                                       <p:cBhvr>
-                                        <p:cTn id="58" dur="1" fill="hold">
+                                        <p:cTn id="73" dur="1" fill="hold">
                                           <p:stCondLst>
                                             <p:cond delay="499"/>
                                           </p:stCondLst>
                                         </p:cTn>
                                         <p:tgtEl>
-                                          <p:spTgt spid="5"/>
+                                          <p:spTgt spid="4"/>
                                         </p:tgtEl>
                                         <p:attrNameLst>
                                           <p:attrName>style.visibility</p:attrName>
@@ -14033,21 +13610,16 @@
                                 </p:cTn>
                               </p:par>
                               <p:par>
-                                <p:cTn id="59" presetID="2" presetClass="exit" presetSubtype="4" fill="hold" grpId="1" nodeType="withEffect" nodePh="1">
+                                <p:cTn id="74" presetID="2" presetClass="exit" presetSubtype="4" fill="hold" grpId="1" nodeType="withEffect">
                                   <p:stCondLst>
                                     <p:cond delay="0"/>
                                   </p:stCondLst>
-                                  <p:endCondLst>
-                                    <p:cond evt="begin" delay="0">
-                                      <p:tn val="59"/>
-                                    </p:cond>
-                                  </p:endCondLst>
                                   <p:childTnLst>
                                     <p:anim calcmode="lin" valueType="num">
                                       <p:cBhvr additive="base">
-                                        <p:cTn id="60" dur="500"/>
-                                        <p:tgtEl>
-                                          <p:spTgt spid="6"/>
+                                        <p:cTn id="75" dur="500"/>
+                                        <p:tgtEl>
+                                          <p:spTgt spid="5"/>
                                         </p:tgtEl>
                                         <p:attrNameLst>
                                           <p:attrName>ppt_x</p:attrName>
@@ -14068,9 +13640,9 @@
                                     </p:anim>
                                     <p:anim calcmode="lin" valueType="num">
                                       <p:cBhvr additive="base">
-                                        <p:cTn id="61" dur="500"/>
-                                        <p:tgtEl>
-                                          <p:spTgt spid="6"/>
+                                        <p:cTn id="76" dur="500"/>
+                                        <p:tgtEl>
+                                          <p:spTgt spid="5"/>
                                         </p:tgtEl>
                                         <p:attrNameLst>
                                           <p:attrName>ppt_y</p:attrName>
@@ -14091,13 +13663,13 @@
                                     </p:anim>
                                     <p:set>
                                       <p:cBhvr>
-                                        <p:cTn id="62" dur="1" fill="hold">
+                                        <p:cTn id="77" dur="1" fill="hold">
                                           <p:stCondLst>
                                             <p:cond delay="499"/>
                                           </p:stCondLst>
                                         </p:cTn>
                                         <p:tgtEl>
-                                          <p:spTgt spid="6"/>
+                                          <p:spTgt spid="5"/>
                                         </p:tgtEl>
                                         <p:attrNameLst>
                                           <p:attrName>style.visibility</p:attrName>
@@ -14111,16 +13683,21 @@
                                 </p:cTn>
                               </p:par>
                               <p:par>
-                                <p:cTn id="63" presetID="2" presetClass="exit" presetSubtype="4" fill="hold" nodeType="withEffect">
+                                <p:cTn id="78" presetID="2" presetClass="exit" presetSubtype="4" fill="hold" grpId="1" nodeType="withEffect" nodePh="1">
                                   <p:stCondLst>
                                     <p:cond delay="0"/>
                                   </p:stCondLst>
+                                  <p:endCondLst>
+                                    <p:cond evt="begin" delay="0">
+                                      <p:tn val="78"/>
+                                    </p:cond>
+                                  </p:endCondLst>
                                   <p:childTnLst>
                                     <p:anim calcmode="lin" valueType="num">
                                       <p:cBhvr additive="base">
-                                        <p:cTn id="64" dur="500"/>
-                                        <p:tgtEl>
-                                          <p:spTgt spid="1027"/>
+                                        <p:cTn id="79" dur="500"/>
+                                        <p:tgtEl>
+                                          <p:spTgt spid="6"/>
                                         </p:tgtEl>
                                         <p:attrNameLst>
                                           <p:attrName>ppt_x</p:attrName>
@@ -14141,9 +13718,9 @@
                                     </p:anim>
                                     <p:anim calcmode="lin" valueType="num">
                                       <p:cBhvr additive="base">
-                                        <p:cTn id="65" dur="500"/>
-                                        <p:tgtEl>
-                                          <p:spTgt spid="1027"/>
+                                        <p:cTn id="80" dur="500"/>
+                                        <p:tgtEl>
+                                          <p:spTgt spid="6"/>
                                         </p:tgtEl>
                                         <p:attrNameLst>
                                           <p:attrName>ppt_y</p:attrName>
@@ -14164,13 +13741,13 @@
                                     </p:anim>
                                     <p:set>
                                       <p:cBhvr>
-                                        <p:cTn id="66" dur="1" fill="hold">
+                                        <p:cTn id="81" dur="1" fill="hold">
                                           <p:stCondLst>
                                             <p:cond delay="499"/>
                                           </p:stCondLst>
                                         </p:cTn>
                                         <p:tgtEl>
-                                          <p:spTgt spid="1027"/>
+                                          <p:spTgt spid="6"/>
                                         </p:tgtEl>
                                         <p:attrNameLst>
                                           <p:attrName>style.visibility</p:attrName>
@@ -14184,14 +13761,14 @@
                                 </p:cTn>
                               </p:par>
                               <p:par>
-                                <p:cTn id="67" presetID="2" presetClass="exit" presetSubtype="4" fill="hold" grpId="1" nodeType="withEffect">
+                                <p:cTn id="82" presetID="2" presetClass="exit" presetSubtype="4" fill="hold" grpId="1" nodeType="withEffect">
                                   <p:stCondLst>
                                     <p:cond delay="0"/>
                                   </p:stCondLst>
                                   <p:childTnLst>
                                     <p:anim calcmode="lin" valueType="num">
                                       <p:cBhvr additive="base">
-                                        <p:cTn id="68" dur="500"/>
+                                        <p:cTn id="83" dur="500"/>
                                         <p:tgtEl>
                                           <p:spTgt spid="9"/>
                                         </p:tgtEl>
@@ -14214,7 +13791,7 @@
                                     </p:anim>
                                     <p:anim calcmode="lin" valueType="num">
                                       <p:cBhvr additive="base">
-                                        <p:cTn id="69" dur="500"/>
+                                        <p:cTn id="84" dur="500"/>
                                         <p:tgtEl>
                                           <p:spTgt spid="9"/>
                                         </p:tgtEl>
@@ -14237,7 +13814,7 @@
                                     </p:anim>
                                     <p:set>
                                       <p:cBhvr>
-                                        <p:cTn id="70" dur="1" fill="hold">
+                                        <p:cTn id="85" dur="1" fill="hold">
                                           <p:stCondLst>
                                             <p:cond delay="499"/>
                                           </p:stCondLst>
@@ -14257,14 +13834,84 @@
                                 </p:cTn>
                               </p:par>
                               <p:par>
-                                <p:cTn id="71" presetID="2" presetClass="exit" presetSubtype="4" fill="hold" nodeType="withEffect">
+                                <p:cTn id="86" presetID="4" presetClass="exit" presetSubtype="16" fill="hold" grpId="1" nodeType="withEffect">
+                                  <p:stCondLst>
+                                    <p:cond delay="0"/>
+                                  </p:stCondLst>
+                                  <p:childTnLst>
+                                    <p:animEffect transition="out" filter="box(in)">
+                                      <p:cBhvr>
+                                        <p:cTn id="87" dur="500"/>
+                                        <p:tgtEl>
+                                          <p:spTgt spid="37"/>
+                                        </p:tgtEl>
+                                      </p:cBhvr>
+                                    </p:animEffect>
+                                    <p:set>
+                                      <p:cBhvr>
+                                        <p:cTn id="88" dur="1" fill="hold">
+                                          <p:stCondLst>
+                                            <p:cond delay="499"/>
+                                          </p:stCondLst>
+                                        </p:cTn>
+                                        <p:tgtEl>
+                                          <p:spTgt spid="37"/>
+                                        </p:tgtEl>
+                                        <p:attrNameLst>
+                                          <p:attrName>style.visibility</p:attrName>
+                                        </p:attrNameLst>
+                                      </p:cBhvr>
+                                      <p:to>
+                                        <p:strVal val="hidden"/>
+                                      </p:to>
+                                    </p:set>
+                                  </p:childTnLst>
+                                </p:cTn>
+                              </p:par>
+                              <p:par>
+                                <p:cTn id="89" presetID="4" presetClass="exit" presetSubtype="16" fill="hold" grpId="1" nodeType="withEffect">
+                                  <p:stCondLst>
+                                    <p:cond delay="0"/>
+                                  </p:stCondLst>
+                                  <p:childTnLst>
+                                    <p:animEffect transition="out" filter="box(in)">
+                                      <p:cBhvr>
+                                        <p:cTn id="90" dur="500"/>
+                                        <p:tgtEl>
+                                          <p:spTgt spid="38"/>
+                                        </p:tgtEl>
+                                      </p:cBhvr>
+                                    </p:animEffect>
+                                    <p:set>
+                                      <p:cBhvr>
+                                        <p:cTn id="91" dur="1" fill="hold">
+                                          <p:stCondLst>
+                                            <p:cond delay="499"/>
+                                          </p:stCondLst>
+                                        </p:cTn>
+                                        <p:tgtEl>
+                                          <p:spTgt spid="38"/>
+                                        </p:tgtEl>
+                                        <p:attrNameLst>
+                                          <p:attrName>style.visibility</p:attrName>
+                                        </p:attrNameLst>
+                                      </p:cBhvr>
+                                      <p:to>
+                                        <p:strVal val="hidden"/>
+                                      </p:to>
+                                    </p:set>
+                                  </p:childTnLst>
+                                </p:cTn>
+                              </p:par>
+                              <p:par>
+                                <p:cTn id="92" presetID="2" presetClass="exit" presetSubtype="4" fill="hold" nodeType="withEffect">
                                   <p:stCondLst>
                                     <p:cond delay="0"/>
                                   </p:stCondLst>
                                   <p:childTnLst>
                                     <p:anim calcmode="lin" valueType="num">
                                       <p:cBhvr additive="base">
-                                        <p:cTn id="72" dur="500"/>
+                                        <p:cTn id="93" dur="500"/>
                                         <p:tgtEl>
                                           <p:spTgt spid="1028"/>
                                         </p:tgtEl>
@@ -14287,7 +13934,7 @@
                                     </p:anim>
                                     <p:anim calcmode="lin" valueType="num">
                                       <p:cBhvr additive="base">
-                                        <p:cTn id="73" dur="500"/>
+                                        <p:cTn id="94" dur="500"/>
                                         <p:tgtEl>
                                           <p:spTgt spid="1028"/>
                                         </p:tgtEl>
@@ -14310,7 +13957,7 @@
                                     </p:anim>
                                     <p:set>
                                       <p:cBhvr>
-                                        <p:cTn id="74" dur="1" fill="hold">
+                                        <p:cTn id="95" dur="1" fill="hold">
                                           <p:stCondLst>
                                             <p:cond delay="499"/>
                                           </p:stCondLst>
@@ -14330,14 +13977,84 @@
                                 </p:cTn>
                               </p:par>
                               <p:par>
-                                <p:cTn id="75" presetID="2" presetClass="exit" presetSubtype="4" fill="hold" nodeType="withEffect">
+                                <p:cTn id="96" presetID="4" presetClass="exit" presetSubtype="16" fill="hold" grpId="1" nodeType="withEffect">
+                                  <p:stCondLst>
+                                    <p:cond delay="0"/>
+                                  </p:stCondLst>
+                                  <p:childTnLst>
+                                    <p:animEffect transition="out" filter="box(in)">
+                                      <p:cBhvr>
+                                        <p:cTn id="97" dur="500"/>
+                                        <p:tgtEl>
+                                          <p:spTgt spid="36"/>
+                                        </p:tgtEl>
+                                      </p:cBhvr>
+                                    </p:animEffect>
+                                    <p:set>
+                                      <p:cBhvr>
+                                        <p:cTn id="98" dur="1" fill="hold">
+                                          <p:stCondLst>
+                                            <p:cond delay="499"/>
+                                          </p:stCondLst>
+                                        </p:cTn>
+                                        <p:tgtEl>
+                                          <p:spTgt spid="36"/>
+                                        </p:tgtEl>
+                                        <p:attrNameLst>
+                                          <p:attrName>style.visibility</p:attrName>
+                                        </p:attrNameLst>
+                                      </p:cBhvr>
+                                      <p:to>
+                                        <p:strVal val="hidden"/>
+                                      </p:to>
+                                    </p:set>
+                                  </p:childTnLst>
+                                </p:cTn>
+                              </p:par>
+                              <p:par>
+                                <p:cTn id="99" presetID="4" presetClass="exit" presetSubtype="16" fill="hold" grpId="1" nodeType="withEffect">
+                                  <p:stCondLst>
+                                    <p:cond delay="0"/>
+                                  </p:stCondLst>
+                                  <p:childTnLst>
+                                    <p:animEffect transition="out" filter="box(in)">
+                                      <p:cBhvr>
+                                        <p:cTn id="100" dur="500"/>
+                                        <p:tgtEl>
+                                          <p:spTgt spid="35"/>
+                                        </p:tgtEl>
+                                      </p:cBhvr>
+                                    </p:animEffect>
+                                    <p:set>
+                                      <p:cBhvr>
+                                        <p:cTn id="101" dur="1" fill="hold">
+                                          <p:stCondLst>
+                                            <p:cond delay="499"/>
+                                          </p:stCondLst>
+                                        </p:cTn>
+                                        <p:tgtEl>
+                                          <p:spTgt spid="35"/>
+                                        </p:tgtEl>
+                                        <p:attrNameLst>
+                                          <p:attrName>style.visibility</p:attrName>
+                                        </p:attrNameLst>
+                                      </p:cBhvr>
+                                      <p:to>
+                                        <p:strVal val="hidden"/>
+                                      </p:to>
+                                    </p:set>
+                                  </p:childTnLst>
+                                </p:cTn>
+                              </p:par>
+                              <p:par>
+                                <p:cTn id="102" presetID="2" presetClass="exit" presetSubtype="4" fill="hold" nodeType="withEffect">
                                   <p:stCondLst>
                                     <p:cond delay="0"/>
                                   </p:stCondLst>
                                   <p:childTnLst>
                                     <p:anim calcmode="lin" valueType="num">
                                       <p:cBhvr additive="base">
-                                        <p:cTn id="76" dur="500"/>
+                                        <p:cTn id="103" dur="500"/>
                                         <p:tgtEl>
                                           <p:spTgt spid="12"/>
                                         </p:tgtEl>
@@ -14360,7 +14077,7 @@
                                     </p:anim>
                                     <p:anim calcmode="lin" valueType="num">
                                       <p:cBhvr additive="base">
-                                        <p:cTn id="77" dur="500"/>
+                                        <p:cTn id="104" dur="500"/>
                                         <p:tgtEl>
                                           <p:spTgt spid="12"/>
                                         </p:tgtEl>
@@ -14383,7 +14100,7 @@
                                     </p:anim>
                                     <p:set>
                                       <p:cBhvr>
-                                        <p:cTn id="78" dur="1" fill="hold">
+                                        <p:cTn id="105" dur="1" fill="hold">
                                           <p:stCondLst>
                                             <p:cond delay="499"/>
                                           </p:stCondLst>
@@ -14403,14 +14120,14 @@
                                 </p:cTn>
                               </p:par>
                               <p:par>
-                                <p:cTn id="79" presetID="2" presetClass="exit" presetSubtype="4" fill="hold" nodeType="withEffect">
+                                <p:cTn id="106" presetID="2" presetClass="exit" presetSubtype="4" fill="hold" nodeType="withEffect">
                                   <p:stCondLst>
                                     <p:cond delay="0"/>
                                   </p:stCondLst>
                                   <p:childTnLst>
                                     <p:anim calcmode="lin" valueType="num">
                                       <p:cBhvr additive="base">
-                                        <p:cTn id="80" dur="500"/>
+                                        <p:cTn id="107" dur="500"/>
                                         <p:tgtEl>
                                           <p:spTgt spid="13"/>
                                         </p:tgtEl>
@@ -14433,7 +14150,7 @@
                                     </p:anim>
                                     <p:anim calcmode="lin" valueType="num">
                                       <p:cBhvr additive="base">
-                                        <p:cTn id="81" dur="500"/>
+                                        <p:cTn id="108" dur="500"/>
                                         <p:tgtEl>
                                           <p:spTgt spid="13"/>
                                         </p:tgtEl>
@@ -14456,7 +14173,7 @@
                                     </p:anim>
                                     <p:set>
                                       <p:cBhvr>
-                                        <p:cTn id="82" dur="1" fill="hold">
+                                        <p:cTn id="109" dur="1" fill="hold">
                                           <p:stCondLst>
                                             <p:cond delay="499"/>
                                           </p:stCondLst>
@@ -14476,14 +14193,14 @@
                                 </p:cTn>
                               </p:par>
                               <p:par>
-                                <p:cTn id="83" presetID="2" presetClass="exit" presetSubtype="4" fill="hold" nodeType="withEffect">
+                                <p:cTn id="110" presetID="2" presetClass="exit" presetSubtype="4" fill="hold" nodeType="withEffect">
                                   <p:stCondLst>
                                     <p:cond delay="0"/>
                                   </p:stCondLst>
                                   <p:childTnLst>
                                     <p:anim calcmode="lin" valueType="num">
                                       <p:cBhvr additive="base">
-                                        <p:cTn id="84" dur="500"/>
+                                        <p:cTn id="111" dur="500"/>
                                         <p:tgtEl>
                                           <p:spTgt spid="14"/>
                                         </p:tgtEl>
@@ -14506,7 +14223,7 @@
                                     </p:anim>
                                     <p:anim calcmode="lin" valueType="num">
                                       <p:cBhvr additive="base">
-                                        <p:cTn id="85" dur="500"/>
+                                        <p:cTn id="112" dur="500"/>
                                         <p:tgtEl>
                                           <p:spTgt spid="14"/>
                                         </p:tgtEl>
@@ -14529,7 +14246,7 @@
                                     </p:anim>
                                     <p:set>
                                       <p:cBhvr>
-                                        <p:cTn id="86" dur="1" fill="hold">
+                                        <p:cTn id="113" dur="1" fill="hold">
                                           <p:stCondLst>
                                             <p:cond delay="499"/>
                                           </p:stCondLst>
@@ -14549,14 +14266,14 @@
                                 </p:cTn>
                               </p:par>
                               <p:par>
-                                <p:cTn id="87" presetID="2" presetClass="exit" presetSubtype="4" fill="hold" nodeType="withEffect">
+                                <p:cTn id="114" presetID="2" presetClass="exit" presetSubtype="4" fill="hold" nodeType="withEffect">
                                   <p:stCondLst>
                                     <p:cond delay="0"/>
                                   </p:stCondLst>
                                   <p:childTnLst>
                                     <p:anim calcmode="lin" valueType="num">
                                       <p:cBhvr additive="base">
-                                        <p:cTn id="88" dur="500"/>
+                                        <p:cTn id="115" dur="500"/>
                                         <p:tgtEl>
                                           <p:spTgt spid="15"/>
                                         </p:tgtEl>
@@ -14579,7 +14296,7 @@
                                     </p:anim>
                                     <p:anim calcmode="lin" valueType="num">
                                       <p:cBhvr additive="base">
-                                        <p:cTn id="89" dur="500"/>
+                                        <p:cTn id="116" dur="500"/>
                                         <p:tgtEl>
                                           <p:spTgt spid="15"/>
                                         </p:tgtEl>
@@ -14602,7 +14319,7 @@
                                     </p:anim>
                                     <p:set>
                                       <p:cBhvr>
-                                        <p:cTn id="90" dur="1" fill="hold">
+                                        <p:cTn id="117" dur="1" fill="hold">
                                           <p:stCondLst>
                                             <p:cond delay="499"/>
                                           </p:stCondLst>
@@ -14622,14 +14339,14 @@
                                 </p:cTn>
                               </p:par>
                               <p:par>
-                                <p:cTn id="91" presetID="4" presetClass="entr" presetSubtype="16" fill="hold" nodeType="withEffect">
+                                <p:cTn id="118" presetID="4" presetClass="entr" presetSubtype="16" fill="hold" nodeType="withEffect">
                                   <p:stCondLst>
                                     <p:cond delay="0"/>
                                   </p:stCondLst>
                                   <p:childTnLst>
                                     <p:set>
                                       <p:cBhvr>
-                                        <p:cTn id="92" dur="1" fill="hold">
+                                        <p:cTn id="119" dur="1" fill="hold">
                                           <p:stCondLst>
                                             <p:cond delay="0"/>
                                           </p:stCondLst>
@@ -14647,7 +14364,7 @@
                                     </p:set>
                                     <p:animEffect transition="in" filter="box(in)">
                                       <p:cBhvr>
-                                        <p:cTn id="93" dur="500"/>
+                                        <p:cTn id="120" dur="500"/>
                                         <p:tgtEl>
                                           <p:spTgt spid="1029"/>
                                         </p:tgtEl>
@@ -14657,14 +14374,14 @@
                                 </p:cTn>
                               </p:par>
                               <p:par>
-                                <p:cTn id="94" presetID="4" presetClass="entr" presetSubtype="16" fill="hold" grpId="0" nodeType="withEffect">
+                                <p:cTn id="121" presetID="4" presetClass="entr" presetSubtype="16" fill="hold" grpId="0" nodeType="withEffect">
                                   <p:stCondLst>
                                     <p:cond delay="0"/>
                                   </p:stCondLst>
                                   <p:childTnLst>
                                     <p:set>
                                       <p:cBhvr>
-                                        <p:cTn id="95" dur="1" fill="hold">
+                                        <p:cTn id="122" dur="1" fill="hold">
                                           <p:stCondLst>
                                             <p:cond delay="0"/>
                                           </p:stCondLst>
@@ -14682,7 +14399,7 @@
                                     </p:set>
                                     <p:animEffect transition="in" filter="box(in)">
                                       <p:cBhvr>
-                                        <p:cTn id="96" dur="500"/>
+                                        <p:cTn id="123" dur="500"/>
                                         <p:tgtEl>
                                           <p:spTgt spid="17"/>
                                         </p:tgtEl>
@@ -14692,14 +14409,14 @@
                                 </p:cTn>
                               </p:par>
                               <p:par>
-                                <p:cTn id="97" presetID="4" presetClass="entr" presetSubtype="16" fill="hold" grpId="0" nodeType="withEffect">
+                                <p:cTn id="124" presetID="4" presetClass="entr" presetSubtype="16" fill="hold" grpId="0" nodeType="withEffect">
                                   <p:stCondLst>
                                     <p:cond delay="0"/>
                                   </p:stCondLst>
                                   <p:childTnLst>
                                     <p:set>
                                       <p:cBhvr>
-                                        <p:cTn id="98" dur="1" fill="hold">
+                                        <p:cTn id="125" dur="1" fill="hold">
                                           <p:stCondLst>
                                             <p:cond delay="0"/>
                                           </p:stCondLst>
@@ -14717,299 +14434,12 @@
                                     </p:set>
                                     <p:animEffect transition="in" filter="box(in)">
                                       <p:cBhvr>
-                                        <p:cTn id="99" dur="500"/>
+                                        <p:cTn id="126" dur="500"/>
                                         <p:tgtEl>
                                           <p:spTgt spid="18"/>
                                         </p:tgtEl>
                                       </p:cBhvr>
                                     </p:animEffect>
-                                  </p:childTnLst>
-                                </p:cTn>
-                              </p:par>
-                            </p:childTnLst>
-                          </p:cTn>
-                        </p:par>
-                      </p:childTnLst>
-                    </p:cTn>
-                  </p:par>
-                  <p:par>
-                    <p:cTn id="100" fill="hold">
-                      <p:stCondLst>
-                        <p:cond delay="indefinite"/>
-                      </p:stCondLst>
-                      <p:childTnLst>
-                        <p:par>
-                          <p:cTn id="101" fill="hold">
-                            <p:stCondLst>
-                              <p:cond delay="0"/>
-                            </p:stCondLst>
-                            <p:childTnLst>
-                              <p:par>
-                                <p:cTn id="102" presetID="4" presetClass="entr" presetSubtype="16" fill="hold" grpId="0" nodeType="clickEffect">
-                                  <p:stCondLst>
-                                    <p:cond delay="0"/>
-                                  </p:stCondLst>
-                                  <p:childTnLst>
-                                    <p:set>
-                                      <p:cBhvr>
-                                        <p:cTn id="103" dur="1" fill="hold">
-                                          <p:stCondLst>
-                                            <p:cond delay="0"/>
-                                          </p:stCondLst>
-                                        </p:cTn>
-                                        <p:tgtEl>
-                                          <p:spTgt spid="20"/>
-                                        </p:tgtEl>
-                                        <p:attrNameLst>
-                                          <p:attrName>style.visibility</p:attrName>
-                                        </p:attrNameLst>
-                                      </p:cBhvr>
-                                      <p:to>
-                                        <p:strVal val="visible"/>
-                                      </p:to>
-                                    </p:set>
-                                    <p:animEffect transition="in" filter="box(in)">
-                                      <p:cBhvr>
-                                        <p:cTn id="104" dur="500"/>
-                                        <p:tgtEl>
-                                          <p:spTgt spid="20"/>
-                                        </p:tgtEl>
-                                      </p:cBhvr>
-                                    </p:animEffect>
-                                  </p:childTnLst>
-                                </p:cTn>
-                              </p:par>
-                              <p:par>
-                                <p:cTn id="105" presetID="4" presetClass="entr" presetSubtype="16" fill="hold" grpId="1" nodeType="withEffect">
-                                  <p:stCondLst>
-                                    <p:cond delay="0"/>
-                                  </p:stCondLst>
-                                  <p:childTnLst>
-                                    <p:set>
-                                      <p:cBhvr>
-                                        <p:cTn id="106" dur="1" fill="hold">
-                                          <p:stCondLst>
-                                            <p:cond delay="0"/>
-                                          </p:stCondLst>
-                                        </p:cTn>
-                                        <p:tgtEl>
-                                          <p:spTgt spid="23"/>
-                                        </p:tgtEl>
-                                        <p:attrNameLst>
-                                          <p:attrName>style.visibility</p:attrName>
-                                        </p:attrNameLst>
-                                      </p:cBhvr>
-                                      <p:to>
-                                        <p:strVal val="visible"/>
-                                      </p:to>
-                                    </p:set>
-                                    <p:animEffect transition="in" filter="box(in)">
-                                      <p:cBhvr>
-                                        <p:cTn id="107" dur="500"/>
-                                        <p:tgtEl>
-                                          <p:spTgt spid="23"/>
-                                        </p:tgtEl>
-                                      </p:cBhvr>
-                                    </p:animEffect>
-                                  </p:childTnLst>
-                                </p:cTn>
-                              </p:par>
-                            </p:childTnLst>
-                          </p:cTn>
-                        </p:par>
-                        <p:par>
-                          <p:cTn id="108" fill="hold">
-                            <p:stCondLst>
-                              <p:cond delay="500"/>
-                            </p:stCondLst>
-                            <p:childTnLst>
-                              <p:par>
-                                <p:cTn id="109" presetID="0" presetClass="path" presetSubtype="0" accel="50000" decel="50000" fill="hold" grpId="2" nodeType="afterEffect">
-                                  <p:stCondLst>
-                                    <p:cond delay="1000"/>
-                                  </p:stCondLst>
-                                  <p:childTnLst>
-                                    <p:animMotion origin="layout" path="M 2.77778E-7 7.17095E-6 C 0.01927 0.00324 0.0283 -0.00046 0.04948 -0.00254 C 0.0665 -0.0067 0.08351 -0.00231 0.10087 -0.00138 C 0.10972 0.00047 0.11841 0.00209 0.12709 0.00394 C 0.13108 0.01828 0.12778 0.03355 0.12518 0.04789 C 0.12587 0.05922 0.12691 0.0701 0.12813 0.08143 C 0.12813 0.08212 0.12952 0.09716 0.13004 0.09832 C 0.13056 0.09947 0.13195 0.09901 0.13299 0.09947 C 0.14393 0.10433 0.13472 0.10202 0.15243 0.10341 C 0.16875 0.10641 0.18542 0.10595 0.20191 0.10734 C 0.23247 0.10364 0.26268 0.10664 0.29306 0.10988 C 0.33472 0.10572 0.37552 0.10225 0.41736 0.10225 " pathEditMode="relative" ptsTypes="fffffffffffA">
-                                      <p:cBhvr>
-                                        <p:cTn id="110" dur="2000" fill="hold"/>
-                                        <p:tgtEl>
-                                          <p:spTgt spid="20"/>
-                                        </p:tgtEl>
-                                        <p:attrNameLst>
-                                          <p:attrName>ppt_x</p:attrName>
-                                          <p:attrName>ppt_y</p:attrName>
-                                        </p:attrNameLst>
-                                      </p:cBhvr>
-                                    </p:animMotion>
-                                  </p:childTnLst>
-                                </p:cTn>
-                              </p:par>
-                              <p:par>
-                                <p:cTn id="111" presetID="0" presetClass="path" presetSubtype="0" accel="50000" decel="50000" fill="hold" grpId="2" nodeType="withEffect">
-                                  <p:stCondLst>
-                                    <p:cond delay="1000"/>
-                                  </p:stCondLst>
-                                  <p:childTnLst>
-                                    <p:animMotion origin="layout" path="M 0 0 C 0.00139 0.01065 0.00174 0.02152 0.00295 0.03239 C 0.0033 0.03933 0.00365 0.04627 0.00399 0.05321 C 0.00417 0.05737 0.00452 0.06177 0.00486 0.06593 C 0.00799 0.09647 0.01563 0.08791 0.0408 0.08929 C 0.0467 0.08953 0.05243 0.09022 0.05833 0.09068 C 0.07222 0.08976 0.08611 0.08837 0.1 0.08814 C 0.12083 0.08768 0.11684 0.08189 0.1224 0.09323 C 0.1217 0.09762 0.12066 0.10179 0.12049 0.10618 C 0.11927 0.13093 0.14219 0.12099 0.15538 0.12168 C 0.18125 0.12584 0.1658 0.12399 0.20191 0.12561 C 0.21198 0.127 0.20781 0.12677 0.21458 0.12677 " pathEditMode="relative" ptsTypes="fffffffffffA">
-                                      <p:cBhvr>
-                                        <p:cTn id="112" dur="2000" fill="hold"/>
-                                        <p:tgtEl>
-                                          <p:spTgt spid="23"/>
-                                        </p:tgtEl>
-                                        <p:attrNameLst>
-                                          <p:attrName>ppt_x</p:attrName>
-                                          <p:attrName>ppt_y</p:attrName>
-                                        </p:attrNameLst>
-                                      </p:cBhvr>
-                                    </p:animMotion>
-                                  </p:childTnLst>
-                                </p:cTn>
-                              </p:par>
-                            </p:childTnLst>
-                          </p:cTn>
-                        </p:par>
-                        <p:par>
-                          <p:cTn id="113" fill="hold">
-                            <p:stCondLst>
-                              <p:cond delay="3500"/>
-                            </p:stCondLst>
-                            <p:childTnLst>
-                              <p:par>
-                                <p:cTn id="114" presetID="4" presetClass="entr" presetSubtype="16" fill="hold" grpId="0" nodeType="afterEffect">
-                                  <p:stCondLst>
-                                    <p:cond delay="2000"/>
-                                  </p:stCondLst>
-                                  <p:childTnLst>
-                                    <p:set>
-                                      <p:cBhvr>
-                                        <p:cTn id="115" dur="1" fill="hold">
-                                          <p:stCondLst>
-                                            <p:cond delay="0"/>
-                                          </p:stCondLst>
-                                        </p:cTn>
-                                        <p:tgtEl>
-                                          <p:spTgt spid="25"/>
-                                        </p:tgtEl>
-                                        <p:attrNameLst>
-                                          <p:attrName>style.visibility</p:attrName>
-                                        </p:attrNameLst>
-                                      </p:cBhvr>
-                                      <p:to>
-                                        <p:strVal val="visible"/>
-                                      </p:to>
-                                    </p:set>
-                                    <p:animEffect transition="in" filter="box(in)">
-                                      <p:cBhvr>
-                                        <p:cTn id="116" dur="500"/>
-                                        <p:tgtEl>
-                                          <p:spTgt spid="25"/>
-                                        </p:tgtEl>
-                                      </p:cBhvr>
-                                    </p:animEffect>
-                                  </p:childTnLst>
-                                </p:cTn>
-                              </p:par>
-                            </p:childTnLst>
-                          </p:cTn>
-                        </p:par>
-                        <p:par>
-                          <p:cTn id="117" fill="hold">
-                            <p:stCondLst>
-                              <p:cond delay="6000"/>
-                            </p:stCondLst>
-                            <p:childTnLst>
-                              <p:par>
-                                <p:cTn id="118" presetID="4" presetClass="entr" presetSubtype="16" fill="hold" grpId="0" nodeType="afterEffect">
-                                  <p:stCondLst>
-                                    <p:cond delay="0"/>
-                                  </p:stCondLst>
-                                  <p:childTnLst>
-                                    <p:set>
-                                      <p:cBhvr>
-                                        <p:cTn id="119" dur="1" fill="hold">
-                                          <p:stCondLst>
-                                            <p:cond delay="0"/>
-                                          </p:stCondLst>
-                                        </p:cTn>
-                                        <p:tgtEl>
-                                          <p:spTgt spid="26"/>
-                                        </p:tgtEl>
-                                        <p:attrNameLst>
-                                          <p:attrName>style.visibility</p:attrName>
-                                        </p:attrNameLst>
-                                      </p:cBhvr>
-                                      <p:to>
-                                        <p:strVal val="visible"/>
-                                      </p:to>
-                                    </p:set>
-                                    <p:animEffect transition="in" filter="box(in)">
-                                      <p:cBhvr>
-                                        <p:cTn id="120" dur="500"/>
-                                        <p:tgtEl>
-                                          <p:spTgt spid="26"/>
-                                        </p:tgtEl>
-                                      </p:cBhvr>
-                                    </p:animEffect>
-                                  </p:childTnLst>
-                                </p:cTn>
-                              </p:par>
-                            </p:childTnLst>
-                          </p:cTn>
-                        </p:par>
-                        <p:par>
-                          <p:cTn id="121" fill="hold">
-                            <p:stCondLst>
-                              <p:cond delay="6500"/>
-                            </p:stCondLst>
-                            <p:childTnLst>
-                              <p:par>
-                                <p:cTn id="122" presetID="0" presetClass="path" presetSubtype="0" accel="50000" decel="50000" fill="hold" grpId="1" nodeType="afterEffect">
-                                  <p:stCondLst>
-                                    <p:cond delay="0"/>
-                                  </p:stCondLst>
-                                  <p:childTnLst>
-                                    <p:animMotion origin="layout" path="M 0 0 C 0.01666 0.0111 0.00069 0.00139 0.04652 0.0037 C 0.05208 0.00393 0.05746 0.0074 0.06302 0.00763 C 0.07534 0.00833 0.08767 0.00856 0.1 0.00902 C 0.11979 0.01064 0.13836 0.01133 0.15816 0.00902 C 0.16076 -0.0007 0.16111 -0.01064 0.16111 -0.02082 " pathEditMode="relative" ptsTypes="fffffA">
-                                      <p:cBhvr>
-                                        <p:cTn id="123" dur="2000" fill="hold"/>
-                                        <p:tgtEl>
-                                          <p:spTgt spid="25"/>
-                                        </p:tgtEl>
-                                        <p:attrNameLst>
-                                          <p:attrName>ppt_x</p:attrName>
-                                          <p:attrName>ppt_y</p:attrName>
-                                        </p:attrNameLst>
-                                      </p:cBhvr>
-                                    </p:animMotion>
-                                  </p:childTnLst>
-                                </p:cTn>
-                              </p:par>
-                            </p:childTnLst>
-                          </p:cTn>
-                        </p:par>
-                        <p:par>
-                          <p:cTn id="124" fill="hold">
-                            <p:stCondLst>
-                              <p:cond delay="8500"/>
-                            </p:stCondLst>
-                            <p:childTnLst>
-                              <p:par>
-                                <p:cTn id="125" presetID="0" presetClass="path" presetSubtype="0" accel="50000" decel="50000" fill="hold" grpId="1" nodeType="afterEffect">
-                                  <p:stCondLst>
-                                    <p:cond delay="0"/>
-                                  </p:stCondLst>
-                                  <p:childTnLst>
-                                    <p:animMotion origin="layout" path="M 0 0 C 0.01562 -0.00508 0.01475 -0.00532 0.03489 -0.00393 C 0.04288 0.00301 0.03593 -0.00462 0.03593 0.02059 C 0.03593 0.02799 0.03784 0.04257 0.03784 0.04257 C 0.03871 0.07495 0.04097 0.10711 0.0427 0.13949 C 0.04132 0.14759 0.03888 0.15892 0.03888 0.16679 C 0.03888 0.17211 0.03732 0.17974 0.04079 0.18229 C 0.04704 0.18691 0.05503 0.18321 0.06215 0.18367 C 0.08802 0.18761 0.11475 0.18645 0.14079 0.18737 C 0.14531 0.18645 0.15 0.18668 0.15434 0.18483 C 0.15538 0.18437 0.15538 0.18229 0.15538 0.1809 C 0.1552 0.17488 0.15382 0.16887 0.15347 0.16285 C 0.15312 0.15823 0.15347 0.15337 0.15347 0.14874 " pathEditMode="relative" ptsTypes="ffffffffffffA">
-                                      <p:cBhvr>
-                                        <p:cTn id="126" dur="2000" fill="hold"/>
-                                        <p:tgtEl>
-                                          <p:spTgt spid="26"/>
-                                        </p:tgtEl>
-                                        <p:attrNameLst>
-                                          <p:attrName>ppt_x</p:attrName>
-                                          <p:attrName>ppt_y</p:attrName>
-                                        </p:attrNameLst>
-                                      </p:cBhvr>
-                                    </p:animMotion>
                                   </p:childTnLst>
                                 </p:cTn>
                               </p:par>
@@ -15045,7 +14475,7 @@
                                           </p:stCondLst>
                                         </p:cTn>
                                         <p:tgtEl>
-                                          <p:spTgt spid="19"/>
+                                          <p:spTgt spid="20"/>
                                         </p:tgtEl>
                                         <p:attrNameLst>
                                           <p:attrName>style.visibility</p:attrName>
@@ -15059,7 +14489,7 @@
                                       <p:cBhvr>
                                         <p:cTn id="131" dur="500"/>
                                         <p:tgtEl>
-                                          <p:spTgt spid="19"/>
+                                          <p:spTgt spid="20"/>
                                         </p:tgtEl>
                                       </p:cBhvr>
                                     </p:animEffect>
@@ -15067,7 +14497,7 @@
                                 </p:cTn>
                               </p:par>
                               <p:par>
-                                <p:cTn id="132" presetID="4" presetClass="entr" presetSubtype="16" fill="hold" grpId="0" nodeType="withEffect">
+                                <p:cTn id="132" presetID="4" presetClass="entr" presetSubtype="16" fill="hold" grpId="1" nodeType="withEffect">
                                   <p:stCondLst>
                                     <p:cond delay="0"/>
                                   </p:stCondLst>
@@ -15080,7 +14510,7 @@
                                           </p:stCondLst>
                                         </p:cTn>
                                         <p:tgtEl>
-                                          <p:spTgt spid="21"/>
+                                          <p:spTgt spid="23"/>
                                         </p:tgtEl>
                                         <p:attrNameLst>
                                           <p:attrName>style.visibility</p:attrName>
@@ -15094,7 +14524,7 @@
                                       <p:cBhvr>
                                         <p:cTn id="134" dur="500"/>
                                         <p:tgtEl>
-                                          <p:spTgt spid="21"/>
+                                          <p:spTgt spid="23"/>
                                         </p:tgtEl>
                                       </p:cBhvr>
                                     </p:animEffect>
@@ -15111,14 +14541,301 @@
                             </p:stCondLst>
                             <p:childTnLst>
                               <p:par>
-                                <p:cTn id="136" presetID="0" presetClass="path" presetSubtype="0" accel="50000" decel="50000" fill="hold" grpId="1" nodeType="afterEffect">
+                                <p:cTn id="136" presetID="0" presetClass="path" presetSubtype="0" accel="50000" decel="50000" fill="hold" grpId="2" nodeType="afterEffect">
+                                  <p:stCondLst>
+                                    <p:cond delay="1000"/>
+                                  </p:stCondLst>
+                                  <p:childTnLst>
+                                    <p:animMotion origin="layout" path="M 2.77778E-7 7.17095E-6 C 0.01927 0.00324 0.0283 -0.00046 0.04948 -0.00254 C 0.0665 -0.0067 0.08351 -0.00231 0.10087 -0.00138 C 0.10972 0.00047 0.11841 0.00209 0.12709 0.00394 C 0.13108 0.01828 0.12778 0.03355 0.12518 0.04789 C 0.12587 0.05922 0.12691 0.0701 0.12813 0.08143 C 0.12813 0.08212 0.12952 0.09716 0.13004 0.09832 C 0.13056 0.09947 0.13195 0.09901 0.13299 0.09947 C 0.14393 0.10433 0.13472 0.10202 0.15243 0.10341 C 0.16875 0.10641 0.18542 0.10595 0.20191 0.10734 C 0.23247 0.10364 0.26268 0.10664 0.29306 0.10988 C 0.33472 0.10572 0.37552 0.10225 0.41736 0.10225 " pathEditMode="relative" ptsTypes="fffffffffffA">
+                                      <p:cBhvr>
+                                        <p:cTn id="137" dur="2000" fill="hold"/>
+                                        <p:tgtEl>
+                                          <p:spTgt spid="20"/>
+                                        </p:tgtEl>
+                                        <p:attrNameLst>
+                                          <p:attrName>ppt_x</p:attrName>
+                                          <p:attrName>ppt_y</p:attrName>
+                                        </p:attrNameLst>
+                                      </p:cBhvr>
+                                    </p:animMotion>
+                                  </p:childTnLst>
+                                </p:cTn>
+                              </p:par>
+                              <p:par>
+                                <p:cTn id="138" presetID="0" presetClass="path" presetSubtype="0" accel="50000" decel="50000" fill="hold" grpId="2" nodeType="withEffect">
+                                  <p:stCondLst>
+                                    <p:cond delay="1000"/>
+                                  </p:stCondLst>
+                                  <p:childTnLst>
+                                    <p:animMotion origin="layout" path="M 0 0 C 0.00139 0.01065 0.00174 0.02152 0.00295 0.03239 C 0.0033 0.03933 0.00365 0.04627 0.00399 0.05321 C 0.00417 0.05737 0.00452 0.06177 0.00486 0.06593 C 0.00799 0.09647 0.01563 0.08791 0.0408 0.08929 C 0.0467 0.08953 0.05243 0.09022 0.05833 0.09068 C 0.07222 0.08976 0.08611 0.08837 0.1 0.08814 C 0.12083 0.08768 0.11684 0.08189 0.1224 0.09323 C 0.1217 0.09762 0.12066 0.10179 0.12049 0.10618 C 0.11927 0.13093 0.14219 0.12099 0.15538 0.12168 C 0.18125 0.12584 0.1658 0.12399 0.20191 0.12561 C 0.21198 0.127 0.20781 0.12677 0.21458 0.12677 " pathEditMode="relative" ptsTypes="fffffffffffA">
+                                      <p:cBhvr>
+                                        <p:cTn id="139" dur="2000" fill="hold"/>
+                                        <p:tgtEl>
+                                          <p:spTgt spid="23"/>
+                                        </p:tgtEl>
+                                        <p:attrNameLst>
+                                          <p:attrName>ppt_x</p:attrName>
+                                          <p:attrName>ppt_y</p:attrName>
+                                        </p:attrNameLst>
+                                      </p:cBhvr>
+                                    </p:animMotion>
+                                  </p:childTnLst>
+                                </p:cTn>
+                              </p:par>
+                            </p:childTnLst>
+                          </p:cTn>
+                        </p:par>
+                        <p:par>
+                          <p:cTn id="140" fill="hold">
+                            <p:stCondLst>
+                              <p:cond delay="3500"/>
+                            </p:stCondLst>
+                            <p:childTnLst>
+                              <p:par>
+                                <p:cTn id="141" presetID="4" presetClass="entr" presetSubtype="16" fill="hold" grpId="0" nodeType="afterEffect">
+                                  <p:stCondLst>
+                                    <p:cond delay="2000"/>
+                                  </p:stCondLst>
+                                  <p:childTnLst>
+                                    <p:set>
+                                      <p:cBhvr>
+                                        <p:cTn id="142" dur="1" fill="hold">
+                                          <p:stCondLst>
+                                            <p:cond delay="0"/>
+                                          </p:stCondLst>
+                                        </p:cTn>
+                                        <p:tgtEl>
+                                          <p:spTgt spid="25"/>
+                                        </p:tgtEl>
+                                        <p:attrNameLst>
+                                          <p:attrName>style.visibility</p:attrName>
+                                        </p:attrNameLst>
+                                      </p:cBhvr>
+                                      <p:to>
+                                        <p:strVal val="visible"/>
+                                      </p:to>
+                                    </p:set>
+                                    <p:animEffect transition="in" filter="box(in)">
+                                      <p:cBhvr>
+                                        <p:cTn id="143" dur="500"/>
+                                        <p:tgtEl>
+                                          <p:spTgt spid="25"/>
+                                        </p:tgtEl>
+                                      </p:cBhvr>
+                                    </p:animEffect>
+                                  </p:childTnLst>
+                                </p:cTn>
+                              </p:par>
+                            </p:childTnLst>
+                          </p:cTn>
+                        </p:par>
+                        <p:par>
+                          <p:cTn id="144" fill="hold">
+                            <p:stCondLst>
+                              <p:cond delay="6000"/>
+                            </p:stCondLst>
+                            <p:childTnLst>
+                              <p:par>
+                                <p:cTn id="145" presetID="4" presetClass="entr" presetSubtype="16" fill="hold" grpId="0" nodeType="afterEffect">
+                                  <p:stCondLst>
+                                    <p:cond delay="0"/>
+                                  </p:stCondLst>
+                                  <p:childTnLst>
+                                    <p:set>
+                                      <p:cBhvr>
+                                        <p:cTn id="146" dur="1" fill="hold">
+                                          <p:stCondLst>
+                                            <p:cond delay="0"/>
+                                          </p:stCondLst>
+                                        </p:cTn>
+                                        <p:tgtEl>
+                                          <p:spTgt spid="26"/>
+                                        </p:tgtEl>
+                                        <p:attrNameLst>
+                                          <p:attrName>style.visibility</p:attrName>
+                                        </p:attrNameLst>
+                                      </p:cBhvr>
+                                      <p:to>
+                                        <p:strVal val="visible"/>
+                                      </p:to>
+                                    </p:set>
+                                    <p:animEffect transition="in" filter="box(in)">
+                                      <p:cBhvr>
+                                        <p:cTn id="147" dur="500"/>
+                                        <p:tgtEl>
+                                          <p:spTgt spid="26"/>
+                                        </p:tgtEl>
+                                      </p:cBhvr>
+                                    </p:animEffect>
+                                  </p:childTnLst>
+                                </p:cTn>
+                              </p:par>
+                            </p:childTnLst>
+                          </p:cTn>
+                        </p:par>
+                        <p:par>
+                          <p:cTn id="148" fill="hold">
+                            <p:stCondLst>
+                              <p:cond delay="6500"/>
+                            </p:stCondLst>
+                            <p:childTnLst>
+                              <p:par>
+                                <p:cTn id="149" presetID="0" presetClass="path" presetSubtype="0" accel="50000" decel="50000" fill="hold" grpId="1" nodeType="afterEffect">
+                                  <p:stCondLst>
+                                    <p:cond delay="0"/>
+                                  </p:stCondLst>
+                                  <p:childTnLst>
+                                    <p:animMotion origin="layout" path="M 0 0 C 0.01666 0.0111 0.00069 0.00139 0.04652 0.0037 C 0.05208 0.00393 0.05746 0.0074 0.06302 0.00763 C 0.07534 0.00833 0.08767 0.00856 0.1 0.00902 C 0.11979 0.01064 0.13836 0.01133 0.15816 0.00902 C 0.16076 -0.0007 0.16111 -0.01064 0.16111 -0.02082 " pathEditMode="relative" ptsTypes="fffffA">
+                                      <p:cBhvr>
+                                        <p:cTn id="150" dur="2000" fill="hold"/>
+                                        <p:tgtEl>
+                                          <p:spTgt spid="25"/>
+                                        </p:tgtEl>
+                                        <p:attrNameLst>
+                                          <p:attrName>ppt_x</p:attrName>
+                                          <p:attrName>ppt_y</p:attrName>
+                                        </p:attrNameLst>
+                                      </p:cBhvr>
+                                    </p:animMotion>
+                                  </p:childTnLst>
+                                </p:cTn>
+                              </p:par>
+                            </p:childTnLst>
+                          </p:cTn>
+                        </p:par>
+                        <p:par>
+                          <p:cTn id="151" fill="hold">
+                            <p:stCondLst>
+                              <p:cond delay="8500"/>
+                            </p:stCondLst>
+                            <p:childTnLst>
+                              <p:par>
+                                <p:cTn id="152" presetID="0" presetClass="path" presetSubtype="0" accel="50000" decel="50000" fill="hold" grpId="1" nodeType="afterEffect">
+                                  <p:stCondLst>
+                                    <p:cond delay="0"/>
+                                  </p:stCondLst>
+                                  <p:childTnLst>
+                                    <p:animMotion origin="layout" path="M 0 0 C 0.01562 -0.00508 0.01475 -0.00532 0.03489 -0.00393 C 0.04288 0.00301 0.03593 -0.00462 0.03593 0.02059 C 0.03593 0.02799 0.03784 0.04257 0.03784 0.04257 C 0.03871 0.07495 0.04097 0.10711 0.0427 0.13949 C 0.04132 0.14759 0.03888 0.15892 0.03888 0.16679 C 0.03888 0.17211 0.03732 0.17974 0.04079 0.18229 C 0.04704 0.18691 0.05503 0.18321 0.06215 0.18367 C 0.08802 0.18761 0.11475 0.18645 0.14079 0.18737 C 0.14531 0.18645 0.15 0.18668 0.15434 0.18483 C 0.15538 0.18437 0.15538 0.18229 0.15538 0.1809 C 0.1552 0.17488 0.15382 0.16887 0.15347 0.16285 C 0.15312 0.15823 0.15347 0.15337 0.15347 0.14874 " pathEditMode="relative" ptsTypes="ffffffffffffA">
+                                      <p:cBhvr>
+                                        <p:cTn id="153" dur="2000" fill="hold"/>
+                                        <p:tgtEl>
+                                          <p:spTgt spid="26"/>
+                                        </p:tgtEl>
+                                        <p:attrNameLst>
+                                          <p:attrName>ppt_x</p:attrName>
+                                          <p:attrName>ppt_y</p:attrName>
+                                        </p:attrNameLst>
+                                      </p:cBhvr>
+                                    </p:animMotion>
+                                  </p:childTnLst>
+                                </p:cTn>
+                              </p:par>
+                            </p:childTnLst>
+                          </p:cTn>
+                        </p:par>
+                      </p:childTnLst>
+                    </p:cTn>
+                  </p:par>
+                  <p:par>
+                    <p:cTn id="154" fill="hold">
+                      <p:stCondLst>
+                        <p:cond delay="indefinite"/>
+                      </p:stCondLst>
+                      <p:childTnLst>
+                        <p:par>
+                          <p:cTn id="155" fill="hold">
+                            <p:stCondLst>
+                              <p:cond delay="0"/>
+                            </p:stCondLst>
+                            <p:childTnLst>
+                              <p:par>
+                                <p:cTn id="156" presetID="4" presetClass="entr" presetSubtype="16" fill="hold" grpId="0" nodeType="clickEffect">
+                                  <p:stCondLst>
+                                    <p:cond delay="0"/>
+                                  </p:stCondLst>
+                                  <p:childTnLst>
+                                    <p:set>
+                                      <p:cBhvr>
+                                        <p:cTn id="157" dur="1" fill="hold">
+                                          <p:stCondLst>
+                                            <p:cond delay="0"/>
+                                          </p:stCondLst>
+                                        </p:cTn>
+                                        <p:tgtEl>
+                                          <p:spTgt spid="19"/>
+                                        </p:tgtEl>
+                                        <p:attrNameLst>
+                                          <p:attrName>style.visibility</p:attrName>
+                                        </p:attrNameLst>
+                                      </p:cBhvr>
+                                      <p:to>
+                                        <p:strVal val="visible"/>
+                                      </p:to>
+                                    </p:set>
+                                    <p:animEffect transition="in" filter="box(in)">
+                                      <p:cBhvr>
+                                        <p:cTn id="158" dur="500"/>
+                                        <p:tgtEl>
+                                          <p:spTgt spid="19"/>
+                                        </p:tgtEl>
+                                      </p:cBhvr>
+                                    </p:animEffect>
+                                  </p:childTnLst>
+                                </p:cTn>
+                              </p:par>
+                              <p:par>
+                                <p:cTn id="159" presetID="4" presetClass="entr" presetSubtype="16" fill="hold" grpId="0" nodeType="withEffect">
+                                  <p:stCondLst>
+                                    <p:cond delay="0"/>
+                                  </p:stCondLst>
+                                  <p:childTnLst>
+                                    <p:set>
+                                      <p:cBhvr>
+                                        <p:cTn id="160" dur="1" fill="hold">
+                                          <p:stCondLst>
+                                            <p:cond delay="0"/>
+                                          </p:stCondLst>
+                                        </p:cTn>
+                                        <p:tgtEl>
+                                          <p:spTgt spid="21"/>
+                                        </p:tgtEl>
+                                        <p:attrNameLst>
+                                          <p:attrName>style.visibility</p:attrName>
+                                        </p:attrNameLst>
+                                      </p:cBhvr>
+                                      <p:to>
+                                        <p:strVal val="visible"/>
+                                      </p:to>
+                                    </p:set>
+                                    <p:animEffect transition="in" filter="box(in)">
+                                      <p:cBhvr>
+                                        <p:cTn id="161" dur="500"/>
+                                        <p:tgtEl>
+                                          <p:spTgt spid="21"/>
+                                        </p:tgtEl>
+                                      </p:cBhvr>
+                                    </p:animEffect>
+                                  </p:childTnLst>
+                                </p:cTn>
+                              </p:par>
+                            </p:childTnLst>
+                          </p:cTn>
+                        </p:par>
+                        <p:par>
+                          <p:cTn id="162" fill="hold">
+                            <p:stCondLst>
+                              <p:cond delay="500"/>
+                            </p:stCondLst>
+                            <p:childTnLst>
+                              <p:par>
+                                <p:cTn id="163" presetID="0" presetClass="path" presetSubtype="0" accel="50000" decel="50000" fill="hold" grpId="1" nodeType="afterEffect">
                                   <p:stCondLst>
                                     <p:cond delay="1000"/>
                                   </p:stCondLst>
                                   <p:childTnLst>
                                     <p:animMotion origin="layout" path="M 5.55556E-7 -0.00255 C 0.01649 -0.00162 0.03299 -0.00047 0.04948 0.00115 C 0.07656 -0.00185 0.1026 0.00092 0.12951 0.00254 C 0.15608 0.00046 0.17187 0.00185 0.1974 0.00532 C 0.19965 0.02429 0.19792 0.01735 0.20052 0.02683 C 0.20087 0.03493 0.20069 0.04302 0.20139 0.05089 C 0.20156 0.05343 0.20156 0.05737 0.20347 0.05783 C 0.22118 0.06338 0.23976 0.05968 0.25816 0.0606 C 0.26424 0.05181 0.2599 0.03562 0.2592 0.02544 C 0.25729 0.00092 0.25625 -0.03123 0.25521 -0.05506 C 0.25694 -0.12468 0.25486 -0.06963 0.25712 -0.10363 C 0.25712 -0.10387 0.2566 -0.12954 0.26111 -0.1307 C 0.26719 -0.13232 0.27326 -0.13232 0.27951 -0.13324 C 0.30139 -0.13255 0.32257 -0.13209 0.34427 -0.12908 C 0.35833 -0.13162 0.37257 -0.13463 0.38663 -0.13741 C 0.38802 -0.14273 0.38889 -0.14805 0.38889 -0.15337 " pathEditMode="relative" rAng="0" ptsTypes="fffffffffffffffA">
                                       <p:cBhvr>
-                                        <p:cTn id="137" dur="2000" fill="hold"/>
+                                        <p:cTn id="164" dur="2000" fill="hold"/>
                                         <p:tgtEl>
                                           <p:spTgt spid="21"/>
                                         </p:tgtEl>
@@ -15139,26 +14856,26 @@
                     </p:cTn>
                   </p:par>
                   <p:par>
-                    <p:cTn id="138" fill="hold">
+                    <p:cTn id="165" fill="hold">
                       <p:stCondLst>
                         <p:cond delay="indefinite"/>
                       </p:stCondLst>
                       <p:childTnLst>
                         <p:par>
-                          <p:cTn id="139" fill="hold">
+                          <p:cTn id="166" fill="hold">
                             <p:stCondLst>
                               <p:cond delay="0"/>
                             </p:stCondLst>
                             <p:childTnLst>
                               <p:par>
-                                <p:cTn id="140" presetID="4" presetClass="exit" presetSubtype="16" fill="hold" grpId="1" nodeType="clickEffect">
+                                <p:cTn id="167" presetID="4" presetClass="exit" presetSubtype="16" fill="hold" grpId="1" nodeType="clickEffect">
                                   <p:stCondLst>
                                     <p:cond delay="0"/>
                                   </p:stCondLst>
                                   <p:childTnLst>
                                     <p:animEffect transition="out" filter="box(in)">
                                       <p:cBhvr>
-                                        <p:cTn id="141" dur="500"/>
+                                        <p:cTn id="168" dur="500"/>
                                         <p:tgtEl>
                                           <p:spTgt spid="17"/>
                                         </p:tgtEl>
@@ -15166,7 +14883,7 @@
                                     </p:animEffect>
                                     <p:set>
                                       <p:cBhvr>
-                                        <p:cTn id="142" dur="1" fill="hold">
+                                        <p:cTn id="169" dur="1" fill="hold">
                                           <p:stCondLst>
                                             <p:cond delay="499"/>
                                           </p:stCondLst>
@@ -15186,14 +14903,14 @@
                                 </p:cTn>
                               </p:par>
                               <p:par>
-                                <p:cTn id="143" presetID="4" presetClass="exit" presetSubtype="16" fill="hold" grpId="1" nodeType="withEffect">
+                                <p:cTn id="170" presetID="4" presetClass="exit" presetSubtype="16" fill="hold" grpId="1" nodeType="withEffect">
                                   <p:stCondLst>
                                     <p:cond delay="0"/>
                                   </p:stCondLst>
                                   <p:childTnLst>
                                     <p:animEffect transition="out" filter="box(in)">
                                       <p:cBhvr>
-                                        <p:cTn id="144" dur="500"/>
+                                        <p:cTn id="171" dur="500"/>
                                         <p:tgtEl>
                                           <p:spTgt spid="18"/>
                                         </p:tgtEl>
@@ -15201,7 +14918,7 @@
                                     </p:animEffect>
                                     <p:set>
                                       <p:cBhvr>
-                                        <p:cTn id="145" dur="1" fill="hold">
+                                        <p:cTn id="172" dur="1" fill="hold">
                                           <p:stCondLst>
                                             <p:cond delay="499"/>
                                           </p:stCondLst>
@@ -15221,14 +14938,14 @@
                                 </p:cTn>
                               </p:par>
                               <p:par>
-                                <p:cTn id="146" presetID="4" presetClass="exit" presetSubtype="16" fill="hold" grpId="1" nodeType="withEffect">
+                                <p:cTn id="173" presetID="4" presetClass="exit" presetSubtype="16" fill="hold" grpId="1" nodeType="withEffect">
                                   <p:stCondLst>
                                     <p:cond delay="0"/>
                                   </p:stCondLst>
                                   <p:childTnLst>
                                     <p:animEffect transition="out" filter="box(in)">
                                       <p:cBhvr>
-                                        <p:cTn id="147" dur="500"/>
+                                        <p:cTn id="174" dur="500"/>
                                         <p:tgtEl>
                                           <p:spTgt spid="19"/>
                                         </p:tgtEl>
@@ -15236,7 +14953,7 @@
                                     </p:animEffect>
                                     <p:set>
                                       <p:cBhvr>
-                                        <p:cTn id="148" dur="1" fill="hold">
+                                        <p:cTn id="175" dur="1" fill="hold">
                                           <p:stCondLst>
                                             <p:cond delay="499"/>
                                           </p:stCondLst>
@@ -15256,14 +14973,14 @@
                                 </p:cTn>
                               </p:par>
                               <p:par>
-                                <p:cTn id="149" presetID="4" presetClass="exit" presetSubtype="16" fill="hold" grpId="2" nodeType="withEffect">
+                                <p:cTn id="176" presetID="4" presetClass="exit" presetSubtype="16" fill="hold" grpId="2" nodeType="withEffect">
                                   <p:stCondLst>
                                     <p:cond delay="0"/>
                                   </p:stCondLst>
                                   <p:childTnLst>
                                     <p:animEffect transition="out" filter="box(in)">
                                       <p:cBhvr>
-                                        <p:cTn id="150" dur="500"/>
+                                        <p:cTn id="177" dur="500"/>
                                         <p:tgtEl>
                                           <p:spTgt spid="25"/>
                                         </p:tgtEl>
@@ -15271,7 +14988,7 @@
                                     </p:animEffect>
                                     <p:set>
                                       <p:cBhvr>
-                                        <p:cTn id="151" dur="1" fill="hold">
+                                        <p:cTn id="178" dur="1" fill="hold">
                                           <p:stCondLst>
                                             <p:cond delay="499"/>
                                           </p:stCondLst>
@@ -15291,14 +15008,14 @@
                                 </p:cTn>
                               </p:par>
                               <p:par>
-                                <p:cTn id="152" presetID="4" presetClass="exit" presetSubtype="16" fill="hold" grpId="3" nodeType="withEffect">
+                                <p:cTn id="179" presetID="4" presetClass="exit" presetSubtype="16" fill="hold" grpId="3" nodeType="withEffect">
                                   <p:stCondLst>
                                     <p:cond delay="0"/>
                                   </p:stCondLst>
                                   <p:childTnLst>
                                     <p:animEffect transition="out" filter="box(in)">
                                       <p:cBhvr>
-                                        <p:cTn id="153" dur="500"/>
+                                        <p:cTn id="180" dur="500"/>
                                         <p:tgtEl>
                                           <p:spTgt spid="23"/>
                                         </p:tgtEl>
@@ -15306,7 +15023,7 @@
                                     </p:animEffect>
                                     <p:set>
                                       <p:cBhvr>
-                                        <p:cTn id="154" dur="1" fill="hold">
+                                        <p:cTn id="181" dur="1" fill="hold">
                                           <p:stCondLst>
                                             <p:cond delay="499"/>
                                           </p:stCondLst>
@@ -15326,14 +15043,14 @@
                                 </p:cTn>
                               </p:par>
                               <p:par>
-                                <p:cTn id="155" presetID="4" presetClass="exit" presetSubtype="16" fill="hold" grpId="2" nodeType="withEffect">
+                                <p:cTn id="182" presetID="4" presetClass="exit" presetSubtype="16" fill="hold" grpId="2" nodeType="withEffect">
                                   <p:stCondLst>
                                     <p:cond delay="0"/>
                                   </p:stCondLst>
                                   <p:childTnLst>
                                     <p:animEffect transition="out" filter="box(in)">
                                       <p:cBhvr>
-                                        <p:cTn id="156" dur="500"/>
+                                        <p:cTn id="183" dur="500"/>
                                         <p:tgtEl>
                                           <p:spTgt spid="26"/>
                                         </p:tgtEl>
@@ -15341,7 +15058,7 @@
                                     </p:animEffect>
                                     <p:set>
                                       <p:cBhvr>
-                                        <p:cTn id="157" dur="1" fill="hold">
+                                        <p:cTn id="184" dur="1" fill="hold">
                                           <p:stCondLst>
                                             <p:cond delay="499"/>
                                           </p:stCondLst>
@@ -15361,14 +15078,14 @@
                                 </p:cTn>
                               </p:par>
                               <p:par>
-                                <p:cTn id="158" presetID="4" presetClass="exit" presetSubtype="16" fill="hold" grpId="2" nodeType="withEffect">
+                                <p:cTn id="185" presetID="4" presetClass="exit" presetSubtype="16" fill="hold" grpId="2" nodeType="withEffect">
                                   <p:stCondLst>
                                     <p:cond delay="0"/>
                                   </p:stCondLst>
                                   <p:childTnLst>
                                     <p:animEffect transition="out" filter="box(in)">
                                       <p:cBhvr>
-                                        <p:cTn id="159" dur="500"/>
+                                        <p:cTn id="186" dur="500"/>
                                         <p:tgtEl>
                                           <p:spTgt spid="21"/>
                                         </p:tgtEl>
@@ -15376,7 +15093,7 @@
                                     </p:animEffect>
                                     <p:set>
                                       <p:cBhvr>
-                                        <p:cTn id="160" dur="1" fill="hold">
+                                        <p:cTn id="187" dur="1" fill="hold">
                                           <p:stCondLst>
                                             <p:cond delay="499"/>
                                           </p:stCondLst>
@@ -15396,14 +15113,14 @@
                                 </p:cTn>
                               </p:par>
                               <p:par>
-                                <p:cTn id="161" presetID="4" presetClass="exit" presetSubtype="16" fill="hold" grpId="1" nodeType="withEffect">
+                                <p:cTn id="188" presetID="4" presetClass="exit" presetSubtype="16" fill="hold" grpId="1" nodeType="withEffect">
                                   <p:stCondLst>
                                     <p:cond delay="0"/>
                                   </p:stCondLst>
                                   <p:childTnLst>
                                     <p:animEffect transition="out" filter="box(in)">
                                       <p:cBhvr>
-                                        <p:cTn id="162" dur="500"/>
+                                        <p:cTn id="189" dur="500"/>
                                         <p:tgtEl>
                                           <p:spTgt spid="20"/>
                                         </p:tgtEl>
@@ -15411,7 +15128,7 @@
                                     </p:animEffect>
                                     <p:set>
                                       <p:cBhvr>
-                                        <p:cTn id="163" dur="1" fill="hold">
+                                        <p:cTn id="190" dur="1" fill="hold">
                                           <p:stCondLst>
                                             <p:cond delay="499"/>
                                           </p:stCondLst>
@@ -15431,14 +15148,14 @@
                                 </p:cTn>
                               </p:par>
                               <p:par>
-                                <p:cTn id="164" presetID="4" presetClass="entr" presetSubtype="16" fill="hold" grpId="0" nodeType="withEffect">
+                                <p:cTn id="191" presetID="4" presetClass="entr" presetSubtype="16" fill="hold" grpId="0" nodeType="withEffect">
                                   <p:stCondLst>
                                     <p:cond delay="0"/>
                                   </p:stCondLst>
                                   <p:childTnLst>
                                     <p:set>
                                       <p:cBhvr>
-                                        <p:cTn id="165" dur="1" fill="hold">
+                                        <p:cTn id="192" dur="1" fill="hold">
                                           <p:stCondLst>
                                             <p:cond delay="0"/>
                                           </p:stCondLst>
@@ -15456,7 +15173,7 @@
                                     </p:set>
                                     <p:animEffect transition="in" filter="box(in)">
                                       <p:cBhvr>
-                                        <p:cTn id="166" dur="500"/>
+                                        <p:cTn id="193" dur="500"/>
                                         <p:tgtEl>
                                           <p:spTgt spid="27"/>
                                         </p:tgtEl>
@@ -15466,14 +15183,14 @@
                                 </p:cTn>
                               </p:par>
                               <p:par>
-                                <p:cTn id="167" presetID="4" presetClass="entr" presetSubtype="16" fill="hold" grpId="0" nodeType="withEffect">
+                                <p:cTn id="194" presetID="4" presetClass="entr" presetSubtype="16" fill="hold" grpId="0" nodeType="withEffect">
                                   <p:stCondLst>
                                     <p:cond delay="0"/>
                                   </p:stCondLst>
                                   <p:childTnLst>
                                     <p:set>
                                       <p:cBhvr>
-                                        <p:cTn id="168" dur="1" fill="hold">
+                                        <p:cTn id="195" dur="1" fill="hold">
                                           <p:stCondLst>
                                             <p:cond delay="0"/>
                                           </p:stCondLst>
@@ -15491,7 +15208,7 @@
                                     </p:set>
                                     <p:animEffect transition="in" filter="box(in)">
                                       <p:cBhvr>
-                                        <p:cTn id="169" dur="500"/>
+                                        <p:cTn id="196" dur="500"/>
                                         <p:tgtEl>
                                           <p:spTgt spid="28"/>
                                         </p:tgtEl>
@@ -15504,20 +15221,20 @@
                           </p:cTn>
                         </p:par>
                         <p:par>
-                          <p:cTn id="170" fill="hold">
+                          <p:cTn id="197" fill="hold">
                             <p:stCondLst>
                               <p:cond delay="500"/>
                             </p:stCondLst>
                             <p:childTnLst>
                               <p:par>
-                                <p:cTn id="171" presetID="4" presetClass="entr" presetSubtype="16" fill="hold" grpId="0" nodeType="afterEffect">
+                                <p:cTn id="198" presetID="4" presetClass="entr" presetSubtype="16" fill="hold" grpId="0" nodeType="afterEffect">
                                   <p:stCondLst>
                                     <p:cond delay="1000"/>
                                   </p:stCondLst>
                                   <p:childTnLst>
                                     <p:set>
                                       <p:cBhvr>
-                                        <p:cTn id="172" dur="1" fill="hold">
+                                        <p:cTn id="199" dur="1" fill="hold">
                                           <p:stCondLst>
                                             <p:cond delay="0"/>
                                           </p:stCondLst>
@@ -15535,7 +15252,7 @@
                                     </p:set>
                                     <p:animEffect transition="in" filter="box(in)">
                                       <p:cBhvr>
-                                        <p:cTn id="173" dur="500"/>
+                                        <p:cTn id="200" dur="500"/>
                                         <p:tgtEl>
                                           <p:spTgt spid="24"/>
                                         </p:tgtEl>
@@ -15545,14 +15262,14 @@
                                 </p:cTn>
                               </p:par>
                               <p:par>
-                                <p:cTn id="174" presetID="4" presetClass="entr" presetSubtype="16" fill="hold" grpId="0" nodeType="withEffect">
+                                <p:cTn id="201" presetID="4" presetClass="entr" presetSubtype="16" fill="hold" grpId="0" nodeType="withEffect">
                                   <p:stCondLst>
                                     <p:cond delay="1000"/>
                                   </p:stCondLst>
                                   <p:childTnLst>
                                     <p:set>
                                       <p:cBhvr>
-                                        <p:cTn id="175" dur="1" fill="hold">
+                                        <p:cTn id="202" dur="1" fill="hold">
                                           <p:stCondLst>
                                             <p:cond delay="0"/>
                                           </p:stCondLst>
@@ -15570,7 +15287,7 @@
                                     </p:set>
                                     <p:animEffect transition="in" filter="box(in)">
                                       <p:cBhvr>
-                                        <p:cTn id="176" dur="500"/>
+                                        <p:cTn id="203" dur="500"/>
                                         <p:tgtEl>
                                           <p:spTgt spid="30"/>
                                         </p:tgtEl>
@@ -15586,26 +15303,26 @@
                     </p:cTn>
                   </p:par>
                   <p:par>
-                    <p:cTn id="177" fill="hold">
+                    <p:cTn id="204" fill="hold">
                       <p:stCondLst>
                         <p:cond delay="indefinite"/>
                       </p:stCondLst>
                       <p:childTnLst>
                         <p:par>
-                          <p:cTn id="178" fill="hold">
+                          <p:cTn id="205" fill="hold">
                             <p:stCondLst>
                               <p:cond delay="0"/>
                             </p:stCondLst>
                             <p:childTnLst>
                               <p:par>
-                                <p:cTn id="179" presetID="0" presetClass="path" presetSubtype="0" accel="50000" decel="50000" fill="hold" grpId="1" nodeType="clickEffect">
+                                <p:cTn id="206" presetID="0" presetClass="path" presetSubtype="0" accel="50000" decel="50000" fill="hold" grpId="1" nodeType="clickEffect">
                                   <p:stCondLst>
                                     <p:cond delay="0"/>
                                   </p:stCondLst>
                                   <p:childTnLst>
                                     <p:animMotion origin="layout" path="M -4.44444E-6 -0.0074 C 0.04983 -0.00601 0.09879 -0.00902 0.14844 -0.01133 C 0.19098 -0.00902 0.22744 -0.00786 0.27223 -0.0074 C 0.30209 -0.00555 0.33195 -0.00832 0.36164 -0.00971 C 0.37934 -0.00902 0.38212 -0.00809 0.39809 -0.01041 C 0.40261 -0.0111 0.41007 -0.01503 0.41007 -0.01503 C 0.4125 -0.01758 0.41216 -0.01642 0.41216 -0.01804 " pathEditMode="relative" rAng="0" ptsTypes="ffffffA">
                                       <p:cBhvr>
-                                        <p:cTn id="180" dur="2000" fill="hold"/>
+                                        <p:cTn id="207" dur="2000" fill="hold"/>
                                         <p:tgtEl>
                                           <p:spTgt spid="24"/>
                                         </p:tgtEl>
@@ -15620,14 +15337,14 @@
                                 </p:cTn>
                               </p:par>
                               <p:par>
-                                <p:cTn id="181" presetID="4" presetClass="exit" presetSubtype="16" fill="hold" grpId="1" nodeType="withEffect">
+                                <p:cTn id="208" presetID="4" presetClass="exit" presetSubtype="16" fill="hold" grpId="1" nodeType="withEffect">
                                   <p:stCondLst>
                                     <p:cond delay="0"/>
                                   </p:stCondLst>
                                   <p:childTnLst>
                                     <p:animEffect transition="out" filter="box(in)">
                                       <p:cBhvr>
-                                        <p:cTn id="182" dur="500"/>
+                                        <p:cTn id="209" dur="500"/>
                                         <p:tgtEl>
                                           <p:spTgt spid="30"/>
                                         </p:tgtEl>
@@ -15635,7 +15352,7 @@
                                     </p:animEffect>
                                     <p:set>
                                       <p:cBhvr>
-                                        <p:cTn id="183" dur="1" fill="hold">
+                                        <p:cTn id="210" dur="1" fill="hold">
                                           <p:stCondLst>
                                             <p:cond delay="499"/>
                                           </p:stCondLst>
@@ -15655,14 +15372,14 @@
                                 </p:cTn>
                               </p:par>
                               <p:par>
-                                <p:cTn id="184" presetID="4" presetClass="entr" presetSubtype="16" fill="hold" grpId="0" nodeType="withEffect">
+                                <p:cTn id="211" presetID="4" presetClass="entr" presetSubtype="16" fill="hold" grpId="0" nodeType="withEffect">
                                   <p:stCondLst>
                                     <p:cond delay="0"/>
                                   </p:stCondLst>
                                   <p:childTnLst>
                                     <p:set>
                                       <p:cBhvr>
-                                        <p:cTn id="185" dur="1" fill="hold">
+                                        <p:cTn id="212" dur="1" fill="hold">
                                           <p:stCondLst>
                                             <p:cond delay="0"/>
                                           </p:stCondLst>
@@ -15680,7 +15397,7 @@
                                     </p:set>
                                     <p:animEffect transition="in" filter="box(in)">
                                       <p:cBhvr>
-                                        <p:cTn id="186" dur="500"/>
+                                        <p:cTn id="213" dur="500"/>
                                         <p:tgtEl>
                                           <p:spTgt spid="31"/>
                                         </p:tgtEl>
@@ -15690,14 +15407,14 @@
                                 </p:cTn>
                               </p:par>
                               <p:par>
-                                <p:cTn id="187" presetID="4" presetClass="entr" presetSubtype="16" fill="hold" grpId="0" nodeType="withEffect">
+                                <p:cTn id="214" presetID="4" presetClass="entr" presetSubtype="16" fill="hold" grpId="0" nodeType="withEffect">
                                   <p:stCondLst>
                                     <p:cond delay="0"/>
                                   </p:stCondLst>
                                   <p:childTnLst>
                                     <p:set>
                                       <p:cBhvr>
-                                        <p:cTn id="188" dur="1" fill="hold">
+                                        <p:cTn id="215" dur="1" fill="hold">
                                           <p:stCondLst>
                                             <p:cond delay="0"/>
                                           </p:stCondLst>
@@ -15715,7 +15432,7 @@
                                     </p:set>
                                     <p:animEffect transition="in" filter="box(in)">
                                       <p:cBhvr>
-                                        <p:cTn id="189" dur="500"/>
+                                        <p:cTn id="216" dur="500"/>
                                         <p:tgtEl>
                                           <p:spTgt spid="32"/>
                                         </p:tgtEl>
@@ -15725,14 +15442,14 @@
                                 </p:cTn>
                               </p:par>
                               <p:par>
-                                <p:cTn id="190" presetID="0" presetClass="path" presetSubtype="0" accel="50000" decel="50000" fill="hold" grpId="1" nodeType="withEffect">
+                                <p:cTn id="217" presetID="0" presetClass="path" presetSubtype="0" accel="50000" decel="50000" fill="hold" grpId="1" nodeType="withEffect">
                                   <p:stCondLst>
                                     <p:cond delay="0"/>
                                   </p:stCondLst>
                                   <p:childTnLst>
                                     <p:animMotion origin="layout" path="M -4.44444E-6 -0.00162 C 0.0191 0.00208 0.03299 0.00208 0.05487 0.00324 C 0.10469 0.00116 0.15087 0.00208 0.2 0.00463 C 0.2283 -0.00092 0.2132 0.00116 0.25608 0.00324 C 0.27344 0.00393 0.30782 0.00625 0.30782 0.00648 C 0.3099 0.00509 0.31372 0.00717 0.31424 0.00324 C 0.31841 -0.02706 0.3132 -0.01712 0.31025 -0.03192 C 0.30903 -0.03932 0.30678 -0.05436 0.30678 -0.0539 C 0.30799 -0.11913 0.3 -0.1115 0.32066 -0.10224 C 0.329 -0.09299 0.35955 -0.096 0.36667 -0.09577 C 0.39098 -0.09253 0.38247 -0.09646 0.39271 -0.09114 C 0.39671 -0.08212 0.3948 -0.08813 0.3948 -0.07194 " pathEditMode="relative" rAng="0" ptsTypes="fffffffffffA">
                                       <p:cBhvr>
-                                        <p:cTn id="191" dur="2000" fill="hold"/>
+                                        <p:cTn id="218" dur="2000" fill="hold"/>
                                         <p:tgtEl>
                                           <p:spTgt spid="32"/>
                                         </p:tgtEl>
@@ -15747,14 +15464,14 @@
                                 </p:cTn>
                               </p:par>
                               <p:par>
-                                <p:cTn id="192" presetID="0" presetClass="path" presetSubtype="0" accel="50000" decel="50000" fill="hold" grpId="1" nodeType="withEffect">
+                                <p:cTn id="219" presetID="0" presetClass="path" presetSubtype="0" accel="50000" decel="50000" fill="hold" grpId="1" nodeType="withEffect">
                                   <p:stCondLst>
                                     <p:cond delay="0"/>
                                   </p:stCondLst>
                                   <p:childTnLst>
                                     <p:animMotion origin="layout" path="M 0 0 C 0.00712 0.00324 0.01406 0.00393 0.02153 0.00532 C 0.0309 0.00717 0.04965 0.00786 0.04965 0.00786 C 0.05677 0.00948 0.06372 0.01434 0.07101 0.0155 C 0.11962 0.02244 0.16858 0.02012 0.21754 0.02082 C 0.23872 0.01874 0.25955 0.01504 0.28073 0.01689 C 0.30382 0.01434 0.30261 0.02082 0.3059 0 C 0.30347 -0.03771 0.30625 -0.07587 0.30781 -0.11381 C 0.30799 -0.11959 0.31007 -0.14967 0.31076 -0.16031 C 0.31111 -0.16516 0.31181 -0.17465 0.31181 -0.17465 C 0.31267 -0.23063 0.30261 -0.22554 0.32535 -0.24057 C 0.3533 -0.23896 0.38177 -0.23965 0.40886 -0.22901 C 0.4132 -0.22484 0.41267 -0.22323 0.41267 -0.21605 " pathEditMode="relative" ptsTypes="ffffffffffffA">
                                       <p:cBhvr>
-                                        <p:cTn id="193" dur="2000" fill="hold"/>
+                                        <p:cTn id="220" dur="2000" fill="hold"/>
                                         <p:tgtEl>
                                           <p:spTgt spid="31"/>
                                         </p:tgtEl>
@@ -15774,26 +15491,26 @@
                     </p:cTn>
                   </p:par>
                   <p:par>
-                    <p:cTn id="194" fill="hold">
+                    <p:cTn id="221" fill="hold">
                       <p:stCondLst>
                         <p:cond delay="indefinite"/>
                       </p:stCondLst>
                       <p:childTnLst>
                         <p:par>
-                          <p:cTn id="195" fill="hold">
+                          <p:cTn id="222" fill="hold">
                             <p:stCondLst>
                               <p:cond delay="0"/>
                             </p:stCondLst>
                             <p:childTnLst>
                               <p:par>
-                                <p:cTn id="196" presetID="4" presetClass="entr" presetSubtype="16" fill="hold" grpId="0" nodeType="clickEffect">
+                                <p:cTn id="223" presetID="4" presetClass="entr" presetSubtype="16" fill="hold" grpId="0" nodeType="clickEffect">
                                   <p:stCondLst>
                                     <p:cond delay="0"/>
                                   </p:stCondLst>
                                   <p:childTnLst>
                                     <p:set>
                                       <p:cBhvr>
-                                        <p:cTn id="197" dur="1" fill="hold">
+                                        <p:cTn id="224" dur="1" fill="hold">
                                           <p:stCondLst>
                                             <p:cond delay="0"/>
                                           </p:stCondLst>
@@ -15811,7 +15528,7 @@
                                     </p:set>
                                     <p:animEffect transition="in" filter="box(in)">
                                       <p:cBhvr>
-                                        <p:cTn id="198" dur="500"/>
+                                        <p:cTn id="225" dur="500"/>
                                         <p:tgtEl>
                                           <p:spTgt spid="29"/>
                                         </p:tgtEl>
@@ -15824,20 +15541,20 @@
                           </p:cTn>
                         </p:par>
                         <p:par>
-                          <p:cTn id="199" fill="hold">
+                          <p:cTn id="226" fill="hold">
                             <p:stCondLst>
                               <p:cond delay="500"/>
                             </p:stCondLst>
                             <p:childTnLst>
                               <p:par>
-                                <p:cTn id="200" presetID="4" presetClass="entr" presetSubtype="16" fill="hold" grpId="0" nodeType="afterEffect">
+                                <p:cTn id="227" presetID="4" presetClass="entr" presetSubtype="16" fill="hold" grpId="0" nodeType="afterEffect">
                                   <p:stCondLst>
                                     <p:cond delay="1000"/>
                                   </p:stCondLst>
                                   <p:childTnLst>
                                     <p:set>
                                       <p:cBhvr>
-                                        <p:cTn id="201" dur="1" fill="hold">
+                                        <p:cTn id="228" dur="1" fill="hold">
                                           <p:stCondLst>
                                             <p:cond delay="0"/>
                                           </p:stCondLst>
@@ -15855,7 +15572,7 @@
                                     </p:set>
                                     <p:animEffect transition="in" filter="box(in)">
                                       <p:cBhvr>
-                                        <p:cTn id="202" dur="500"/>
+                                        <p:cTn id="229" dur="500"/>
                                         <p:tgtEl>
                                           <p:spTgt spid="33"/>
                                         </p:tgtEl>
@@ -15865,14 +15582,14 @@
                                 </p:cTn>
                               </p:par>
                               <p:par>
-                                <p:cTn id="203" presetID="4" presetClass="entr" presetSubtype="16" fill="hold" grpId="0" nodeType="withEffect">
+                                <p:cTn id="230" presetID="4" presetClass="entr" presetSubtype="16" fill="hold" grpId="0" nodeType="withEffect">
                                   <p:stCondLst>
                                     <p:cond delay="1000"/>
                                   </p:stCondLst>
                                   <p:childTnLst>
                                     <p:set>
                                       <p:cBhvr>
-                                        <p:cTn id="204" dur="1" fill="hold">
+                                        <p:cTn id="231" dur="1" fill="hold">
                                           <p:stCondLst>
                                             <p:cond delay="0"/>
                                           </p:stCondLst>
@@ -15890,7 +15607,7 @@
                                     </p:set>
                                     <p:animEffect transition="in" filter="box(in)">
                                       <p:cBhvr>
-                                        <p:cTn id="205" dur="500"/>
+                                        <p:cTn id="232" dur="500"/>
                                         <p:tgtEl>
                                           <p:spTgt spid="34"/>
                                         </p:tgtEl>
@@ -15900,14 +15617,14 @@
                                 </p:cTn>
                               </p:par>
                               <p:par>
-                                <p:cTn id="206" presetID="0" presetClass="path" presetSubtype="0" accel="50000" decel="50000" fill="hold" grpId="1" nodeType="withEffect">
+                                <p:cTn id="233" presetID="0" presetClass="path" presetSubtype="0" accel="50000" decel="50000" fill="hold" grpId="1" nodeType="withEffect">
                                   <p:stCondLst>
                                     <p:cond delay="0"/>
                                   </p:stCondLst>
                                   <p:childTnLst>
                                     <p:animMotion origin="layout" path="M 0 0 C 0.00174 -0.00462 0.00243 -0.00994 0.00486 -0.01411 C 0.00816 -0.01966 0.01962 -0.02521 0.02431 -0.02706 C 0.03768 -0.0259 0.0507 -0.02336 0.06407 -0.02197 C 0.11945 -0.0259 0.11997 -0.00647 0.11164 -0.04788 C 0.11302 -0.07726 0.11511 -0.10664 0.11754 -0.13578 C 0.13403 -0.1337 0.14827 -0.13809 0.16407 -0.14226 C 0.18403 -0.1411 0.18455 -0.14781 0.19219 -0.13324 C 0.19341 -0.12537 0.19393 -0.12722 0.19132 -0.1189 C 0.19028 -0.11566 0.1875 -0.10987 0.1875 -0.10987 " pathEditMode="relative" ptsTypes="fffffffffA">
                                       <p:cBhvr>
-                                        <p:cTn id="207" dur="2000" fill="hold"/>
+                                        <p:cTn id="234" dur="2000" fill="hold"/>
                                         <p:tgtEl>
                                           <p:spTgt spid="33"/>
                                         </p:tgtEl>
@@ -15921,14 +15638,14 @@
                                 </p:cTn>
                               </p:par>
                               <p:par>
-                                <p:cTn id="208" presetID="0" presetClass="path" presetSubtype="0" accel="50000" decel="50000" fill="hold" grpId="1" nodeType="withEffect">
+                                <p:cTn id="235" presetID="0" presetClass="path" presetSubtype="0" accel="50000" decel="50000" fill="hold" grpId="1" nodeType="withEffect">
                                   <p:stCondLst>
                                     <p:cond delay="0"/>
                                   </p:stCondLst>
                                   <p:childTnLst>
                                     <p:animMotion origin="layout" path="M 0 0 C 0.0007 -0.01457 -0.00104 -0.02868 0.00869 -0.03747 C 0.03108 -0.03655 0.05886 -0.03169 0.08056 -0.0414 C 0.08855 -0.07148 0.08056 -0.10617 0.08733 -0.13717 C 0.10938 -0.13578 0.11528 -0.13856 0.1349 -0.14365 C 0.15209 -0.14295 0.17379 -0.14411 0.19132 -0.13717 C 0.19653 -0.12977 0.19358 -0.12468 0.18924 -0.1189 C 0.18716 -0.11196 0.18733 -0.11473 0.18733 -0.11126 " pathEditMode="relative" ptsTypes="fffffffA">
                                       <p:cBhvr>
-                                        <p:cTn id="209" dur="2000" fill="hold"/>
+                                        <p:cTn id="236" dur="2000" fill="hold"/>
                                         <p:tgtEl>
                                           <p:spTgt spid="34"/>
                                         </p:tgtEl>
@@ -16015,6 +15732,14 @@
       <p:bldP spid="33" grpId="1" animBg="1"/>
       <p:bldP spid="34" grpId="0" animBg="1"/>
       <p:bldP spid="34" grpId="1" animBg="1"/>
+      <p:bldP spid="35" grpId="0" animBg="1"/>
+      <p:bldP spid="35" grpId="1" animBg="1"/>
+      <p:bldP spid="36" grpId="0" animBg="1"/>
+      <p:bldP spid="36" grpId="1" animBg="1"/>
+      <p:bldP spid="37" grpId="0"/>
+      <p:bldP spid="37" grpId="1"/>
+      <p:bldP spid="38" grpId="0"/>
+      <p:bldP spid="38" grpId="1"/>
     </p:bldLst>
   </p:timing>
 </p:sld>
@@ -32964,7 +32689,15 @@
             <a:pPr algn="l"/>
             <a:r>
               <a:rPr lang="en-US" sz="2400" dirty="0" smtClean="0"/>
-              <a:t>The core have 5 sub blocks:</a:t>
+              <a:t>The core have </a:t>
+            </a:r>
+            <a:r>
+              <a:rPr lang="en-US" sz="2400" dirty="0" smtClean="0"/>
+              <a:t>6 </a:t>
+            </a:r>
+            <a:r>
+              <a:rPr lang="en-US" sz="2400" dirty="0" smtClean="0"/>
+              <a:t>sub blocks:</a:t>
             </a:r>
           </a:p>
           <a:p>
@@ -33027,25 +32760,6 @@
               <a:t> WBM.</a:t>
             </a:r>
             <a:endParaRPr lang="he-IL" dirty="0"/>
-          </a:p>
-        </p:txBody>
-      </p:sp>
-      <p:sp>
-        <p:nvSpPr>
-          <p:cNvPr id="13" name="מציין מיקום תוכן 12"/>
-          <p:cNvSpPr>
-            <a:spLocks noGrp="1"/>
-          </p:cNvSpPr>
-          <p:nvPr>
-            <p:ph idx="1"/>
-          </p:nvPr>
-        </p:nvSpPr>
-        <p:spPr/>
-        <p:txBody>
-          <a:bodyPr/>
-          <a:lstStyle/>
-          <a:p>
-            <a:endParaRPr lang="he-IL"/>
           </a:p>
         </p:txBody>
       </p:sp>
@@ -34186,14 +33900,14 @@
       </p:grpSpPr>
       <p:pic>
         <p:nvPicPr>
-          <p:cNvPr id="2050" name="Picture 2" descr="C:\Documents and Settings\user\My Documents\Dropbox\project\presentation\middle\reg_block.bmp"/>
+          <p:cNvPr id="6146" name="Picture 2" descr="C:\Documents and Settings\user\My Documents\Dropbox\project\presentation\middle\reg_block.bmp"/>
           <p:cNvPicPr>
             <a:picLocks noChangeAspect="1" noChangeArrowheads="1"/>
           </p:cNvPicPr>
           <p:nvPr/>
         </p:nvPicPr>
         <p:blipFill>
-          <a:blip r:embed="rId3" cstate="print"/>
+          <a:blip r:embed="rId3"/>
           <a:srcRect/>
           <a:stretch>
             <a:fillRect/>
@@ -34201,8 +33915,8 @@
         </p:blipFill>
         <p:spPr bwMode="auto">
           <a:xfrm>
-            <a:off x="4024277" y="3071810"/>
-            <a:ext cx="5048285" cy="3786214"/>
+            <a:off x="4071934" y="3429308"/>
+            <a:ext cx="5000660" cy="3071526"/>
           </a:xfrm>
           <a:prstGeom prst="rect">
             <a:avLst/>
@@ -34246,7 +33960,7 @@
         <p:spPr>
           <a:xfrm>
             <a:off x="467544" y="1268760"/>
-            <a:ext cx="8229600" cy="2043113"/>
+            <a:ext cx="8229600" cy="2303116"/>
           </a:xfrm>
         </p:spPr>
         <p:txBody>
@@ -34255,39 +33969,82 @@
           </a:bodyPr>
           <a:lstStyle/>
           <a:p>
-            <a:pPr algn="l" rtl="0"/>
+            <a:pPr algn="l" rtl="0">
+              <a:buNone/>
+            </a:pPr>
             <a:r>
               <a:rPr lang="en-US" sz="2400" dirty="0" smtClean="0"/>
-              <a:t>The register unit is a memory unit. In our project we have four units of registers:</a:t>
+              <a:t>	In the </a:t>
+            </a:r>
+            <a:r>
+              <a:rPr lang="en-US" sz="2400" dirty="0" smtClean="0"/>
+              <a:t>project we have four units of registers:</a:t>
             </a:r>
           </a:p>
           <a:p>
             <a:pPr algn="l" rtl="0"/>
             <a:r>
               <a:rPr lang="en-US" sz="2400" dirty="0" smtClean="0"/>
-              <a:t>The first two are “Trigger position” &amp; “Trigger type”- which aim to save the initial configuration from the user.</a:t>
-            </a:r>
+              <a:t>Trigger </a:t>
+            </a:r>
+            <a:r>
+              <a:rPr lang="en-US" sz="2400" dirty="0" smtClean="0"/>
+              <a:t>type – values between 0-3. defines the type of trigger that we are looking for- {rise, fall, one or zero (for 3 cycles)}.</a:t>
+            </a:r>
+            <a:endParaRPr lang="en-US" sz="2400" dirty="0" smtClean="0"/>
           </a:p>
           <a:p>
             <a:pPr algn="l" rtl="0"/>
             <a:r>
               <a:rPr lang="en-US" sz="2400" dirty="0" smtClean="0"/>
-              <a:t> The next one is “</a:t>
-            </a:r>
-            <a:r>
-              <a:rPr lang="en-US" sz="2400" dirty="0" err="1" smtClean="0"/>
-              <a:t>clk</a:t>
-            </a:r>
-            <a:r>
-              <a:rPr lang="en-US" sz="2400" dirty="0" smtClean="0"/>
-              <a:t> to start”- that saves the number of clock cycles that passed since the trigger rise. </a:t>
-            </a:r>
+              <a:t>Trigger position- get values between 0-100. the percentage of the data that will recorded before trigger rise. </a:t>
+            </a:r>
+            <a:endParaRPr lang="en-US" sz="2400" dirty="0" smtClean="0"/>
           </a:p>
           <a:p>
             <a:pPr algn="l" rtl="0"/>
             <a:r>
               <a:rPr lang="en-US" sz="2400" dirty="0" smtClean="0"/>
-              <a:t>The last one is “Enable”- the status of the system, meaning our core starts looking for trigger rise.</a:t>
+              <a:t> </a:t>
+            </a:r>
+            <a:r>
+              <a:rPr lang="en-US" sz="2400" dirty="0" err="1" smtClean="0"/>
+              <a:t>clk</a:t>
+            </a:r>
+            <a:r>
+              <a:rPr lang="en-US" sz="2400" dirty="0" smtClean="0"/>
+              <a:t> </a:t>
+            </a:r>
+            <a:r>
+              <a:rPr lang="en-US" sz="2400" dirty="0" smtClean="0"/>
+              <a:t>to </a:t>
+            </a:r>
+            <a:r>
+              <a:rPr lang="en-US" sz="2400" dirty="0" smtClean="0"/>
+              <a:t>start- values 0-256. save </a:t>
+            </a:r>
+            <a:r>
+              <a:rPr lang="en-US" sz="2400" dirty="0" smtClean="0"/>
+              <a:t>the number of clock cycles that passed since </a:t>
+            </a:r>
+            <a:r>
+              <a:rPr lang="en-US" sz="2400" dirty="0" smtClean="0"/>
+              <a:t>trigger </a:t>
+            </a:r>
+            <a:r>
+              <a:rPr lang="en-US" sz="2400" dirty="0" smtClean="0"/>
+              <a:t>rise. </a:t>
+            </a:r>
+          </a:p>
+          <a:p>
+            <a:pPr algn="l" rtl="0"/>
+            <a:r>
+              <a:rPr lang="en-US" sz="2400" dirty="0" smtClean="0"/>
+              <a:t>Enable- values 0 or 1. The </a:t>
+            </a:r>
+            <a:r>
+              <a:rPr lang="en-US" sz="2400" dirty="0" smtClean="0"/>
+              <a:t>status of the system, meaning our core starts looking for trigger rise.</a:t>
             </a:r>
             <a:endParaRPr lang="he-IL" sz="2400" dirty="0"/>
           </a:p>
@@ -34303,7 +34060,7 @@
         </p:nvSpPr>
         <p:spPr>
           <a:xfrm>
-            <a:off x="539552" y="1196752"/>
+            <a:off x="485804" y="1214422"/>
             <a:ext cx="8229600" cy="2043113"/>
           </a:xfrm>
           <a:prstGeom prst="rect">
@@ -34782,9 +34539,6 @@
                     <p:cTn id="3" fill="hold">
                       <p:stCondLst>
                         <p:cond delay="indefinite"/>
-                        <p:cond evt="onBegin" delay="0">
-                          <p:tn val="2"/>
-                        </p:cond>
                       </p:stCondLst>
                       <p:childTnLst>
                         <p:par>
@@ -34794,105 +34548,14 @@
                             </p:stCondLst>
                             <p:childTnLst>
                               <p:par>
-                                <p:cTn id="5" presetID="2" presetClass="entr" presetSubtype="4" fill="hold" nodeType="afterEffect">
-                                  <p:stCondLst>
-                                    <p:cond delay="500"/>
-                                  </p:stCondLst>
-                                  <p:childTnLst>
-                                    <p:set>
-                                      <p:cBhvr>
-                                        <p:cTn id="6" dur="1" fill="hold">
-                                          <p:stCondLst>
-                                            <p:cond delay="0"/>
-                                          </p:stCondLst>
-                                        </p:cTn>
-                                        <p:tgtEl>
-                                          <p:spTgt spid="2050"/>
-                                        </p:tgtEl>
-                                        <p:attrNameLst>
-                                          <p:attrName>style.visibility</p:attrName>
-                                        </p:attrNameLst>
-                                      </p:cBhvr>
-                                      <p:to>
-                                        <p:strVal val="visible"/>
-                                      </p:to>
-                                    </p:set>
-                                    <p:anim calcmode="lin" valueType="num">
-                                      <p:cBhvr additive="base">
-                                        <p:cTn id="7" dur="500" fill="hold"/>
-                                        <p:tgtEl>
-                                          <p:spTgt spid="2050"/>
-                                        </p:tgtEl>
-                                        <p:attrNameLst>
-                                          <p:attrName>ppt_x</p:attrName>
-                                        </p:attrNameLst>
-                                      </p:cBhvr>
-                                      <p:tavLst>
-                                        <p:tav tm="0">
-                                          <p:val>
-                                            <p:strVal val="#ppt_x"/>
-                                          </p:val>
-                                        </p:tav>
-                                        <p:tav tm="100000">
-                                          <p:val>
-                                            <p:strVal val="#ppt_x"/>
-                                          </p:val>
-                                        </p:tav>
-                                      </p:tavLst>
-                                    </p:anim>
-                                    <p:anim calcmode="lin" valueType="num">
-                                      <p:cBhvr additive="base">
-                                        <p:cTn id="8" dur="500" fill="hold"/>
-                                        <p:tgtEl>
-                                          <p:spTgt spid="2050"/>
-                                        </p:tgtEl>
-                                        <p:attrNameLst>
-                                          <p:attrName>ppt_y</p:attrName>
-                                        </p:attrNameLst>
-                                      </p:cBhvr>
-                                      <p:tavLst>
-                                        <p:tav tm="0">
-                                          <p:val>
-                                            <p:strVal val="1+#ppt_h/2"/>
-                                          </p:val>
-                                        </p:tav>
-                                        <p:tav tm="100000">
-                                          <p:val>
-                                            <p:strVal val="#ppt_y"/>
-                                          </p:val>
-                                        </p:tav>
-                                      </p:tavLst>
-                                    </p:anim>
-                                  </p:childTnLst>
-                                </p:cTn>
-                              </p:par>
-                            </p:childTnLst>
-                          </p:cTn>
-                        </p:par>
-                      </p:childTnLst>
-                    </p:cTn>
-                  </p:par>
-                  <p:par>
-                    <p:cTn id="9" fill="hold">
-                      <p:stCondLst>
-                        <p:cond delay="indefinite"/>
-                      </p:stCondLst>
-                      <p:childTnLst>
-                        <p:par>
-                          <p:cTn id="10" fill="hold">
-                            <p:stCondLst>
-                              <p:cond delay="0"/>
-                            </p:stCondLst>
-                            <p:childTnLst>
-                              <p:par>
-                                <p:cTn id="11" presetID="1" presetClass="entr" presetSubtype="0" fill="hold" grpId="0" nodeType="clickEffect">
+                                <p:cTn id="5" presetID="1" presetClass="entr" presetSubtype="0" fill="hold" grpId="0" nodeType="clickEffect">
                                   <p:stCondLst>
                                     <p:cond delay="0"/>
                                   </p:stCondLst>
                                   <p:childTnLst>
                                     <p:set>
                                       <p:cBhvr>
-                                        <p:cTn id="12" dur="1" fill="hold">
+                                        <p:cTn id="6" dur="1" fill="hold">
                                           <p:stCondLst>
                                             <p:cond delay="0"/>
                                           </p:stCondLst>
@@ -34922,26 +34585,26 @@
                     </p:cTn>
                   </p:par>
                   <p:par>
-                    <p:cTn id="13" fill="hold">
+                    <p:cTn id="7" fill="hold">
                       <p:stCondLst>
                         <p:cond delay="indefinite"/>
                       </p:stCondLst>
                       <p:childTnLst>
                         <p:par>
-                          <p:cTn id="14" fill="hold">
+                          <p:cTn id="8" fill="hold">
                             <p:stCondLst>
                               <p:cond delay="0"/>
                             </p:stCondLst>
                             <p:childTnLst>
                               <p:par>
-                                <p:cTn id="15" presetID="1" presetClass="entr" presetSubtype="0" fill="hold" grpId="0" nodeType="clickEffect">
+                                <p:cTn id="9" presetID="1" presetClass="entr" presetSubtype="0" fill="hold" grpId="0" nodeType="clickEffect">
                                   <p:stCondLst>
                                     <p:cond delay="0"/>
                                   </p:stCondLst>
                                   <p:childTnLst>
                                     <p:set>
                                       <p:cBhvr>
-                                        <p:cTn id="16" dur="1" fill="hold">
+                                        <p:cTn id="10" dur="1" fill="hold">
                                           <p:stCondLst>
                                             <p:cond delay="0"/>
                                           </p:stCondLst>
@@ -34971,26 +34634,26 @@
                     </p:cTn>
                   </p:par>
                   <p:par>
-                    <p:cTn id="17" fill="hold">
+                    <p:cTn id="11" fill="hold">
                       <p:stCondLst>
                         <p:cond delay="indefinite"/>
                       </p:stCondLst>
                       <p:childTnLst>
                         <p:par>
-                          <p:cTn id="18" fill="hold">
+                          <p:cTn id="12" fill="hold">
                             <p:stCondLst>
                               <p:cond delay="0"/>
                             </p:stCondLst>
                             <p:childTnLst>
                               <p:par>
-                                <p:cTn id="19" presetID="1" presetClass="entr" presetSubtype="0" fill="hold" grpId="0" nodeType="clickEffect">
+                                <p:cTn id="13" presetID="1" presetClass="entr" presetSubtype="0" fill="hold" grpId="0" nodeType="clickEffect">
                                   <p:stCondLst>
                                     <p:cond delay="0"/>
                                   </p:stCondLst>
                                   <p:childTnLst>
                                     <p:set>
                                       <p:cBhvr>
-                                        <p:cTn id="20" dur="1" fill="hold">
+                                        <p:cTn id="14" dur="1" fill="hold">
                                           <p:stCondLst>
                                             <p:cond delay="0"/>
                                           </p:stCondLst>
@@ -35020,26 +34683,26 @@
                     </p:cTn>
                   </p:par>
                   <p:par>
-                    <p:cTn id="21" fill="hold">
+                    <p:cTn id="15" fill="hold">
                       <p:stCondLst>
                         <p:cond delay="indefinite"/>
                       </p:stCondLst>
                       <p:childTnLst>
                         <p:par>
-                          <p:cTn id="22" fill="hold">
+                          <p:cTn id="16" fill="hold">
                             <p:stCondLst>
                               <p:cond delay="0"/>
                             </p:stCondLst>
                             <p:childTnLst>
                               <p:par>
-                                <p:cTn id="23" presetID="1" presetClass="entr" presetSubtype="0" fill="hold" grpId="0" nodeType="clickEffect">
+                                <p:cTn id="17" presetID="1" presetClass="entr" presetSubtype="0" fill="hold" grpId="0" nodeType="clickEffect">
                                   <p:stCondLst>
                                     <p:cond delay="0"/>
                                   </p:stCondLst>
                                   <p:childTnLst>
                                     <p:set>
                                       <p:cBhvr>
-                                        <p:cTn id="24" dur="1" fill="hold">
+                                        <p:cTn id="18" dur="1" fill="hold">
                                           <p:stCondLst>
                                             <p:cond delay="0"/>
                                           </p:stCondLst>
@@ -35069,26 +34732,75 @@
                     </p:cTn>
                   </p:par>
                   <p:par>
-                    <p:cTn id="25" fill="hold">
+                    <p:cTn id="19" fill="hold">
                       <p:stCondLst>
                         <p:cond delay="indefinite"/>
                       </p:stCondLst>
                       <p:childTnLst>
                         <p:par>
-                          <p:cTn id="26" fill="hold">
+                          <p:cTn id="20" fill="hold">
                             <p:stCondLst>
                               <p:cond delay="0"/>
                             </p:stCondLst>
                             <p:childTnLst>
                               <p:par>
-                                <p:cTn id="27" presetID="2" presetClass="exit" presetSubtype="4" fill="hold" nodeType="clickEffect">
+                                <p:cTn id="21" presetID="1" presetClass="entr" presetSubtype="0" fill="hold" grpId="0" nodeType="clickEffect">
+                                  <p:stCondLst>
+                                    <p:cond delay="0"/>
+                                  </p:stCondLst>
+                                  <p:childTnLst>
+                                    <p:set>
+                                      <p:cBhvr>
+                                        <p:cTn id="22" dur="1" fill="hold">
+                                          <p:stCondLst>
+                                            <p:cond delay="0"/>
+                                          </p:stCondLst>
+                                        </p:cTn>
+                                        <p:tgtEl>
+                                          <p:spTgt spid="3">
+                                            <p:txEl>
+                                              <p:pRg st="4" end="4"/>
+                                            </p:txEl>
+                                          </p:spTgt>
+                                        </p:tgtEl>
+                                        <p:attrNameLst>
+                                          <p:attrName>style.visibility</p:attrName>
+                                        </p:attrNameLst>
+                                      </p:cBhvr>
+                                      <p:to>
+                                        <p:strVal val="visible"/>
+                                      </p:to>
+                                    </p:set>
+                                  </p:childTnLst>
+                                </p:cTn>
+                              </p:par>
+                            </p:childTnLst>
+                          </p:cTn>
+                        </p:par>
+                      </p:childTnLst>
+                    </p:cTn>
+                  </p:par>
+                  <p:par>
+                    <p:cTn id="23" fill="hold">
+                      <p:stCondLst>
+                        <p:cond delay="indefinite"/>
+                      </p:stCondLst>
+                      <p:childTnLst>
+                        <p:par>
+                          <p:cTn id="24" fill="hold">
+                            <p:stCondLst>
+                              <p:cond delay="0"/>
+                            </p:stCondLst>
+                            <p:childTnLst>
+                              <p:par>
+                                <p:cTn id="25" presetID="2" presetClass="exit" presetSubtype="4" fill="hold" nodeType="clickEffect">
                                   <p:stCondLst>
                                     <p:cond delay="0"/>
                                   </p:stCondLst>
                                   <p:childTnLst>
                                     <p:anim calcmode="lin" valueType="num">
                                       <p:cBhvr additive="base">
-                                        <p:cTn id="28" dur="500"/>
+                                        <p:cTn id="26" dur="500"/>
                                         <p:tgtEl>
                                           <p:spTgt spid="3">
                                             <p:txEl>
@@ -35115,7 +34827,7 @@
                                     </p:anim>
                                     <p:anim calcmode="lin" valueType="num">
                                       <p:cBhvr additive="base">
-                                        <p:cTn id="29" dur="500"/>
+                                        <p:cTn id="27" dur="500"/>
                                         <p:tgtEl>
                                           <p:spTgt spid="3">
                                             <p:txEl>
@@ -35142,7 +34854,7 @@
                                     </p:anim>
                                     <p:set>
                                       <p:cBhvr>
-                                        <p:cTn id="30" dur="1" fill="hold">
+                                        <p:cTn id="28" dur="1" fill="hold">
                                           <p:stCondLst>
                                             <p:cond delay="499"/>
                                           </p:stCondLst>
@@ -35166,14 +34878,14 @@
                                 </p:cTn>
                               </p:par>
                               <p:par>
-                                <p:cTn id="31" presetID="2" presetClass="exit" presetSubtype="4" fill="hold" nodeType="withEffect">
+                                <p:cTn id="29" presetID="2" presetClass="exit" presetSubtype="4" fill="hold" nodeType="withEffect">
                                   <p:stCondLst>
                                     <p:cond delay="0"/>
                                   </p:stCondLst>
                                   <p:childTnLst>
                                     <p:anim calcmode="lin" valueType="num">
                                       <p:cBhvr additive="base">
-                                        <p:cTn id="32" dur="500"/>
+                                        <p:cTn id="30" dur="500"/>
                                         <p:tgtEl>
                                           <p:spTgt spid="3">
                                             <p:txEl>
@@ -35200,7 +34912,7 @@
                                     </p:anim>
                                     <p:anim calcmode="lin" valueType="num">
                                       <p:cBhvr additive="base">
-                                        <p:cTn id="33" dur="500"/>
+                                        <p:cTn id="31" dur="500"/>
                                         <p:tgtEl>
                                           <p:spTgt spid="3">
                                             <p:txEl>
@@ -35227,7 +34939,7 @@
                                     </p:anim>
                                     <p:set>
                                       <p:cBhvr>
-                                        <p:cTn id="34" dur="1" fill="hold">
+                                        <p:cTn id="32" dur="1" fill="hold">
                                           <p:stCondLst>
                                             <p:cond delay="499"/>
                                           </p:stCondLst>
@@ -35251,14 +34963,14 @@
                                 </p:cTn>
                               </p:par>
                               <p:par>
-                                <p:cTn id="35" presetID="2" presetClass="exit" presetSubtype="4" fill="hold" nodeType="withEffect">
+                                <p:cTn id="33" presetID="2" presetClass="exit" presetSubtype="4" fill="hold" nodeType="withEffect">
                                   <p:stCondLst>
                                     <p:cond delay="0"/>
                                   </p:stCondLst>
                                   <p:childTnLst>
                                     <p:anim calcmode="lin" valueType="num">
                                       <p:cBhvr additive="base">
-                                        <p:cTn id="36" dur="500"/>
+                                        <p:cTn id="34" dur="500"/>
                                         <p:tgtEl>
                                           <p:spTgt spid="3">
                                             <p:txEl>
@@ -35285,7 +34997,7 @@
                                     </p:anim>
                                     <p:anim calcmode="lin" valueType="num">
                                       <p:cBhvr additive="base">
-                                        <p:cTn id="37" dur="500"/>
+                                        <p:cTn id="35" dur="500"/>
                                         <p:tgtEl>
                                           <p:spTgt spid="3">
                                             <p:txEl>
@@ -35312,7 +35024,7 @@
                                     </p:anim>
                                     <p:set>
                                       <p:cBhvr>
-                                        <p:cTn id="38" dur="1" fill="hold">
+                                        <p:cTn id="36" dur="1" fill="hold">
                                           <p:stCondLst>
                                             <p:cond delay="499"/>
                                           </p:stCondLst>
@@ -35336,14 +35048,14 @@
                                 </p:cTn>
                               </p:par>
                               <p:par>
-                                <p:cTn id="39" presetID="2" presetClass="exit" presetSubtype="4" fill="hold" nodeType="withEffect">
+                                <p:cTn id="37" presetID="2" presetClass="exit" presetSubtype="4" fill="hold" nodeType="withEffect">
                                   <p:stCondLst>
                                     <p:cond delay="0"/>
                                   </p:stCondLst>
                                   <p:childTnLst>
                                     <p:anim calcmode="lin" valueType="num">
                                       <p:cBhvr additive="base">
-                                        <p:cTn id="40" dur="500"/>
+                                        <p:cTn id="38" dur="500"/>
                                         <p:tgtEl>
                                           <p:spTgt spid="3">
                                             <p:txEl>
@@ -35370,7 +35082,7 @@
                                     </p:anim>
                                     <p:anim calcmode="lin" valueType="num">
                                       <p:cBhvr additive="base">
-                                        <p:cTn id="41" dur="500"/>
+                                        <p:cTn id="39" dur="500"/>
                                         <p:tgtEl>
                                           <p:spTgt spid="3">
                                             <p:txEl>
@@ -35397,7 +35109,7 @@
                                     </p:anim>
                                     <p:set>
                                       <p:cBhvr>
-                                        <p:cTn id="42" dur="1" fill="hold">
+                                        <p:cTn id="40" dur="1" fill="hold">
                                           <p:stCondLst>
                                             <p:cond delay="499"/>
                                           </p:stCondLst>
@@ -35408,6 +35120,483 @@
                                               <p:pRg st="3" end="3"/>
                                             </p:txEl>
                                           </p:spTgt>
+                                        </p:tgtEl>
+                                        <p:attrNameLst>
+                                          <p:attrName>style.visibility</p:attrName>
+                                        </p:attrNameLst>
+                                      </p:cBhvr>
+                                      <p:to>
+                                        <p:strVal val="hidden"/>
+                                      </p:to>
+                                    </p:set>
+                                  </p:childTnLst>
+                                </p:cTn>
+                              </p:par>
+                              <p:par>
+                                <p:cTn id="41" presetID="2" presetClass="exit" presetSubtype="4" fill="hold" nodeType="withEffect">
+                                  <p:stCondLst>
+                                    <p:cond delay="0"/>
+                                  </p:stCondLst>
+                                  <p:childTnLst>
+                                    <p:anim calcmode="lin" valueType="num">
+                                      <p:cBhvr additive="base">
+                                        <p:cTn id="42" dur="500"/>
+                                        <p:tgtEl>
+                                          <p:spTgt spid="3">
+                                            <p:txEl>
+                                              <p:pRg st="4" end="4"/>
+                                            </p:txEl>
+                                          </p:spTgt>
+                                        </p:tgtEl>
+                                        <p:attrNameLst>
+                                          <p:attrName>ppt_x</p:attrName>
+                                        </p:attrNameLst>
+                                      </p:cBhvr>
+                                      <p:tavLst>
+                                        <p:tav tm="0">
+                                          <p:val>
+                                            <p:strVal val="ppt_x"/>
+                                          </p:val>
+                                        </p:tav>
+                                        <p:tav tm="100000">
+                                          <p:val>
+                                            <p:strVal val="ppt_x"/>
+                                          </p:val>
+                                        </p:tav>
+                                      </p:tavLst>
+                                    </p:anim>
+                                    <p:anim calcmode="lin" valueType="num">
+                                      <p:cBhvr additive="base">
+                                        <p:cTn id="43" dur="500"/>
+                                        <p:tgtEl>
+                                          <p:spTgt spid="3">
+                                            <p:txEl>
+                                              <p:pRg st="4" end="4"/>
+                                            </p:txEl>
+                                          </p:spTgt>
+                                        </p:tgtEl>
+                                        <p:attrNameLst>
+                                          <p:attrName>ppt_y</p:attrName>
+                                        </p:attrNameLst>
+                                      </p:cBhvr>
+                                      <p:tavLst>
+                                        <p:tav tm="0">
+                                          <p:val>
+                                            <p:strVal val="ppt_y"/>
+                                          </p:val>
+                                        </p:tav>
+                                        <p:tav tm="100000">
+                                          <p:val>
+                                            <p:strVal val="1+ppt_h/2"/>
+                                          </p:val>
+                                        </p:tav>
+                                      </p:tavLst>
+                                    </p:anim>
+                                    <p:set>
+                                      <p:cBhvr>
+                                        <p:cTn id="44" dur="1" fill="hold">
+                                          <p:stCondLst>
+                                            <p:cond delay="499"/>
+                                          </p:stCondLst>
+                                        </p:cTn>
+                                        <p:tgtEl>
+                                          <p:spTgt spid="3">
+                                            <p:txEl>
+                                              <p:pRg st="4" end="4"/>
+                                            </p:txEl>
+                                          </p:spTgt>
+                                        </p:tgtEl>
+                                        <p:attrNameLst>
+                                          <p:attrName>style.visibility</p:attrName>
+                                        </p:attrNameLst>
+                                      </p:cBhvr>
+                                      <p:to>
+                                        <p:strVal val="hidden"/>
+                                      </p:to>
+                                    </p:set>
+                                  </p:childTnLst>
+                                </p:cTn>
+                              </p:par>
+                              <p:par>
+                                <p:cTn id="45" presetID="4" presetClass="entr" presetSubtype="16" fill="hold" nodeType="withEffect">
+                                  <p:stCondLst>
+                                    <p:cond delay="0"/>
+                                  </p:stCondLst>
+                                  <p:childTnLst>
+                                    <p:set>
+                                      <p:cBhvr>
+                                        <p:cTn id="46" dur="1" fill="hold">
+                                          <p:stCondLst>
+                                            <p:cond delay="0"/>
+                                          </p:stCondLst>
+                                        </p:cTn>
+                                        <p:tgtEl>
+                                          <p:spTgt spid="6146"/>
+                                        </p:tgtEl>
+                                        <p:attrNameLst>
+                                          <p:attrName>style.visibility</p:attrName>
+                                        </p:attrNameLst>
+                                      </p:cBhvr>
+                                      <p:to>
+                                        <p:strVal val="visible"/>
+                                      </p:to>
+                                    </p:set>
+                                    <p:animEffect transition="in" filter="box(in)">
+                                      <p:cBhvr>
+                                        <p:cTn id="47" dur="500"/>
+                                        <p:tgtEl>
+                                          <p:spTgt spid="6146"/>
+                                        </p:tgtEl>
+                                      </p:cBhvr>
+                                    </p:animEffect>
+                                  </p:childTnLst>
+                                </p:cTn>
+                              </p:par>
+                              <p:par>
+                                <p:cTn id="48" presetID="1" presetClass="entr" presetSubtype="0" fill="hold" nodeType="withEffect">
+                                  <p:stCondLst>
+                                    <p:cond delay="0"/>
+                                  </p:stCondLst>
+                                  <p:childTnLst>
+                                    <p:set>
+                                      <p:cBhvr>
+                                        <p:cTn id="49" dur="1" fill="hold">
+                                          <p:stCondLst>
+                                            <p:cond delay="0"/>
+                                          </p:stCondLst>
+                                        </p:cTn>
+                                        <p:tgtEl>
+                                          <p:spTgt spid="5">
+                                            <p:txEl>
+                                              <p:pRg st="0" end="0"/>
+                                            </p:txEl>
+                                          </p:spTgt>
+                                        </p:tgtEl>
+                                        <p:attrNameLst>
+                                          <p:attrName>style.visibility</p:attrName>
+                                        </p:attrNameLst>
+                                      </p:cBhvr>
+                                      <p:to>
+                                        <p:strVal val="visible"/>
+                                      </p:to>
+                                    </p:set>
+                                  </p:childTnLst>
+                                </p:cTn>
+                              </p:par>
+                            </p:childTnLst>
+                          </p:cTn>
+                        </p:par>
+                      </p:childTnLst>
+                    </p:cTn>
+                  </p:par>
+                  <p:par>
+                    <p:cTn id="50" fill="hold">
+                      <p:stCondLst>
+                        <p:cond delay="indefinite"/>
+                      </p:stCondLst>
+                      <p:childTnLst>
+                        <p:par>
+                          <p:cTn id="51" fill="hold">
+                            <p:stCondLst>
+                              <p:cond delay="0"/>
+                            </p:stCondLst>
+                            <p:childTnLst>
+                              <p:par>
+                                <p:cTn id="52" presetID="4" presetClass="entr" presetSubtype="16" fill="hold" grpId="0" nodeType="clickEffect">
+                                  <p:stCondLst>
+                                    <p:cond delay="0"/>
+                                  </p:stCondLst>
+                                  <p:childTnLst>
+                                    <p:set>
+                                      <p:cBhvr>
+                                        <p:cTn id="53" dur="1" fill="hold">
+                                          <p:stCondLst>
+                                            <p:cond delay="0"/>
+                                          </p:stCondLst>
+                                        </p:cTn>
+                                        <p:tgtEl>
+                                          <p:spTgt spid="6"/>
+                                        </p:tgtEl>
+                                        <p:attrNameLst>
+                                          <p:attrName>style.visibility</p:attrName>
+                                        </p:attrNameLst>
+                                      </p:cBhvr>
+                                      <p:to>
+                                        <p:strVal val="visible"/>
+                                      </p:to>
+                                    </p:set>
+                                    <p:animEffect transition="in" filter="box(in)">
+                                      <p:cBhvr>
+                                        <p:cTn id="54" dur="500"/>
+                                        <p:tgtEl>
+                                          <p:spTgt spid="6"/>
+                                        </p:tgtEl>
+                                      </p:cBhvr>
+                                    </p:animEffect>
+                                  </p:childTnLst>
+                                </p:cTn>
+                              </p:par>
+                            </p:childTnLst>
+                          </p:cTn>
+                        </p:par>
+                        <p:par>
+                          <p:cTn id="55" fill="hold">
+                            <p:stCondLst>
+                              <p:cond delay="500"/>
+                            </p:stCondLst>
+                            <p:childTnLst>
+                              <p:par>
+                                <p:cTn id="56" presetID="4" presetClass="entr" presetSubtype="16" fill="hold" grpId="0" nodeType="afterEffect">
+                                  <p:stCondLst>
+                                    <p:cond delay="1000"/>
+                                  </p:stCondLst>
+                                  <p:childTnLst>
+                                    <p:set>
+                                      <p:cBhvr>
+                                        <p:cTn id="57" dur="1" fill="hold">
+                                          <p:stCondLst>
+                                            <p:cond delay="0"/>
+                                          </p:stCondLst>
+                                        </p:cTn>
+                                        <p:tgtEl>
+                                          <p:spTgt spid="7"/>
+                                        </p:tgtEl>
+                                        <p:attrNameLst>
+                                          <p:attrName>style.visibility</p:attrName>
+                                        </p:attrNameLst>
+                                      </p:cBhvr>
+                                      <p:to>
+                                        <p:strVal val="visible"/>
+                                      </p:to>
+                                    </p:set>
+                                    <p:animEffect transition="in" filter="box(in)">
+                                      <p:cBhvr>
+                                        <p:cTn id="58" dur="500"/>
+                                        <p:tgtEl>
+                                          <p:spTgt spid="7"/>
+                                        </p:tgtEl>
+                                      </p:cBhvr>
+                                    </p:animEffect>
+                                  </p:childTnLst>
+                                </p:cTn>
+                              </p:par>
+                            </p:childTnLst>
+                          </p:cTn>
+                        </p:par>
+                        <p:par>
+                          <p:cTn id="59" fill="hold">
+                            <p:stCondLst>
+                              <p:cond delay="2000"/>
+                            </p:stCondLst>
+                            <p:childTnLst>
+                              <p:par>
+                                <p:cTn id="60" presetID="0" presetClass="path" presetSubtype="0" accel="50000" decel="50000" fill="hold" grpId="1" nodeType="afterEffect">
+                                  <p:stCondLst>
+                                    <p:cond delay="500"/>
+                                  </p:stCondLst>
+                                  <p:childTnLst>
+                                    <p:animMotion origin="layout" path="M 2.5E-6 0.00023 C 0.01632 0.0074 0.04757 -0.00301 0.06528 -0.00509 C 0.07257 -0.0081 0.08194 -0.00393 0.08889 -0.00116 C 0.09305 0.00671 0.09288 0.01504 0.09444 0.02429 C 0.09531 0.04557 0.0967 0.06292 0.09444 0.0842 C 0.09514 0.09507 0.09618 0.10641 0.0967 0.11728 C 0.09739 0.13278 0.09409 0.14943 0.09878 0.16401 C 0.09982 0.16678 0.10347 0.16632 0.10555 0.16817 C 0.12205 0.16609 0.13698 0.16377 0.15347 0.16817 C 0.15729 0.16701 0.16475 0.16539 0.16475 0.16563 " pathEditMode="relative" rAng="0" ptsTypes="fffffffffA">
+                                      <p:cBhvr>
+                                        <p:cTn id="61" dur="2000" fill="hold"/>
+                                        <p:tgtEl>
+                                          <p:spTgt spid="7"/>
+                                        </p:tgtEl>
+                                        <p:attrNameLst>
+                                          <p:attrName>ppt_x</p:attrName>
+                                          <p:attrName>ppt_y</p:attrName>
+                                        </p:attrNameLst>
+                                      </p:cBhvr>
+                                      <p:rCtr x="82" y="80"/>
+                                    </p:animMotion>
+                                  </p:childTnLst>
+                                </p:cTn>
+                              </p:par>
+                            </p:childTnLst>
+                          </p:cTn>
+                        </p:par>
+                        <p:par>
+                          <p:cTn id="62" fill="hold">
+                            <p:stCondLst>
+                              <p:cond delay="4500"/>
+                            </p:stCondLst>
+                            <p:childTnLst>
+                              <p:par>
+                                <p:cTn id="63" presetID="4" presetClass="exit" presetSubtype="16" fill="hold" grpId="1" nodeType="afterEffect">
+                                  <p:stCondLst>
+                                    <p:cond delay="0"/>
+                                  </p:stCondLst>
+                                  <p:childTnLst>
+                                    <p:animEffect transition="out" filter="box(in)">
+                                      <p:cBhvr>
+                                        <p:cTn id="64" dur="500"/>
+                                        <p:tgtEl>
+                                          <p:spTgt spid="6"/>
+                                        </p:tgtEl>
+                                      </p:cBhvr>
+                                    </p:animEffect>
+                                    <p:set>
+                                      <p:cBhvr>
+                                        <p:cTn id="65" dur="1" fill="hold">
+                                          <p:stCondLst>
+                                            <p:cond delay="499"/>
+                                          </p:stCondLst>
+                                        </p:cTn>
+                                        <p:tgtEl>
+                                          <p:spTgt spid="6"/>
+                                        </p:tgtEl>
+                                        <p:attrNameLst>
+                                          <p:attrName>style.visibility</p:attrName>
+                                        </p:attrNameLst>
+                                      </p:cBhvr>
+                                      <p:to>
+                                        <p:strVal val="hidden"/>
+                                      </p:to>
+                                    </p:set>
+                                  </p:childTnLst>
+                                </p:cTn>
+                              </p:par>
+                              <p:par>
+                                <p:cTn id="66" presetID="4" presetClass="entr" presetSubtype="16" fill="hold" grpId="0" nodeType="withEffect">
+                                  <p:stCondLst>
+                                    <p:cond delay="0"/>
+                                  </p:stCondLst>
+                                  <p:childTnLst>
+                                    <p:set>
+                                      <p:cBhvr>
+                                        <p:cTn id="67" dur="1" fill="hold">
+                                          <p:stCondLst>
+                                            <p:cond delay="0"/>
+                                          </p:stCondLst>
+                                        </p:cTn>
+                                        <p:tgtEl>
+                                          <p:spTgt spid="8"/>
+                                        </p:tgtEl>
+                                        <p:attrNameLst>
+                                          <p:attrName>style.visibility</p:attrName>
+                                        </p:attrNameLst>
+                                      </p:cBhvr>
+                                      <p:to>
+                                        <p:strVal val="visible"/>
+                                      </p:to>
+                                    </p:set>
+                                    <p:animEffect transition="in" filter="box(in)">
+                                      <p:cBhvr>
+                                        <p:cTn id="68" dur="500"/>
+                                        <p:tgtEl>
+                                          <p:spTgt spid="8"/>
+                                        </p:tgtEl>
+                                      </p:cBhvr>
+                                    </p:animEffect>
+                                  </p:childTnLst>
+                                </p:cTn>
+                              </p:par>
+                            </p:childTnLst>
+                          </p:cTn>
+                        </p:par>
+                        <p:par>
+                          <p:cTn id="69" fill="hold">
+                            <p:stCondLst>
+                              <p:cond delay="5000"/>
+                            </p:stCondLst>
+                            <p:childTnLst>
+                              <p:par>
+                                <p:cTn id="70" presetID="4" presetClass="entr" presetSubtype="16" fill="hold" grpId="0" nodeType="afterEffect">
+                                  <p:stCondLst>
+                                    <p:cond delay="1000"/>
+                                  </p:stCondLst>
+                                  <p:childTnLst>
+                                    <p:set>
+                                      <p:cBhvr>
+                                        <p:cTn id="71" dur="1" fill="hold">
+                                          <p:stCondLst>
+                                            <p:cond delay="0"/>
+                                          </p:stCondLst>
+                                        </p:cTn>
+                                        <p:tgtEl>
+                                          <p:spTgt spid="10"/>
+                                        </p:tgtEl>
+                                        <p:attrNameLst>
+                                          <p:attrName>style.visibility</p:attrName>
+                                        </p:attrNameLst>
+                                      </p:cBhvr>
+                                      <p:to>
+                                        <p:strVal val="visible"/>
+                                      </p:to>
+                                    </p:set>
+                                    <p:animEffect transition="in" filter="box(in)">
+                                      <p:cBhvr>
+                                        <p:cTn id="72" dur="500"/>
+                                        <p:tgtEl>
+                                          <p:spTgt spid="10"/>
+                                        </p:tgtEl>
+                                      </p:cBhvr>
+                                    </p:animEffect>
+                                  </p:childTnLst>
+                                </p:cTn>
+                              </p:par>
+                            </p:childTnLst>
+                          </p:cTn>
+                        </p:par>
+                        <p:par>
+                          <p:cTn id="73" fill="hold">
+                            <p:stCondLst>
+                              <p:cond delay="6500"/>
+                            </p:stCondLst>
+                            <p:childTnLst>
+                              <p:par>
+                                <p:cTn id="74" presetID="0" presetClass="path" presetSubtype="0" accel="50000" decel="50000" fill="hold" grpId="1" nodeType="afterEffect">
+                                  <p:stCondLst>
+                                    <p:cond delay="500"/>
+                                  </p:stCondLst>
+                                  <p:childTnLst>
+                                    <p:animMotion origin="layout" path="M 5E-6 -1.74879E-6 C 0.00869 0.00162 0.0165 0.0037 0.02535 0.00463 C 0.03698 0.00717 0.0474 0.00787 0.05938 0.00856 C 0.08299 0.01249 0.10504 0.01504 0.129 0.01596 C 0.12709 0.02892 0.12431 0.03771 0.12709 0.05043 C 0.12709 0.05066 0.12865 0.05876 0.129 0.05922 C 0.13073 0.06176 0.13351 0.0613 0.1356 0.062 C 0.1599 0.05598 0.18473 0.06361 0.20903 0.06593 C 0.21407 0.06477 0.2191 0.06431 0.22414 0.06292 C 0.22535 0.06246 0.22761 0.05876 0.22796 0.06061 C 0.22969 0.06986 0.2283 0.08004 0.22882 0.08975 C 0.22952 0.1034 0.23143 0.11774 0.23264 0.13162 C 0.23299 0.14296 0.23056 0.15499 0.23351 0.16586 C 0.23455 0.16956 0.23924 0.16655 0.24202 0.16702 C 0.25816 0.16956 0.25365 0.1684 0.27501 0.1684 " pathEditMode="relative" rAng="0" ptsTypes="ffffffffffffffA">
+                                      <p:cBhvr>
+                                        <p:cTn id="75" dur="2000" fill="hold"/>
+                                        <p:tgtEl>
+                                          <p:spTgt spid="10"/>
+                                        </p:tgtEl>
+                                        <p:attrNameLst>
+                                          <p:attrName>ppt_x</p:attrName>
+                                          <p:attrName>ppt_y</p:attrName>
+                                        </p:attrNameLst>
+                                      </p:cBhvr>
+                                      <p:rCtr x="138" y="85"/>
+                                    </p:animMotion>
+                                  </p:childTnLst>
+                                </p:cTn>
+                              </p:par>
+                            </p:childTnLst>
+                          </p:cTn>
+                        </p:par>
+                        <p:par>
+                          <p:cTn id="76" fill="hold">
+                            <p:stCondLst>
+                              <p:cond delay="9000"/>
+                            </p:stCondLst>
+                            <p:childTnLst>
+                              <p:par>
+                                <p:cTn id="77" presetID="4" presetClass="exit" presetSubtype="16" fill="hold" grpId="1" nodeType="afterEffect">
+                                  <p:stCondLst>
+                                    <p:cond delay="0"/>
+                                  </p:stCondLst>
+                                  <p:childTnLst>
+                                    <p:animEffect transition="out" filter="box(in)">
+                                      <p:cBhvr>
+                                        <p:cTn id="78" dur="500"/>
+                                        <p:tgtEl>
+                                          <p:spTgt spid="8"/>
+                                        </p:tgtEl>
+                                      </p:cBhvr>
+                                    </p:animEffect>
+                                    <p:set>
+                                      <p:cBhvr>
+                                        <p:cTn id="79" dur="1" fill="hold">
+                                          <p:stCondLst>
+                                            <p:cond delay="499"/>
+                                          </p:stCondLst>
+                                        </p:cTn>
+                                        <p:tgtEl>
+                                          <p:spTgt spid="8"/>
                                         </p:tgtEl>
                                         <p:attrNameLst>
                                           <p:attrName>style.visibility</p:attrName>
@@ -35427,26 +35616,26 @@
                     </p:cTn>
                   </p:par>
                   <p:par>
-                    <p:cTn id="43" fill="hold">
+                    <p:cTn id="80" fill="hold">
                       <p:stCondLst>
                         <p:cond delay="indefinite"/>
                       </p:stCondLst>
                       <p:childTnLst>
                         <p:par>
-                          <p:cTn id="44" fill="hold">
+                          <p:cTn id="81" fill="hold">
                             <p:stCondLst>
                               <p:cond delay="0"/>
                             </p:stCondLst>
                             <p:childTnLst>
                               <p:par>
-                                <p:cTn id="45" presetID="1" presetClass="entr" presetSubtype="0" fill="hold" nodeType="clickEffect">
+                                <p:cTn id="82" presetID="1" presetClass="entr" presetSubtype="0" fill="hold" nodeType="clickEffect">
                                   <p:stCondLst>
                                     <p:cond delay="0"/>
                                   </p:stCondLst>
                                   <p:childTnLst>
                                     <p:set>
                                       <p:cBhvr>
-                                        <p:cTn id="46" dur="1" fill="hold">
+                                        <p:cTn id="83" dur="1" fill="hold">
                                           <p:stCondLst>
                                             <p:cond delay="0"/>
                                           </p:stCondLst>
@@ -35454,7 +35643,7 @@
                                         <p:tgtEl>
                                           <p:spTgt spid="5">
                                             <p:txEl>
-                                              <p:pRg st="0" end="0"/>
+                                              <p:pRg st="1" end="1"/>
                                             </p:txEl>
                                           </p:spTgt>
                                         </p:tgtEl>
@@ -35469,39 +35658,21 @@
                                   </p:childTnLst>
                                 </p:cTn>
                               </p:par>
-                            </p:childTnLst>
-                          </p:cTn>
-                        </p:par>
-                      </p:childTnLst>
-                    </p:cTn>
-                  </p:par>
-                  <p:par>
-                    <p:cTn id="47" fill="hold">
-                      <p:stCondLst>
-                        <p:cond delay="indefinite"/>
-                      </p:stCondLst>
-                      <p:childTnLst>
-                        <p:par>
-                          <p:cTn id="48" fill="hold">
-                            <p:stCondLst>
-                              <p:cond delay="0"/>
-                            </p:stCondLst>
-                            <p:childTnLst>
                               <p:par>
-                                <p:cTn id="49" presetID="4" presetClass="entr" presetSubtype="16" fill="hold" grpId="0" nodeType="clickEffect">
+                                <p:cTn id="84" presetID="4" presetClass="entr" presetSubtype="16" fill="hold" grpId="0" nodeType="withEffect">
                                   <p:stCondLst>
                                     <p:cond delay="0"/>
                                   </p:stCondLst>
                                   <p:childTnLst>
                                     <p:set>
                                       <p:cBhvr>
-                                        <p:cTn id="50" dur="1" fill="hold">
+                                        <p:cTn id="85" dur="1" fill="hold">
                                           <p:stCondLst>
                                             <p:cond delay="0"/>
                                           </p:stCondLst>
                                         </p:cTn>
                                         <p:tgtEl>
-                                          <p:spTgt spid="6"/>
+                                          <p:spTgt spid="11"/>
                                         </p:tgtEl>
                                         <p:attrNameLst>
                                           <p:attrName>style.visibility</p:attrName>
@@ -35513,9 +35684,9 @@
                                     </p:set>
                                     <p:animEffect transition="in" filter="box(in)">
                                       <p:cBhvr>
-                                        <p:cTn id="51" dur="500"/>
-                                        <p:tgtEl>
-                                          <p:spTgt spid="6"/>
+                                        <p:cTn id="86" dur="500"/>
+                                        <p:tgtEl>
+                                          <p:spTgt spid="11"/>
                                         </p:tgtEl>
                                       </p:cBhvr>
                                     </p:animEffect>
@@ -35526,26 +35697,26 @@
                           </p:cTn>
                         </p:par>
                         <p:par>
-                          <p:cTn id="52" fill="hold">
+                          <p:cTn id="87" fill="hold">
                             <p:stCondLst>
                               <p:cond delay="500"/>
                             </p:stCondLst>
                             <p:childTnLst>
                               <p:par>
-                                <p:cTn id="53" presetID="4" presetClass="entr" presetSubtype="16" fill="hold" grpId="0" nodeType="afterEffect">
+                                <p:cTn id="88" presetID="4" presetClass="entr" presetSubtype="16" fill="hold" grpId="0" nodeType="afterEffect">
                                   <p:stCondLst>
                                     <p:cond delay="1000"/>
                                   </p:stCondLst>
                                   <p:childTnLst>
                                     <p:set>
                                       <p:cBhvr>
-                                        <p:cTn id="54" dur="1" fill="hold">
+                                        <p:cTn id="89" dur="1" fill="hold">
                                           <p:stCondLst>
                                             <p:cond delay="0"/>
                                           </p:stCondLst>
                                         </p:cTn>
                                         <p:tgtEl>
-                                          <p:spTgt spid="7"/>
+                                          <p:spTgt spid="12"/>
                                         </p:tgtEl>
                                         <p:attrNameLst>
                                           <p:attrName>style.visibility</p:attrName>
@@ -35557,9 +35728,9 @@
                                     </p:set>
                                     <p:animEffect transition="in" filter="box(in)">
                                       <p:cBhvr>
-                                        <p:cTn id="55" dur="500"/>
-                                        <p:tgtEl>
-                                          <p:spTgt spid="7"/>
+                                        <p:cTn id="90" dur="500"/>
+                                        <p:tgtEl>
+                                          <p:spTgt spid="12"/>
                                         </p:tgtEl>
                                       </p:cBhvr>
                                     </p:animEffect>
@@ -35570,29 +35741,28 @@
                           </p:cTn>
                         </p:par>
                         <p:par>
-                          <p:cTn id="56" fill="hold">
+                          <p:cTn id="91" fill="hold">
                             <p:stCondLst>
                               <p:cond delay="2000"/>
                             </p:stCondLst>
                             <p:childTnLst>
                               <p:par>
-                                <p:cTn id="57" presetID="0" presetClass="path" presetSubtype="0" accel="50000" decel="50000" fill="hold" grpId="1" nodeType="afterEffect">
+                                <p:cTn id="92" presetID="0" presetClass="path" presetSubtype="0" accel="50000" decel="50000" fill="hold" grpId="1" nodeType="afterEffect">
                                   <p:stCondLst>
                                     <p:cond delay="500"/>
                                   </p:stCondLst>
                                   <p:childTnLst>
-                                    <p:animMotion origin="layout" path="M 2.5E-6 0.00023 C 0.01632 0.0074 0.04757 -0.00301 0.06528 -0.00509 C 0.07257 -0.0081 0.08194 -0.00393 0.08889 -0.00116 C 0.09305 0.00671 0.09288 0.01504 0.09444 0.02429 C 0.09531 0.04557 0.0967 0.06292 0.09444 0.0842 C 0.09514 0.09507 0.09618 0.10641 0.0967 0.11728 C 0.09739 0.13278 0.09409 0.14943 0.09878 0.16401 C 0.09982 0.16678 0.10347 0.16632 0.10555 0.16817 C 0.12205 0.16609 0.13698 0.16377 0.15347 0.16817 C 0.15729 0.16701 0.16475 0.16539 0.16475 0.16563 " pathEditMode="relative" rAng="0" ptsTypes="fffffffffA">
-                                      <p:cBhvr>
-                                        <p:cTn id="58" dur="2000" fill="hold"/>
-                                        <p:tgtEl>
-                                          <p:spTgt spid="7"/>
+                                    <p:animMotion origin="layout" path="M 0 0 C 0.01979 0.00162 0.03958 0.00393 0.0592 0.00648 C 0.08159 0.01434 0.1085 0.01087 0.13107 0.01157 C 0.13368 0.01203 0.13645 0.0118 0.13888 0.01296 C 0.14409 0.0155 0.14184 0.02545 0.1427 0.02984 C 0.1434 0.03401 0.15104 0.03354 0.15156 0.03354 C 0.16944 0.02753 0.20243 0.03331 0.21562 0.03354 C 0.23316 0.03701 0.24861 0.03562 0.26614 0.03354 C 0.3151 0.03493 0.36371 0.03701 0.41267 0.03354 C 0.42066 0.03516 0.41944 0.03424 0.42135 0.0428 C 0.41701 0.08096 0.41909 0.06523 0.41562 0.09045 C 0.41597 0.09346 0.41597 0.09669 0.41649 0.0997 C 0.41701 0.10317 0.41857 0.10988 0.41857 0.10988 C 0.42013 0.12885 0.421 0.14782 0.42239 0.16678 C 0.43402 0.16077 0.4467 0.16169 0.4592 0.16169 " pathEditMode="relative" ptsTypes="ffffffffffffffA">
+                                      <p:cBhvr>
+                                        <p:cTn id="93" dur="2000" fill="hold"/>
+                                        <p:tgtEl>
+                                          <p:spTgt spid="12"/>
                                         </p:tgtEl>
                                         <p:attrNameLst>
                                           <p:attrName>ppt_x</p:attrName>
                                           <p:attrName>ppt_y</p:attrName>
                                         </p:attrNameLst>
                                       </p:cBhvr>
-                                      <p:rCtr x="82" y="80"/>
                                     </p:animMotion>
                                   </p:childTnLst>
                                 </p:cTn>
@@ -35601,188 +35771,34 @@
                           </p:cTn>
                         </p:par>
                         <p:par>
-                          <p:cTn id="59" fill="hold">
+                          <p:cTn id="94" fill="hold">
                             <p:stCondLst>
                               <p:cond delay="4500"/>
                             </p:stCondLst>
                             <p:childTnLst>
                               <p:par>
-                                <p:cTn id="60" presetID="4" presetClass="exit" presetSubtype="16" fill="hold" grpId="1" nodeType="afterEffect">
+                                <p:cTn id="95" presetID="4" presetClass="exit" presetSubtype="16" fill="hold" grpId="1" nodeType="afterEffect">
                                   <p:stCondLst>
                                     <p:cond delay="0"/>
                                   </p:stCondLst>
                                   <p:childTnLst>
                                     <p:animEffect transition="out" filter="box(in)">
                                       <p:cBhvr>
-                                        <p:cTn id="61" dur="500"/>
-                                        <p:tgtEl>
-                                          <p:spTgt spid="6"/>
+                                        <p:cTn id="96" dur="500"/>
+                                        <p:tgtEl>
+                                          <p:spTgt spid="11"/>
                                         </p:tgtEl>
                                       </p:cBhvr>
                                     </p:animEffect>
                                     <p:set>
                                       <p:cBhvr>
-                                        <p:cTn id="62" dur="1" fill="hold">
+                                        <p:cTn id="97" dur="1" fill="hold">
                                           <p:stCondLst>
                                             <p:cond delay="499"/>
                                           </p:stCondLst>
                                         </p:cTn>
                                         <p:tgtEl>
-                                          <p:spTgt spid="6"/>
-                                        </p:tgtEl>
-                                        <p:attrNameLst>
-                                          <p:attrName>style.visibility</p:attrName>
-                                        </p:attrNameLst>
-                                      </p:cBhvr>
-                                      <p:to>
-                                        <p:strVal val="hidden"/>
-                                      </p:to>
-                                    </p:set>
-                                  </p:childTnLst>
-                                </p:cTn>
-                              </p:par>
-                              <p:par>
-                                <p:cTn id="63" presetID="4" presetClass="entr" presetSubtype="16" fill="hold" grpId="0" nodeType="withEffect">
-                                  <p:stCondLst>
-                                    <p:cond delay="0"/>
-                                  </p:stCondLst>
-                                  <p:childTnLst>
-                                    <p:set>
-                                      <p:cBhvr>
-                                        <p:cTn id="64" dur="1" fill="hold">
-                                          <p:stCondLst>
-                                            <p:cond delay="0"/>
-                                          </p:stCondLst>
-                                        </p:cTn>
-                                        <p:tgtEl>
-                                          <p:spTgt spid="8"/>
-                                        </p:tgtEl>
-                                        <p:attrNameLst>
-                                          <p:attrName>style.visibility</p:attrName>
-                                        </p:attrNameLst>
-                                      </p:cBhvr>
-                                      <p:to>
-                                        <p:strVal val="visible"/>
-                                      </p:to>
-                                    </p:set>
-                                    <p:animEffect transition="in" filter="box(in)">
-                                      <p:cBhvr>
-                                        <p:cTn id="65" dur="500"/>
-                                        <p:tgtEl>
-                                          <p:spTgt spid="8"/>
-                                        </p:tgtEl>
-                                      </p:cBhvr>
-                                    </p:animEffect>
-                                  </p:childTnLst>
-                                </p:cTn>
-                              </p:par>
-                            </p:childTnLst>
-                          </p:cTn>
-                        </p:par>
-                        <p:par>
-                          <p:cTn id="66" fill="hold">
-                            <p:stCondLst>
-                              <p:cond delay="5000"/>
-                            </p:stCondLst>
-                            <p:childTnLst>
-                              <p:par>
-                                <p:cTn id="67" presetID="4" presetClass="entr" presetSubtype="16" fill="hold" grpId="0" nodeType="afterEffect">
-                                  <p:stCondLst>
-                                    <p:cond delay="1000"/>
-                                  </p:stCondLst>
-                                  <p:childTnLst>
-                                    <p:set>
-                                      <p:cBhvr>
-                                        <p:cTn id="68" dur="1" fill="hold">
-                                          <p:stCondLst>
-                                            <p:cond delay="0"/>
-                                          </p:stCondLst>
-                                        </p:cTn>
-                                        <p:tgtEl>
-                                          <p:spTgt spid="10"/>
-                                        </p:tgtEl>
-                                        <p:attrNameLst>
-                                          <p:attrName>style.visibility</p:attrName>
-                                        </p:attrNameLst>
-                                      </p:cBhvr>
-                                      <p:to>
-                                        <p:strVal val="visible"/>
-                                      </p:to>
-                                    </p:set>
-                                    <p:animEffect transition="in" filter="box(in)">
-                                      <p:cBhvr>
-                                        <p:cTn id="69" dur="500"/>
-                                        <p:tgtEl>
-                                          <p:spTgt spid="10"/>
-                                        </p:tgtEl>
-                                      </p:cBhvr>
-                                    </p:animEffect>
-                                  </p:childTnLst>
-                                </p:cTn>
-                              </p:par>
-                            </p:childTnLst>
-                          </p:cTn>
-                        </p:par>
-                        <p:par>
-                          <p:cTn id="70" fill="hold">
-                            <p:stCondLst>
-                              <p:cond delay="6500"/>
-                            </p:stCondLst>
-                            <p:childTnLst>
-                              <p:par>
-                                <p:cTn id="71" presetID="0" presetClass="path" presetSubtype="0" accel="50000" decel="50000" fill="hold" grpId="1" nodeType="afterEffect">
-                                  <p:stCondLst>
-                                    <p:cond delay="500"/>
-                                  </p:stCondLst>
-                                  <p:childTnLst>
-                                    <p:animMotion origin="layout" path="M 5E-6 -1.74879E-6 C 0.00869 0.00162 0.0165 0.0037 0.02535 0.00463 C 0.03698 0.00717 0.0474 0.00787 0.05938 0.00856 C 0.08299 0.01249 0.10504 0.01504 0.129 0.01596 C 0.12709 0.02892 0.12431 0.03771 0.12709 0.05043 C 0.12709 0.05066 0.12865 0.05876 0.129 0.05922 C 0.13073 0.06176 0.13351 0.0613 0.1356 0.062 C 0.1599 0.05598 0.18473 0.06361 0.20903 0.06593 C 0.21407 0.06477 0.2191 0.06431 0.22414 0.06292 C 0.22535 0.06246 0.22761 0.05876 0.22796 0.06061 C 0.22969 0.06986 0.2283 0.08004 0.22882 0.08975 C 0.22952 0.1034 0.23143 0.11774 0.23264 0.13162 C 0.23299 0.14296 0.23056 0.15499 0.23351 0.16586 C 0.23455 0.16956 0.23924 0.16655 0.24202 0.16702 C 0.25816 0.16956 0.25365 0.1684 0.27501 0.1684 " pathEditMode="relative" rAng="0" ptsTypes="ffffffffffffffA">
-                                      <p:cBhvr>
-                                        <p:cTn id="72" dur="2000" fill="hold"/>
-                                        <p:tgtEl>
-                                          <p:spTgt spid="10"/>
-                                        </p:tgtEl>
-                                        <p:attrNameLst>
-                                          <p:attrName>ppt_x</p:attrName>
-                                          <p:attrName>ppt_y</p:attrName>
-                                        </p:attrNameLst>
-                                      </p:cBhvr>
-                                      <p:rCtr x="138" y="85"/>
-                                    </p:animMotion>
-                                  </p:childTnLst>
-                                </p:cTn>
-                              </p:par>
-                            </p:childTnLst>
-                          </p:cTn>
-                        </p:par>
-                        <p:par>
-                          <p:cTn id="73" fill="hold">
-                            <p:stCondLst>
-                              <p:cond delay="9000"/>
-                            </p:stCondLst>
-                            <p:childTnLst>
-                              <p:par>
-                                <p:cTn id="74" presetID="4" presetClass="exit" presetSubtype="16" fill="hold" grpId="1" nodeType="afterEffect">
-                                  <p:stCondLst>
-                                    <p:cond delay="0"/>
-                                  </p:stCondLst>
-                                  <p:childTnLst>
-                                    <p:animEffect transition="out" filter="box(in)">
-                                      <p:cBhvr>
-                                        <p:cTn id="75" dur="500"/>
-                                        <p:tgtEl>
-                                          <p:spTgt spid="8"/>
-                                        </p:tgtEl>
-                                      </p:cBhvr>
-                                    </p:animEffect>
-                                    <p:set>
-                                      <p:cBhvr>
-                                        <p:cTn id="76" dur="1" fill="hold">
-                                          <p:stCondLst>
-                                            <p:cond delay="499"/>
-                                          </p:stCondLst>
-                                        </p:cTn>
-                                        <p:tgtEl>
-                                          <p:spTgt spid="8"/>
+                                          <p:spTgt spid="11"/>
                                         </p:tgtEl>
                                         <p:attrNameLst>
                                           <p:attrName>style.visibility</p:attrName>
@@ -35802,26 +35818,26 @@
                     </p:cTn>
                   </p:par>
                   <p:par>
-                    <p:cTn id="77" fill="hold">
+                    <p:cTn id="98" fill="hold">
                       <p:stCondLst>
                         <p:cond delay="indefinite"/>
                       </p:stCondLst>
                       <p:childTnLst>
                         <p:par>
-                          <p:cTn id="78" fill="hold">
+                          <p:cTn id="99" fill="hold">
                             <p:stCondLst>
                               <p:cond delay="0"/>
                             </p:stCondLst>
                             <p:childTnLst>
                               <p:par>
-                                <p:cTn id="79" presetID="1" presetClass="entr" presetSubtype="0" fill="hold" nodeType="clickEffect">
+                                <p:cTn id="100" presetID="1" presetClass="entr" presetSubtype="0" fill="hold" nodeType="clickEffect">
                                   <p:stCondLst>
                                     <p:cond delay="0"/>
                                   </p:stCondLst>
                                   <p:childTnLst>
                                     <p:set>
                                       <p:cBhvr>
-                                        <p:cTn id="80" dur="1" fill="hold">
+                                        <p:cTn id="101" dur="1" fill="hold">
                                           <p:stCondLst>
                                             <p:cond delay="0"/>
                                           </p:stCondLst>
@@ -35829,7 +35845,7 @@
                                         <p:tgtEl>
                                           <p:spTgt spid="5">
                                             <p:txEl>
-                                              <p:pRg st="1" end="1"/>
+                                              <p:pRg st="2" end="2"/>
                                             </p:txEl>
                                           </p:spTgt>
                                         </p:tgtEl>
@@ -35845,20 +35861,20 @@
                                 </p:cTn>
                               </p:par>
                               <p:par>
-                                <p:cTn id="81" presetID="4" presetClass="entr" presetSubtype="16" fill="hold" grpId="0" nodeType="withEffect">
+                                <p:cTn id="102" presetID="4" presetClass="entr" presetSubtype="16" fill="hold" grpId="0" nodeType="withEffect">
                                   <p:stCondLst>
                                     <p:cond delay="0"/>
                                   </p:stCondLst>
                                   <p:childTnLst>
                                     <p:set>
                                       <p:cBhvr>
-                                        <p:cTn id="82" dur="1" fill="hold">
+                                        <p:cTn id="103" dur="1" fill="hold">
                                           <p:stCondLst>
                                             <p:cond delay="0"/>
                                           </p:stCondLst>
                                         </p:cTn>
                                         <p:tgtEl>
-                                          <p:spTgt spid="11"/>
+                                          <p:spTgt spid="13"/>
                                         </p:tgtEl>
                                         <p:attrNameLst>
                                           <p:attrName>style.visibility</p:attrName>
@@ -35870,9 +35886,9 @@
                                     </p:set>
                                     <p:animEffect transition="in" filter="box(in)">
                                       <p:cBhvr>
-                                        <p:cTn id="83" dur="500"/>
-                                        <p:tgtEl>
-                                          <p:spTgt spid="11"/>
+                                        <p:cTn id="104" dur="500"/>
+                                        <p:tgtEl>
+                                          <p:spTgt spid="13"/>
                                         </p:tgtEl>
                                       </p:cBhvr>
                                     </p:animEffect>
@@ -35883,26 +35899,26 @@
                           </p:cTn>
                         </p:par>
                         <p:par>
-                          <p:cTn id="84" fill="hold">
+                          <p:cTn id="105" fill="hold">
                             <p:stCondLst>
                               <p:cond delay="500"/>
                             </p:stCondLst>
                             <p:childTnLst>
                               <p:par>
-                                <p:cTn id="85" presetID="4" presetClass="entr" presetSubtype="16" fill="hold" grpId="0" nodeType="afterEffect">
+                                <p:cTn id="106" presetID="4" presetClass="entr" presetSubtype="16" fill="hold" grpId="0" nodeType="afterEffect">
                                   <p:stCondLst>
                                     <p:cond delay="1000"/>
                                   </p:stCondLst>
                                   <p:childTnLst>
                                     <p:set>
                                       <p:cBhvr>
-                                        <p:cTn id="86" dur="1" fill="hold">
+                                        <p:cTn id="107" dur="1" fill="hold">
                                           <p:stCondLst>
                                             <p:cond delay="0"/>
                                           </p:stCondLst>
                                         </p:cTn>
                                         <p:tgtEl>
-                                          <p:spTgt spid="12"/>
+                                          <p:spTgt spid="14"/>
                                         </p:tgtEl>
                                         <p:attrNameLst>
                                           <p:attrName>style.visibility</p:attrName>
@@ -35914,9 +35930,9 @@
                                     </p:set>
                                     <p:animEffect transition="in" filter="box(in)">
                                       <p:cBhvr>
-                                        <p:cTn id="87" dur="500"/>
-                                        <p:tgtEl>
-                                          <p:spTgt spid="12"/>
+                                        <p:cTn id="108" dur="500"/>
+                                        <p:tgtEl>
+                                          <p:spTgt spid="14"/>
                                         </p:tgtEl>
                                       </p:cBhvr>
                                     </p:animEffect>
@@ -35927,215 +35943,13 @@
                           </p:cTn>
                         </p:par>
                         <p:par>
-                          <p:cTn id="88" fill="hold">
+                          <p:cTn id="109" fill="hold">
                             <p:stCondLst>
                               <p:cond delay="2000"/>
                             </p:stCondLst>
                             <p:childTnLst>
                               <p:par>
-                                <p:cTn id="89" presetID="0" presetClass="path" presetSubtype="0" accel="50000" decel="50000" fill="hold" grpId="1" nodeType="afterEffect">
-                                  <p:stCondLst>
-                                    <p:cond delay="500"/>
-                                  </p:stCondLst>
-                                  <p:childTnLst>
-                                    <p:animMotion origin="layout" path="M 0 0 C 0.01979 0.00162 0.03958 0.00393 0.0592 0.00648 C 0.08159 0.01434 0.1085 0.01087 0.13107 0.01157 C 0.13368 0.01203 0.13645 0.0118 0.13888 0.01296 C 0.14409 0.0155 0.14184 0.02545 0.1427 0.02984 C 0.1434 0.03401 0.15104 0.03354 0.15156 0.03354 C 0.16944 0.02753 0.20243 0.03331 0.21562 0.03354 C 0.23316 0.03701 0.24861 0.03562 0.26614 0.03354 C 0.3151 0.03493 0.36371 0.03701 0.41267 0.03354 C 0.42066 0.03516 0.41944 0.03424 0.42135 0.0428 C 0.41701 0.08096 0.41909 0.06523 0.41562 0.09045 C 0.41597 0.09346 0.41597 0.09669 0.41649 0.0997 C 0.41701 0.10317 0.41857 0.10988 0.41857 0.10988 C 0.42013 0.12885 0.421 0.14782 0.42239 0.16678 C 0.43402 0.16077 0.4467 0.16169 0.4592 0.16169 " pathEditMode="relative" ptsTypes="ffffffffffffffA">
-                                      <p:cBhvr>
-                                        <p:cTn id="90" dur="2000" fill="hold"/>
-                                        <p:tgtEl>
-                                          <p:spTgt spid="12"/>
-                                        </p:tgtEl>
-                                        <p:attrNameLst>
-                                          <p:attrName>ppt_x</p:attrName>
-                                          <p:attrName>ppt_y</p:attrName>
-                                        </p:attrNameLst>
-                                      </p:cBhvr>
-                                    </p:animMotion>
-                                  </p:childTnLst>
-                                </p:cTn>
-                              </p:par>
-                            </p:childTnLst>
-                          </p:cTn>
-                        </p:par>
-                        <p:par>
-                          <p:cTn id="91" fill="hold">
-                            <p:stCondLst>
-                              <p:cond delay="4500"/>
-                            </p:stCondLst>
-                            <p:childTnLst>
-                              <p:par>
-                                <p:cTn id="92" presetID="4" presetClass="exit" presetSubtype="16" fill="hold" grpId="1" nodeType="afterEffect">
-                                  <p:stCondLst>
-                                    <p:cond delay="0"/>
-                                  </p:stCondLst>
-                                  <p:childTnLst>
-                                    <p:animEffect transition="out" filter="box(in)">
-                                      <p:cBhvr>
-                                        <p:cTn id="93" dur="500"/>
-                                        <p:tgtEl>
-                                          <p:spTgt spid="11"/>
-                                        </p:tgtEl>
-                                      </p:cBhvr>
-                                    </p:animEffect>
-                                    <p:set>
-                                      <p:cBhvr>
-                                        <p:cTn id="94" dur="1" fill="hold">
-                                          <p:stCondLst>
-                                            <p:cond delay="499"/>
-                                          </p:stCondLst>
-                                        </p:cTn>
-                                        <p:tgtEl>
-                                          <p:spTgt spid="11"/>
-                                        </p:tgtEl>
-                                        <p:attrNameLst>
-                                          <p:attrName>style.visibility</p:attrName>
-                                        </p:attrNameLst>
-                                      </p:cBhvr>
-                                      <p:to>
-                                        <p:strVal val="hidden"/>
-                                      </p:to>
-                                    </p:set>
-                                  </p:childTnLst>
-                                </p:cTn>
-                              </p:par>
-                            </p:childTnLst>
-                          </p:cTn>
-                        </p:par>
-                      </p:childTnLst>
-                    </p:cTn>
-                  </p:par>
-                  <p:par>
-                    <p:cTn id="95" fill="hold">
-                      <p:stCondLst>
-                        <p:cond delay="indefinite"/>
-                      </p:stCondLst>
-                      <p:childTnLst>
-                        <p:par>
-                          <p:cTn id="96" fill="hold">
-                            <p:stCondLst>
-                              <p:cond delay="0"/>
-                            </p:stCondLst>
-                            <p:childTnLst>
-                              <p:par>
-                                <p:cTn id="97" presetID="1" presetClass="entr" presetSubtype="0" fill="hold" nodeType="clickEffect">
-                                  <p:stCondLst>
-                                    <p:cond delay="0"/>
-                                  </p:stCondLst>
-                                  <p:childTnLst>
-                                    <p:set>
-                                      <p:cBhvr>
-                                        <p:cTn id="98" dur="1" fill="hold">
-                                          <p:stCondLst>
-                                            <p:cond delay="0"/>
-                                          </p:stCondLst>
-                                        </p:cTn>
-                                        <p:tgtEl>
-                                          <p:spTgt spid="5">
-                                            <p:txEl>
-                                              <p:pRg st="2" end="2"/>
-                                            </p:txEl>
-                                          </p:spTgt>
-                                        </p:tgtEl>
-                                        <p:attrNameLst>
-                                          <p:attrName>style.visibility</p:attrName>
-                                        </p:attrNameLst>
-                                      </p:cBhvr>
-                                      <p:to>
-                                        <p:strVal val="visible"/>
-                                      </p:to>
-                                    </p:set>
-                                  </p:childTnLst>
-                                </p:cTn>
-                              </p:par>
-                              <p:par>
-                                <p:cTn id="99" presetID="4" presetClass="entr" presetSubtype="16" fill="hold" grpId="0" nodeType="withEffect">
-                                  <p:stCondLst>
-                                    <p:cond delay="0"/>
-                                  </p:stCondLst>
-                                  <p:childTnLst>
-                                    <p:set>
-                                      <p:cBhvr>
-                                        <p:cTn id="100" dur="1" fill="hold">
-                                          <p:stCondLst>
-                                            <p:cond delay="0"/>
-                                          </p:stCondLst>
-                                        </p:cTn>
-                                        <p:tgtEl>
-                                          <p:spTgt spid="13"/>
-                                        </p:tgtEl>
-                                        <p:attrNameLst>
-                                          <p:attrName>style.visibility</p:attrName>
-                                        </p:attrNameLst>
-                                      </p:cBhvr>
-                                      <p:to>
-                                        <p:strVal val="visible"/>
-                                      </p:to>
-                                    </p:set>
-                                    <p:animEffect transition="in" filter="box(in)">
-                                      <p:cBhvr>
-                                        <p:cTn id="101" dur="500"/>
-                                        <p:tgtEl>
-                                          <p:spTgt spid="13"/>
-                                        </p:tgtEl>
-                                      </p:cBhvr>
-                                    </p:animEffect>
-                                  </p:childTnLst>
-                                </p:cTn>
-                              </p:par>
-                            </p:childTnLst>
-                          </p:cTn>
-                        </p:par>
-                        <p:par>
-                          <p:cTn id="102" fill="hold">
-                            <p:stCondLst>
-                              <p:cond delay="500"/>
-                            </p:stCondLst>
-                            <p:childTnLst>
-                              <p:par>
-                                <p:cTn id="103" presetID="4" presetClass="entr" presetSubtype="16" fill="hold" grpId="0" nodeType="afterEffect">
-                                  <p:stCondLst>
-                                    <p:cond delay="1000"/>
-                                  </p:stCondLst>
-                                  <p:childTnLst>
-                                    <p:set>
-                                      <p:cBhvr>
-                                        <p:cTn id="104" dur="1" fill="hold">
-                                          <p:stCondLst>
-                                            <p:cond delay="0"/>
-                                          </p:stCondLst>
-                                        </p:cTn>
-                                        <p:tgtEl>
-                                          <p:spTgt spid="14"/>
-                                        </p:tgtEl>
-                                        <p:attrNameLst>
-                                          <p:attrName>style.visibility</p:attrName>
-                                        </p:attrNameLst>
-                                      </p:cBhvr>
-                                      <p:to>
-                                        <p:strVal val="visible"/>
-                                      </p:to>
-                                    </p:set>
-                                    <p:animEffect transition="in" filter="box(in)">
-                                      <p:cBhvr>
-                                        <p:cTn id="105" dur="500"/>
-                                        <p:tgtEl>
-                                          <p:spTgt spid="14"/>
-                                        </p:tgtEl>
-                                      </p:cBhvr>
-                                    </p:animEffect>
-                                  </p:childTnLst>
-                                </p:cTn>
-                              </p:par>
-                            </p:childTnLst>
-                          </p:cTn>
-                        </p:par>
-                        <p:par>
-                          <p:cTn id="106" fill="hold">
-                            <p:stCondLst>
-                              <p:cond delay="2000"/>
-                            </p:stCondLst>
-                            <p:childTnLst>
-                              <p:par>
-                                <p:cTn id="107" presetID="0" presetClass="path" presetSubtype="0" repeatCount="indefinite" accel="50000" decel="50000" fill="hold" grpId="1" nodeType="afterEffect">
+                                <p:cTn id="110" presetID="0" presetClass="path" presetSubtype="0" repeatCount="indefinite" accel="50000" decel="50000" fill="hold" grpId="1" nodeType="afterEffect">
                                   <p:stCondLst>
                                     <p:cond delay="1000"/>
                                   </p:stCondLst>
@@ -36149,7 +35963,7 @@
                                   <p:childTnLst>
                                     <p:animMotion origin="layout" path="M 0 0 C 0.01527 0.00717 0.03159 0.01064 0.04757 0.01296 C 0.07257 0.00579 0.09826 0.01203 0.12343 0.01435 C 0.12534 0.01481 0.12829 0.01319 0.12916 0.0155 C 0.1302 0.01782 0.12777 0.02082 0.12725 0.02337 C 0.12656 0.02637 0.12604 0.02938 0.12534 0.03239 C 0.12569 0.03678 0.12482 0.04141 0.12621 0.04534 C 0.12673 0.04719 0.15468 0.04904 0.16701 0.04927 C 0.19357 0.04997 0.22013 0.04997 0.2467 0.05043 C 0.25972 0.04465 0.27916 0.04974 0.29236 0.05043 C 0.30243 0.05228 0.3125 0.05251 0.32239 0.05575 C 0.32118 0.05922 0.31979 0.06269 0.31857 0.06616 C 0.31701 0.07033 0.32343 0.08675 0.32534 0.09068 C 0.32986 0.11705 0.33142 0.14412 0.33402 0.17095 C 0.3434 0.17002 0.36215 0.16817 0.36215 0.16817 " pathEditMode="relative" ptsTypes="ffffffffffffffA">
                                       <p:cBhvr>
-                                        <p:cTn id="108" dur="2000" fill="hold"/>
+                                        <p:cTn id="111" dur="2000" fill="hold"/>
                                         <p:tgtEl>
                                           <p:spTgt spid="14"/>
                                         </p:tgtEl>
@@ -36190,7 +36004,7 @@
       </p:par>
     </p:tnLst>
     <p:bldLst>
-      <p:bldP spid="3" grpId="0" build="p"/>
+      <p:bldP spid="3" grpId="0" uiExpand="1" build="p"/>
       <p:bldP spid="6" grpId="0" animBg="1"/>
       <p:bldP spid="6" grpId="1" animBg="1"/>
       <p:bldP spid="7" grpId="0" animBg="1"/>
